--- a/2018/2018.05.08-TheFoundations-BootStrap.pptx
+++ b/2018/2018.05.08-TheFoundations-BootStrap.pptx
@@ -25,23 +25,24 @@
     <p:sldId id="275" r:id="rId19"/>
     <p:sldId id="276" r:id="rId20"/>
     <p:sldId id="279" r:id="rId21"/>
-    <p:sldId id="280" r:id="rId22"/>
-    <p:sldId id="281" r:id="rId23"/>
-    <p:sldId id="282" r:id="rId24"/>
-    <p:sldId id="283" r:id="rId25"/>
+    <p:sldId id="281" r:id="rId22"/>
+    <p:sldId id="282" r:id="rId23"/>
+    <p:sldId id="283" r:id="rId24"/>
+    <p:sldId id="297" r:id="rId25"/>
     <p:sldId id="284" r:id="rId26"/>
     <p:sldId id="285" r:id="rId27"/>
     <p:sldId id="286" r:id="rId28"/>
-    <p:sldId id="287" r:id="rId29"/>
-    <p:sldId id="288" r:id="rId30"/>
-    <p:sldId id="289" r:id="rId31"/>
-    <p:sldId id="290" r:id="rId32"/>
-    <p:sldId id="291" r:id="rId33"/>
-    <p:sldId id="292" r:id="rId34"/>
-    <p:sldId id="293" r:id="rId35"/>
-    <p:sldId id="294" r:id="rId36"/>
-    <p:sldId id="295" r:id="rId37"/>
-    <p:sldId id="296" r:id="rId38"/>
+    <p:sldId id="298" r:id="rId29"/>
+    <p:sldId id="289" r:id="rId30"/>
+    <p:sldId id="290" r:id="rId31"/>
+    <p:sldId id="287" r:id="rId32"/>
+    <p:sldId id="288" r:id="rId33"/>
+    <p:sldId id="291" r:id="rId34"/>
+    <p:sldId id="292" r:id="rId35"/>
+    <p:sldId id="293" r:id="rId36"/>
+    <p:sldId id="294" r:id="rId37"/>
+    <p:sldId id="295" r:id="rId38"/>
+    <p:sldId id="296" r:id="rId39"/>
   </p:sldIdLst>
   <p:sldSz cx="12192000" cy="6858000"/>
   <p:notesSz cx="6858000" cy="9144000"/>
@@ -394,7 +395,7 @@
             <a:fld id="{B61BEF0D-F0BB-DE4B-95CE-6DB70DBA9567}" type="datetimeFigureOut">
               <a:rPr lang="en-US" smtClean="0"/>
               <a:pPr/>
-              <a:t>5/8/2018</a:t>
+              <a:t>5/16/2018</a:t>
             </a:fld>
             <a:endParaRPr lang="en-US" dirty="0"/>
           </a:p>
@@ -572,7 +573,7 @@
             <a:fld id="{B61BEF0D-F0BB-DE4B-95CE-6DB70DBA9567}" type="datetimeFigureOut">
               <a:rPr lang="en-US" smtClean="0"/>
               <a:pPr/>
-              <a:t>5/8/2018</a:t>
+              <a:t>5/16/2018</a:t>
             </a:fld>
             <a:endParaRPr lang="en-US" dirty="0"/>
           </a:p>
@@ -698,7 +699,7 @@
             <a:fld id="{B61BEF0D-F0BB-DE4B-95CE-6DB70DBA9567}" type="datetimeFigureOut">
               <a:rPr lang="en-US" smtClean="0"/>
               <a:pPr/>
-              <a:t>5/8/2018</a:t>
+              <a:t>5/16/2018</a:t>
             </a:fld>
             <a:endParaRPr lang="en-US" dirty="0"/>
           </a:p>
@@ -790,7 +791,7 @@
             <a:fld id="{B61BEF0D-F0BB-DE4B-95CE-6DB70DBA9567}" type="datetimeFigureOut">
               <a:rPr lang="en-US" smtClean="0"/>
               <a:pPr/>
-              <a:t>5/8/2018</a:t>
+              <a:t>5/16/2018</a:t>
             </a:fld>
             <a:endParaRPr lang="en-US" dirty="0"/>
           </a:p>
@@ -1030,7 +1031,7 @@
             <a:fld id="{B61BEF0D-F0BB-DE4B-95CE-6DB70DBA9567}" type="datetimeFigureOut">
               <a:rPr lang="en-US" smtClean="0"/>
               <a:pPr/>
-              <a:t>5/8/2018</a:t>
+              <a:t>5/16/2018</a:t>
             </a:fld>
             <a:endParaRPr lang="en-US" dirty="0"/>
           </a:p>
@@ -1208,7 +1209,7 @@
             <a:fld id="{B61BEF0D-F0BB-DE4B-95CE-6DB70DBA9567}" type="datetimeFigureOut">
               <a:rPr lang="en-US" smtClean="0"/>
               <a:pPr/>
-              <a:t>5/8/2018</a:t>
+              <a:t>5/16/2018</a:t>
             </a:fld>
             <a:endParaRPr lang="en-US" dirty="0"/>
           </a:p>
@@ -1448,7 +1449,7 @@
             <a:fld id="{B61BEF0D-F0BB-DE4B-95CE-6DB70DBA9567}" type="datetimeFigureOut">
               <a:rPr lang="en-US" smtClean="0"/>
               <a:pPr/>
-              <a:t>5/8/2018</a:t>
+              <a:t>5/16/2018</a:t>
             </a:fld>
             <a:endParaRPr lang="en-US" dirty="0"/>
           </a:p>
@@ -1719,7 +1720,7 @@
             <a:fld id="{B61BEF0D-F0BB-DE4B-95CE-6DB70DBA9567}" type="datetimeFigureOut">
               <a:rPr lang="en-US" smtClean="0"/>
               <a:pPr/>
-              <a:t>5/8/2018</a:t>
+              <a:t>5/16/2018</a:t>
             </a:fld>
             <a:endParaRPr lang="en-US" dirty="0"/>
           </a:p>
@@ -3829,6 +3830,17 @@
           <a:p>
             <a:r>
               <a:rPr lang="pt-BR" dirty="0" smtClean="0"/>
+              <a:t>Baixar o pacote </a:t>
+            </a:r>
+            <a:r>
+              <a:rPr lang="pt-BR" dirty="0" err="1" smtClean="0"/>
+              <a:t>FontAwesome</a:t>
+            </a:r>
+            <a:endParaRPr lang="pt-BR" dirty="0" smtClean="0"/>
+          </a:p>
+          <a:p>
+            <a:r>
+              <a:rPr lang="pt-BR" dirty="0" smtClean="0"/>
               <a:t>Ícones simples e planos para utilização em diferentes contextos</a:t>
             </a:r>
           </a:p>
@@ -3849,7 +3861,10 @@
               <a:rPr lang="pt-BR" dirty="0" err="1" smtClean="0"/>
               <a:t>span</a:t>
             </a:r>
-            <a:endParaRPr lang="pt-BR" dirty="0" smtClean="0"/>
+            <a:r>
+              <a:rPr lang="pt-BR" dirty="0" smtClean="0"/>
+              <a:t> e à i</a:t>
+            </a:r>
           </a:p>
           <a:p>
             <a:r>
@@ -3860,29 +3875,31 @@
               <a:rPr lang="pt-BR" dirty="0" err="1" smtClean="0">
                 <a:latin typeface="Consolas" panose="020B0609020204030204" pitchFamily="49" charset="0"/>
               </a:rPr>
-              <a:t>glyphicon</a:t>
-            </a:r>
-            <a:r>
-              <a:rPr lang="pt-BR" dirty="0" smtClean="0"/>
-              <a:t> e </a:t>
+              <a:t>fa</a:t>
+            </a:r>
+            <a:r>
+              <a:rPr lang="pt-BR" dirty="0" smtClean="0">
+                <a:latin typeface="Consolas" panose="020B0609020204030204" pitchFamily="49" charset="0"/>
+              </a:rPr>
+              <a:t> </a:t>
             </a:r>
             <a:r>
               <a:rPr lang="pt-BR" dirty="0" err="1" smtClean="0">
                 <a:latin typeface="Consolas" panose="020B0609020204030204" pitchFamily="49" charset="0"/>
               </a:rPr>
-              <a:t>glyphicon</a:t>
+              <a:t>fa</a:t>
             </a:r>
             <a:r>
               <a:rPr lang="pt-BR" dirty="0" smtClean="0">
                 <a:latin typeface="Consolas" panose="020B0609020204030204" pitchFamily="49" charset="0"/>
               </a:rPr>
-              <a:t>-*******</a:t>
+              <a:t>-****</a:t>
             </a:r>
           </a:p>
           <a:p>
             <a:r>
               <a:rPr lang="pt-BR" dirty="0"/>
-              <a:t>Referência completa: http://glyphicons.com/</a:t>
+              <a:t>Referência completa: https://fontawesome.com/v4.7.0/icons/</a:t>
             </a:r>
           </a:p>
         </p:txBody>
@@ -3904,7 +3921,15 @@
           <a:p>
             <a:r>
               <a:rPr lang="pt-BR" dirty="0" err="1" smtClean="0"/>
-              <a:t>Glyphicons</a:t>
+              <a:t>Font</a:t>
+            </a:r>
+            <a:r>
+              <a:rPr lang="pt-BR" dirty="0" smtClean="0"/>
+              <a:t> </a:t>
+            </a:r>
+            <a:r>
+              <a:rPr lang="pt-BR" dirty="0" err="1" smtClean="0"/>
+              <a:t>Awesome</a:t>
             </a:r>
             <a:endParaRPr lang="pt-BR" dirty="0"/>
           </a:p>
@@ -3957,30 +3982,127 @@
           <a:p>
             <a:r>
               <a:rPr lang="pt-BR" dirty="0" smtClean="0"/>
-              <a:t>Classe </a:t>
+              <a:t>Classes aplicáveis a </a:t>
             </a:r>
             <a:r>
               <a:rPr lang="pt-BR" dirty="0" err="1" smtClean="0">
                 <a:latin typeface="Consolas" panose="020B0609020204030204" pitchFamily="49" charset="0"/>
               </a:rPr>
+              <a:t>tags</a:t>
+            </a:r>
+            <a:r>
+              <a:rPr lang="pt-BR" dirty="0" smtClean="0"/>
+              <a:t> de lista de itens &lt;</a:t>
+            </a:r>
+            <a:r>
+              <a:rPr lang="pt-BR" dirty="0" err="1" smtClean="0">
+                <a:latin typeface="Consolas" panose="020B0609020204030204" pitchFamily="49" charset="0"/>
+              </a:rPr>
+              <a:t>ul</a:t>
+            </a:r>
+            <a:r>
+              <a:rPr lang="pt-BR" dirty="0" smtClean="0"/>
+              <a:t>&gt;</a:t>
+            </a:r>
+          </a:p>
+          <a:p>
+            <a:r>
+              <a:rPr lang="pt-BR" dirty="0" smtClean="0"/>
+              <a:t>Classe </a:t>
+            </a:r>
+            <a:r>
+              <a:rPr lang="pt-BR" dirty="0" err="1" smtClean="0">
+                <a:latin typeface="Consolas" panose="020B0609020204030204" pitchFamily="49" charset="0"/>
+              </a:rPr>
+              <a:t>pagination</a:t>
+            </a:r>
+            <a:r>
+              <a:rPr lang="pt-BR" dirty="0" smtClean="0"/>
+              <a:t> para mostrar números indicativos das </a:t>
+            </a:r>
+            <a:r>
+              <a:rPr lang="pt-BR" dirty="0" smtClean="0"/>
+              <a:t>páginas</a:t>
+            </a:r>
+          </a:p>
+          <a:p>
+            <a:r>
+              <a:rPr lang="pt-BR" dirty="0" smtClean="0"/>
+              <a:t>Classe </a:t>
+            </a:r>
+            <a:r>
+              <a:rPr lang="pt-BR" dirty="0" err="1" smtClean="0"/>
               <a:t>page</a:t>
             </a:r>
             <a:r>
-              <a:rPr lang="pt-BR" dirty="0" smtClean="0">
+              <a:rPr lang="pt-BR" dirty="0" smtClean="0"/>
+              <a:t>-item associada aos itens da lista</a:t>
+            </a:r>
+            <a:endParaRPr lang="pt-BR" dirty="0" smtClean="0"/>
+          </a:p>
+          <a:p>
+            <a:pPr lvl="1"/>
+            <a:r>
+              <a:rPr lang="pt-BR" dirty="0" smtClean="0"/>
+              <a:t>A classe </a:t>
+            </a:r>
+            <a:r>
+              <a:rPr lang="pt-BR" dirty="0" err="1" smtClean="0">
                 <a:latin typeface="Consolas" panose="020B0609020204030204" pitchFamily="49" charset="0"/>
               </a:rPr>
-              <a:t>-header</a:t>
-            </a:r>
-          </a:p>
-          <a:p>
-            <a:r>
-              <a:rPr lang="pt-BR" dirty="0" smtClean="0"/>
-              <a:t>Funciona como um divisor de seção na página </a:t>
-            </a:r>
-            <a:r>
-              <a:rPr lang="pt-BR" dirty="0" err="1" smtClean="0"/>
-              <a:t>html</a:t>
-            </a:r>
+              <a:t>active</a:t>
+            </a:r>
+            <a:r>
+              <a:rPr lang="pt-BR" dirty="0" smtClean="0"/>
+              <a:t> deixa marcado o item</a:t>
+            </a:r>
+          </a:p>
+          <a:p>
+            <a:pPr lvl="1"/>
+            <a:r>
+              <a:rPr lang="pt-BR" dirty="0" smtClean="0"/>
+              <a:t>A classe </a:t>
+            </a:r>
+            <a:r>
+              <a:rPr lang="pt-BR" dirty="0" err="1" smtClean="0">
+                <a:latin typeface="Consolas" panose="020B0609020204030204" pitchFamily="49" charset="0"/>
+              </a:rPr>
+              <a:t>disabled</a:t>
+            </a:r>
+            <a:r>
+              <a:rPr lang="pt-BR" dirty="0" smtClean="0"/>
+              <a:t> deixa o item desabilitado (ação de click não funciona)</a:t>
+            </a:r>
+          </a:p>
+          <a:p>
+            <a:pPr lvl="1"/>
+            <a:r>
+              <a:rPr lang="pt-BR" dirty="0" smtClean="0"/>
+              <a:t>A paginação aceita, além do tamanho padrão, as classes </a:t>
+            </a:r>
+            <a:r>
+              <a:rPr lang="pt-BR" dirty="0" err="1" smtClean="0">
+                <a:latin typeface="Consolas" panose="020B0609020204030204" pitchFamily="49" charset="0"/>
+              </a:rPr>
+              <a:t>pagination-lg</a:t>
+            </a:r>
+            <a:r>
+              <a:rPr lang="pt-BR" dirty="0" smtClean="0"/>
+              <a:t> e </a:t>
+            </a:r>
+            <a:r>
+              <a:rPr lang="pt-BR" dirty="0" err="1" smtClean="0">
+                <a:latin typeface="Consolas" panose="020B0609020204030204" pitchFamily="49" charset="0"/>
+              </a:rPr>
+              <a:t>pagination-sm</a:t>
+            </a:r>
+            <a:r>
+              <a:rPr lang="pt-BR" dirty="0" smtClean="0"/>
+              <a:t> para itens maiores ou menores respectivamente</a:t>
+            </a:r>
+          </a:p>
+          <a:p>
+            <a:pPr lvl="1"/>
             <a:endParaRPr lang="pt-BR" dirty="0"/>
           </a:p>
         </p:txBody>
@@ -4002,7 +4124,7 @@
           <a:p>
             <a:r>
               <a:rPr lang="pt-BR" dirty="0" smtClean="0"/>
-              <a:t>Cabeçalhos</a:t>
+              <a:t>Controle de páginas</a:t>
             </a:r>
             <a:endParaRPr lang="pt-BR" dirty="0"/>
           </a:p>
@@ -4011,7 +4133,7 @@
     </p:spTree>
     <p:extLst>
       <p:ext uri="{BB962C8B-B14F-4D97-AF65-F5344CB8AC3E}">
-        <p14:creationId xmlns:p14="http://schemas.microsoft.com/office/powerpoint/2010/main" val="2419967839"/>
+        <p14:creationId xmlns:p14="http://schemas.microsoft.com/office/powerpoint/2010/main" val="1972271098"/>
       </p:ext>
     </p:extLst>
   </p:cSld>
@@ -4055,151 +4177,67 @@
           <a:p>
             <a:r>
               <a:rPr lang="pt-BR" dirty="0" smtClean="0"/>
-              <a:t>Classes aplicáveis a </a:t>
+              <a:t>A classe </a:t>
             </a:r>
             <a:r>
               <a:rPr lang="pt-BR" dirty="0" err="1" smtClean="0">
                 <a:latin typeface="Consolas" panose="020B0609020204030204" pitchFamily="49" charset="0"/>
               </a:rPr>
-              <a:t>tags</a:t>
-            </a:r>
-            <a:r>
-              <a:rPr lang="pt-BR" dirty="0" smtClean="0"/>
-              <a:t> de lista de itens &lt;</a:t>
+              <a:t>bagde</a:t>
+            </a:r>
+            <a:r>
+              <a:rPr lang="pt-BR" dirty="0" smtClean="0"/>
+              <a:t> é utilizada para dar destaque a itens pequenos (pro exemplo, números. Associada à </a:t>
+            </a:r>
+            <a:r>
+              <a:rPr lang="pt-BR" dirty="0" err="1" smtClean="0"/>
+              <a:t>tag</a:t>
+            </a:r>
+            <a:r>
+              <a:rPr lang="pt-BR" dirty="0" smtClean="0"/>
+              <a:t> </a:t>
             </a:r>
             <a:r>
               <a:rPr lang="pt-BR" dirty="0" err="1" smtClean="0">
                 <a:latin typeface="Consolas" panose="020B0609020204030204" pitchFamily="49" charset="0"/>
               </a:rPr>
-              <a:t>ul</a:t>
-            </a:r>
-            <a:r>
-              <a:rPr lang="pt-BR" dirty="0" smtClean="0"/>
-              <a:t>&gt;</a:t>
-            </a:r>
-          </a:p>
-          <a:p>
-            <a:r>
-              <a:rPr lang="pt-BR" dirty="0" smtClean="0"/>
-              <a:t>Classe </a:t>
-            </a:r>
-            <a:r>
-              <a:rPr lang="pt-BR" dirty="0" err="1" smtClean="0">
+              <a:t>span</a:t>
+            </a:r>
+            <a:r>
+              <a:rPr lang="pt-BR" dirty="0" smtClean="0">
                 <a:latin typeface="Consolas" panose="020B0609020204030204" pitchFamily="49" charset="0"/>
               </a:rPr>
-              <a:t>pager</a:t>
-            </a:r>
-            <a:r>
-              <a:rPr lang="pt-BR" dirty="0" smtClean="0"/>
-              <a:t> para avançar e retroceder nas páginas</a:t>
-            </a:r>
-          </a:p>
-          <a:p>
-            <a:pPr lvl="1"/>
-            <a:r>
-              <a:rPr lang="pt-BR" dirty="0" smtClean="0"/>
-              <a:t>Podem ser utilizadas as classes </a:t>
-            </a:r>
-            <a:r>
-              <a:rPr lang="pt-BR" dirty="0" err="1" smtClean="0">
-                <a:latin typeface="Consolas" panose="020B0609020204030204" pitchFamily="49" charset="0"/>
-              </a:rPr>
-              <a:t>previous</a:t>
-            </a:r>
-            <a:r>
-              <a:rPr lang="pt-BR" dirty="0" smtClean="0"/>
-              <a:t> e </a:t>
-            </a:r>
-            <a:r>
-              <a:rPr lang="pt-BR" dirty="0" err="1" smtClean="0">
-                <a:latin typeface="Consolas" panose="020B0609020204030204" pitchFamily="49" charset="0"/>
-              </a:rPr>
-              <a:t>next</a:t>
-            </a:r>
-            <a:r>
-              <a:rPr lang="pt-BR" dirty="0" smtClean="0"/>
-              <a:t> associadas aos itens</a:t>
-            </a:r>
-          </a:p>
-          <a:p>
-            <a:r>
-              <a:rPr lang="pt-BR" dirty="0" smtClean="0"/>
-              <a:t>Classe </a:t>
-            </a:r>
-            <a:r>
-              <a:rPr lang="pt-BR" dirty="0" err="1" smtClean="0">
-                <a:latin typeface="Consolas" panose="020B0609020204030204" pitchFamily="49" charset="0"/>
-              </a:rPr>
-              <a:t>pagination</a:t>
-            </a:r>
-            <a:r>
-              <a:rPr lang="pt-BR" dirty="0" smtClean="0"/>
-              <a:t> para mostrar números indicativos das páginas</a:t>
-            </a:r>
-          </a:p>
-          <a:p>
-            <a:pPr lvl="1"/>
-            <a:r>
-              <a:rPr lang="pt-BR" dirty="0" smtClean="0"/>
-              <a:t>A classe </a:t>
-            </a:r>
-            <a:r>
-              <a:rPr lang="pt-BR" dirty="0" err="1" smtClean="0">
-                <a:latin typeface="Consolas" panose="020B0609020204030204" pitchFamily="49" charset="0"/>
-              </a:rPr>
-              <a:t>active</a:t>
-            </a:r>
-            <a:r>
-              <a:rPr lang="pt-BR" dirty="0" smtClean="0"/>
-              <a:t> deixa marcado o item</a:t>
-            </a:r>
-          </a:p>
-          <a:p>
-            <a:pPr lvl="1"/>
-            <a:r>
-              <a:rPr lang="pt-BR" dirty="0" smtClean="0"/>
-              <a:t>A classe </a:t>
-            </a:r>
-            <a:r>
-              <a:rPr lang="pt-BR" dirty="0" err="1" smtClean="0">
-                <a:latin typeface="Consolas" panose="020B0609020204030204" pitchFamily="49" charset="0"/>
-              </a:rPr>
-              <a:t>disabled</a:t>
-            </a:r>
-            <a:r>
-              <a:rPr lang="pt-BR" dirty="0" smtClean="0"/>
-              <a:t> deixa o item desabilitado (ação de click não funciona)</a:t>
-            </a:r>
-          </a:p>
-          <a:p>
-            <a:pPr lvl="1"/>
-            <a:r>
-              <a:rPr lang="pt-BR" dirty="0" smtClean="0"/>
-              <a:t>A paginação aceita, além do tamanho padrão, as classes </a:t>
-            </a:r>
-            <a:r>
-              <a:rPr lang="pt-BR" dirty="0" err="1" smtClean="0">
-                <a:latin typeface="Consolas" panose="020B0609020204030204" pitchFamily="49" charset="0"/>
-              </a:rPr>
-              <a:t>pagination-lg</a:t>
-            </a:r>
-            <a:r>
-              <a:rPr lang="pt-BR" dirty="0" smtClean="0"/>
-              <a:t> e </a:t>
-            </a:r>
-            <a:r>
-              <a:rPr lang="pt-BR" dirty="0" err="1" smtClean="0">
-                <a:latin typeface="Consolas" panose="020B0609020204030204" pitchFamily="49" charset="0"/>
-              </a:rPr>
-              <a:t>pagination-sm</a:t>
-            </a:r>
-            <a:r>
-              <a:rPr lang="pt-BR" dirty="0" smtClean="0"/>
-              <a:t> para itens maiores ou menores respectivamente</a:t>
-            </a:r>
-          </a:p>
-          <a:p>
-            <a:pPr lvl="1"/>
+              <a:t>. </a:t>
+            </a:r>
+            <a:r>
+              <a:rPr lang="pt-BR" dirty="0"/>
+              <a:t>Uso de classes de </a:t>
+            </a:r>
+            <a:r>
+              <a:rPr lang="pt-BR" dirty="0" err="1"/>
+              <a:t>contexo</a:t>
+            </a:r>
+            <a:r>
+              <a:rPr lang="pt-BR" dirty="0"/>
+              <a:t>.</a:t>
+            </a:r>
+          </a:p>
+          <a:p>
+            <a:r>
+              <a:rPr lang="pt-BR" dirty="0" err="1"/>
+              <a:t>Badge-pill</a:t>
+            </a:r>
+            <a:r>
+              <a:rPr lang="pt-BR" dirty="0"/>
+              <a:t> (cantos arredondados)</a:t>
+            </a:r>
+          </a:p>
+          <a:p>
+            <a:endParaRPr lang="pt-BR" dirty="0" smtClean="0">
+              <a:latin typeface="Consolas" panose="020B0609020204030204" pitchFamily="49" charset="0"/>
+            </a:endParaRPr>
+          </a:p>
+          <a:p>
             <a:endParaRPr lang="pt-BR" dirty="0"/>
           </a:p>
         </p:txBody>
@@ -4221,7 +4259,7 @@
           <a:p>
             <a:r>
               <a:rPr lang="pt-BR" dirty="0" smtClean="0"/>
-              <a:t>Controle de páginas</a:t>
+              <a:t>Rótulos e marcações</a:t>
             </a:r>
             <a:endParaRPr lang="pt-BR" dirty="0"/>
           </a:p>
@@ -4230,7 +4268,7 @@
     </p:spTree>
     <p:extLst>
       <p:ext uri="{BB962C8B-B14F-4D97-AF65-F5344CB8AC3E}">
-        <p14:creationId xmlns:p14="http://schemas.microsoft.com/office/powerpoint/2010/main" val="1972271098"/>
+        <p14:creationId xmlns:p14="http://schemas.microsoft.com/office/powerpoint/2010/main" val="817185644"/>
       </p:ext>
     </p:extLst>
   </p:cSld>
@@ -4274,147 +4312,198 @@
           <a:p>
             <a:r>
               <a:rPr lang="pt-BR" dirty="0" smtClean="0"/>
-              <a:t>A classe </a:t>
+              <a:t>Áreas na página que são utilizadas para separar e dar destaque ao conteúdo. </a:t>
+            </a:r>
+          </a:p>
+          <a:p>
+            <a:r>
+              <a:rPr lang="pt-BR" dirty="0" smtClean="0"/>
+              <a:t>Utiliza a classe </a:t>
             </a:r>
             <a:r>
               <a:rPr lang="pt-BR" dirty="0" err="1" smtClean="0">
                 <a:latin typeface="Consolas" panose="020B0609020204030204" pitchFamily="49" charset="0"/>
               </a:rPr>
-              <a:t>bagde</a:t>
-            </a:r>
-            <a:r>
-              <a:rPr lang="pt-BR" dirty="0" smtClean="0"/>
-              <a:t> é utilizada para dar destaque a itens pequenos (pro exemplo, números. Associada à </a:t>
-            </a:r>
-            <a:r>
-              <a:rPr lang="pt-BR" dirty="0" err="1" smtClean="0"/>
-              <a:t>tag</a:t>
-            </a:r>
-            <a:r>
-              <a:rPr lang="pt-BR" dirty="0" smtClean="0"/>
+              <a:t>card</a:t>
+            </a:r>
+            <a:r>
+              <a:rPr lang="pt-BR" dirty="0" smtClean="0">
+                <a:latin typeface="Consolas" panose="020B0609020204030204" pitchFamily="49" charset="0"/>
+              </a:rPr>
               <a:t> </a:t>
+            </a:r>
+            <a:r>
+              <a:rPr lang="pt-BR" dirty="0" smtClean="0"/>
+              <a:t>e </a:t>
             </a:r>
             <a:r>
               <a:rPr lang="pt-BR" dirty="0" err="1" smtClean="0">
                 <a:latin typeface="Consolas" panose="020B0609020204030204" pitchFamily="49" charset="0"/>
               </a:rPr>
-              <a:t>span</a:t>
-            </a:r>
-            <a:endParaRPr lang="pt-BR" dirty="0" smtClean="0">
-              <a:latin typeface="Consolas" panose="020B0609020204030204" pitchFamily="49" charset="0"/>
-            </a:endParaRPr>
-          </a:p>
-          <a:p>
-            <a:endParaRPr lang="pt-BR" dirty="0"/>
-          </a:p>
-          <a:p>
-            <a:r>
-              <a:rPr lang="pt-BR" dirty="0" smtClean="0"/>
-              <a:t>Rótulos são marcações maiores comumente relacionadas a textos. Utilizam a classe </a:t>
+              <a:t>card-heading</a:t>
+            </a:r>
+            <a:r>
+              <a:rPr lang="pt-BR" dirty="0" smtClean="0"/>
+              <a:t> (para o cabeçalho do painel), </a:t>
             </a:r>
             <a:r>
               <a:rPr lang="pt-BR" dirty="0" err="1" smtClean="0">
                 <a:latin typeface="Consolas" panose="020B0609020204030204" pitchFamily="49" charset="0"/>
               </a:rPr>
-              <a:t>label</a:t>
-            </a:r>
-            <a:r>
-              <a:rPr lang="pt-BR" dirty="0"/>
-              <a:t> </a:t>
-            </a:r>
-            <a:r>
-              <a:rPr lang="pt-BR" dirty="0" smtClean="0"/>
-              <a:t>e são associados à </a:t>
-            </a:r>
-            <a:r>
-              <a:rPr lang="pt-BR" dirty="0" err="1" smtClean="0"/>
-              <a:t>tag</a:t>
-            </a:r>
-            <a:r>
-              <a:rPr lang="pt-BR" dirty="0" smtClean="0"/>
-              <a:t> </a:t>
+              <a:t>card-body</a:t>
+            </a:r>
+            <a:r>
+              <a:rPr lang="pt-BR" dirty="0" smtClean="0"/>
+              <a:t> (para o conteúdo do painel) e </a:t>
             </a:r>
             <a:r>
               <a:rPr lang="pt-BR" dirty="0" err="1" smtClean="0">
                 <a:latin typeface="Consolas" panose="020B0609020204030204" pitchFamily="49" charset="0"/>
               </a:rPr>
-              <a:t>span</a:t>
-            </a:r>
-            <a:r>
-              <a:rPr lang="pt-BR" dirty="0" smtClean="0"/>
+              <a:t>card-footer</a:t>
+            </a:r>
+            <a:r>
+              <a:rPr lang="pt-BR" dirty="0" smtClean="0"/>
+              <a:t> (para o rodapé do painel)</a:t>
+            </a:r>
+          </a:p>
+          <a:p>
+            <a:r>
+              <a:rPr lang="en-US" dirty="0" smtClean="0"/>
+              <a:t>É </a:t>
+            </a:r>
+            <a:r>
+              <a:rPr lang="en-US" dirty="0" err="1" smtClean="0"/>
+              <a:t>possível</a:t>
+            </a:r>
+            <a:r>
+              <a:rPr lang="en-US" dirty="0" smtClean="0"/>
+              <a:t> </a:t>
+            </a:r>
+            <a:r>
+              <a:rPr lang="en-US" dirty="0" err="1" smtClean="0"/>
+              <a:t>agrupar</a:t>
+            </a:r>
+            <a:r>
+              <a:rPr lang="en-US" dirty="0" smtClean="0"/>
+              <a:t> </a:t>
+            </a:r>
+            <a:r>
+              <a:rPr lang="en-US" dirty="0" err="1" smtClean="0"/>
+              <a:t>diferentes</a:t>
+            </a:r>
+            <a:r>
+              <a:rPr lang="en-US" dirty="0" smtClean="0"/>
+              <a:t> </a:t>
+            </a:r>
+            <a:r>
+              <a:rPr lang="en-US" dirty="0" err="1" smtClean="0"/>
+              <a:t>painéis</a:t>
+            </a:r>
+            <a:r>
+              <a:rPr lang="en-US" dirty="0" smtClean="0"/>
+              <a:t> com o </a:t>
+            </a:r>
+            <a:r>
+              <a:rPr lang="en-US" dirty="0" err="1" smtClean="0"/>
+              <a:t>uso</a:t>
+            </a:r>
+            <a:r>
+              <a:rPr lang="en-US" dirty="0" smtClean="0"/>
+              <a:t> da </a:t>
+            </a:r>
+            <a:r>
+              <a:rPr lang="en-US" dirty="0" err="1" smtClean="0"/>
+              <a:t>classe</a:t>
+            </a:r>
+            <a:r>
+              <a:rPr lang="en-US" dirty="0" smtClean="0"/>
+              <a:t> card-group </a:t>
+            </a:r>
+            <a:r>
+              <a:rPr lang="en-US" dirty="0" err="1" smtClean="0"/>
+              <a:t>em</a:t>
+            </a:r>
+            <a:r>
+              <a:rPr lang="en-US" dirty="0" smtClean="0"/>
+              <a:t> </a:t>
+            </a:r>
+            <a:r>
+              <a:rPr lang="en-US" dirty="0" err="1" smtClean="0"/>
+              <a:t>uma</a:t>
+            </a:r>
+            <a:r>
+              <a:rPr lang="en-US" dirty="0" smtClean="0"/>
+              <a:t> div que </a:t>
+            </a:r>
+            <a:r>
+              <a:rPr lang="en-US" dirty="0" err="1" smtClean="0"/>
+              <a:t>encapsula</a:t>
+            </a:r>
+            <a:r>
+              <a:rPr lang="en-US" dirty="0" smtClean="0"/>
+              <a:t> as tags div dos </a:t>
+            </a:r>
+            <a:r>
+              <a:rPr lang="en-US" dirty="0" err="1" smtClean="0"/>
+              <a:t>painéis</a:t>
+            </a:r>
+            <a:r>
+              <a:rPr lang="en-US" dirty="0" smtClean="0"/>
               <a:t>.</a:t>
             </a:r>
           </a:p>
           <a:p>
-            <a:pPr lvl="1"/>
-            <a:r>
-              <a:rPr lang="pt-BR" dirty="0" smtClean="0"/>
-              <a:t>Possuem classes de contexto (</a:t>
-            </a:r>
-            <a:r>
-              <a:rPr lang="en-US" dirty="0"/>
-              <a:t>.</a:t>
-            </a:r>
-            <a:r>
-              <a:rPr lang="en-US" dirty="0">
-                <a:latin typeface="Consolas" panose="020B0609020204030204" pitchFamily="49" charset="0"/>
-              </a:rPr>
-              <a:t>label-default</a:t>
-            </a:r>
-            <a:r>
-              <a:rPr lang="en-US" dirty="0"/>
-              <a:t>, .</a:t>
-            </a:r>
-            <a:r>
-              <a:rPr lang="en-US" dirty="0">
-                <a:latin typeface="Consolas" panose="020B0609020204030204" pitchFamily="49" charset="0"/>
-              </a:rPr>
-              <a:t>label-primary</a:t>
-            </a:r>
-            <a:r>
-              <a:rPr lang="en-US" dirty="0"/>
-              <a:t>, .</a:t>
-            </a:r>
-            <a:r>
-              <a:rPr lang="en-US" dirty="0">
-                <a:latin typeface="Consolas" panose="020B0609020204030204" pitchFamily="49" charset="0"/>
-              </a:rPr>
-              <a:t>label-success</a:t>
-            </a:r>
-            <a:r>
-              <a:rPr lang="en-US" dirty="0"/>
-              <a:t>, .</a:t>
-            </a:r>
-            <a:r>
-              <a:rPr lang="en-US" dirty="0">
-                <a:latin typeface="Consolas" panose="020B0609020204030204" pitchFamily="49" charset="0"/>
-              </a:rPr>
-              <a:t>label-info</a:t>
-            </a:r>
-            <a:r>
-              <a:rPr lang="en-US" dirty="0"/>
-              <a:t>, .</a:t>
-            </a:r>
-            <a:r>
-              <a:rPr lang="en-US" dirty="0">
-                <a:latin typeface="Consolas" panose="020B0609020204030204" pitchFamily="49" charset="0"/>
-              </a:rPr>
-              <a:t>label-warning</a:t>
-            </a:r>
-            <a:r>
-              <a:rPr lang="en-US" dirty="0"/>
-              <a:t> or .</a:t>
-            </a:r>
-            <a:r>
-              <a:rPr lang="en-US" dirty="0" smtClean="0">
-                <a:latin typeface="Consolas" panose="020B0609020204030204" pitchFamily="49" charset="0"/>
-              </a:rPr>
-              <a:t>label-danger</a:t>
+            <a:r>
+              <a:rPr lang="en-US" dirty="0" err="1" smtClean="0"/>
+              <a:t>Associar</a:t>
             </a:r>
             <a:r>
               <a:rPr lang="en-US" dirty="0" smtClean="0"/>
-              <a:t>)</a:t>
-            </a:r>
+              <a:t> </a:t>
+            </a:r>
+            <a:r>
+              <a:rPr lang="en-US" dirty="0" err="1" smtClean="0"/>
+              <a:t>em</a:t>
+            </a:r>
+            <a:r>
+              <a:rPr lang="en-US" dirty="0" smtClean="0"/>
+              <a:t> um </a:t>
+            </a:r>
+            <a:r>
+              <a:rPr lang="en-US" dirty="0" err="1" smtClean="0"/>
+              <a:t>painel</a:t>
+            </a:r>
+            <a:r>
+              <a:rPr lang="en-US" dirty="0" smtClean="0"/>
+              <a:t> um </a:t>
+            </a:r>
+            <a:r>
+              <a:rPr lang="en-US" dirty="0" err="1" smtClean="0"/>
+              <a:t>lista</a:t>
+            </a:r>
+            <a:r>
+              <a:rPr lang="en-US" dirty="0" smtClean="0"/>
+              <a:t> de </a:t>
+            </a:r>
+            <a:r>
+              <a:rPr lang="en-US" dirty="0" err="1" smtClean="0"/>
+              <a:t>itens</a:t>
+            </a:r>
+            <a:r>
+              <a:rPr lang="en-US" dirty="0" smtClean="0"/>
+              <a:t> (&lt;</a:t>
+            </a:r>
+            <a:r>
+              <a:rPr lang="en-US" dirty="0" err="1" smtClean="0"/>
+              <a:t>ul</a:t>
+            </a:r>
+            <a:r>
+              <a:rPr lang="en-US" dirty="0" smtClean="0"/>
+              <a:t>&gt; list-group list-group-flush  &lt;li&gt; list-group-item)</a:t>
+            </a:r>
+          </a:p>
+          <a:p>
             <a:endParaRPr lang="pt-BR" dirty="0"/>
           </a:p>
         </p:txBody>
@@ -4436,7 +4525,7 @@
           <a:p>
             <a:r>
               <a:rPr lang="pt-BR" dirty="0" smtClean="0"/>
-              <a:t>Rótulos e marcações</a:t>
+              <a:t>Painéis</a:t>
             </a:r>
             <a:endParaRPr lang="pt-BR" dirty="0"/>
           </a:p>
@@ -4445,7 +4534,7 @@
     </p:spTree>
     <p:extLst>
       <p:ext uri="{BB962C8B-B14F-4D97-AF65-F5344CB8AC3E}">
-        <p14:creationId xmlns:p14="http://schemas.microsoft.com/office/powerpoint/2010/main" val="817185644"/>
+        <p14:creationId xmlns:p14="http://schemas.microsoft.com/office/powerpoint/2010/main" val="1169054474"/>
       </p:ext>
     </p:extLst>
   </p:cSld>
@@ -4489,209 +4578,77 @@
           <a:p>
             <a:r>
               <a:rPr lang="pt-BR" dirty="0" smtClean="0"/>
-              <a:t>Áreas na página que são utilizadas para separar e dar destaque ao conteúdo. </a:t>
-            </a:r>
-          </a:p>
-          <a:p>
-            <a:r>
-              <a:rPr lang="pt-BR" dirty="0" smtClean="0"/>
-              <a:t>Utiliza a classe </a:t>
-            </a:r>
-            <a:r>
-              <a:rPr lang="pt-BR" dirty="0" err="1" smtClean="0">
-                <a:latin typeface="Consolas" panose="020B0609020204030204" pitchFamily="49" charset="0"/>
-              </a:rPr>
-              <a:t>panel</a:t>
-            </a:r>
-            <a:r>
-              <a:rPr lang="pt-BR" dirty="0" smtClean="0"/>
-              <a:t> e </a:t>
-            </a:r>
-            <a:r>
-              <a:rPr lang="pt-BR" dirty="0" err="1" smtClean="0">
-                <a:latin typeface="Consolas" panose="020B0609020204030204" pitchFamily="49" charset="0"/>
-              </a:rPr>
-              <a:t>panel-heading</a:t>
-            </a:r>
-            <a:r>
-              <a:rPr lang="pt-BR" dirty="0" smtClean="0"/>
-              <a:t> (para o cabeçalho do painel), </a:t>
-            </a:r>
-            <a:r>
-              <a:rPr lang="pt-BR" dirty="0" err="1" smtClean="0">
-                <a:latin typeface="Consolas" panose="020B0609020204030204" pitchFamily="49" charset="0"/>
-              </a:rPr>
-              <a:t>panel-body</a:t>
-            </a:r>
-            <a:r>
-              <a:rPr lang="pt-BR" dirty="0" smtClean="0"/>
-              <a:t> (para o conteúdo do painel) e </a:t>
-            </a:r>
-            <a:r>
-              <a:rPr lang="pt-BR" dirty="0" err="1" smtClean="0">
-                <a:latin typeface="Consolas" panose="020B0609020204030204" pitchFamily="49" charset="0"/>
-              </a:rPr>
-              <a:t>panel-footer</a:t>
-            </a:r>
-            <a:r>
-              <a:rPr lang="pt-BR" dirty="0" smtClean="0"/>
-              <a:t> (para o rodapé do painel)</a:t>
-            </a:r>
-          </a:p>
-          <a:p>
-            <a:r>
-              <a:rPr lang="pt-BR" dirty="0" smtClean="0"/>
-              <a:t>Podem estar associados a classes de contexto (</a:t>
-            </a:r>
-            <a:r>
-              <a:rPr lang="en-US" dirty="0"/>
-              <a:t>.</a:t>
-            </a:r>
-            <a:r>
-              <a:rPr lang="en-US" dirty="0">
-                <a:latin typeface="Consolas" panose="020B0609020204030204" pitchFamily="49" charset="0"/>
-              </a:rPr>
-              <a:t>panel-default</a:t>
-            </a:r>
-            <a:r>
-              <a:rPr lang="en-US" dirty="0"/>
-              <a:t>, .</a:t>
-            </a:r>
-            <a:r>
-              <a:rPr lang="en-US" dirty="0">
-                <a:latin typeface="Consolas" panose="020B0609020204030204" pitchFamily="49" charset="0"/>
-              </a:rPr>
-              <a:t>panel-primary</a:t>
-            </a:r>
-            <a:r>
-              <a:rPr lang="en-US" dirty="0"/>
-              <a:t>, .</a:t>
-            </a:r>
-            <a:r>
-              <a:rPr lang="en-US" dirty="0">
-                <a:latin typeface="Consolas" panose="020B0609020204030204" pitchFamily="49" charset="0"/>
-              </a:rPr>
-              <a:t>panel-success</a:t>
-            </a:r>
-            <a:r>
-              <a:rPr lang="en-US" dirty="0"/>
-              <a:t>, .</a:t>
-            </a:r>
-            <a:r>
-              <a:rPr lang="en-US" dirty="0">
-                <a:latin typeface="Consolas" panose="020B0609020204030204" pitchFamily="49" charset="0"/>
-              </a:rPr>
-              <a:t>panel-info</a:t>
-            </a:r>
-            <a:r>
-              <a:rPr lang="en-US" dirty="0"/>
-              <a:t>, .</a:t>
-            </a:r>
-            <a:r>
-              <a:rPr lang="en-US" dirty="0">
-                <a:latin typeface="Consolas" panose="020B0609020204030204" pitchFamily="49" charset="0"/>
-              </a:rPr>
-              <a:t>panel-warning</a:t>
-            </a:r>
-            <a:r>
-              <a:rPr lang="en-US" dirty="0"/>
-              <a:t>, or .</a:t>
-            </a:r>
-            <a:r>
-              <a:rPr lang="en-US" dirty="0" smtClean="0">
-                <a:latin typeface="Consolas" panose="020B0609020204030204" pitchFamily="49" charset="0"/>
-              </a:rPr>
-              <a:t>panel-danger</a:t>
-            </a:r>
-            <a:r>
-              <a:rPr lang="en-US" dirty="0" smtClean="0"/>
-              <a:t>)</a:t>
-            </a:r>
-          </a:p>
-          <a:p>
-            <a:r>
-              <a:rPr lang="en-US" dirty="0" smtClean="0"/>
-              <a:t>É </a:t>
-            </a:r>
-            <a:r>
-              <a:rPr lang="en-US" dirty="0" err="1" smtClean="0"/>
-              <a:t>possível</a:t>
-            </a:r>
-            <a:r>
-              <a:rPr lang="en-US" dirty="0" smtClean="0"/>
-              <a:t> </a:t>
-            </a:r>
-            <a:r>
-              <a:rPr lang="en-US" dirty="0" err="1" smtClean="0"/>
-              <a:t>agrupar</a:t>
-            </a:r>
-            <a:r>
-              <a:rPr lang="en-US" dirty="0" smtClean="0"/>
-              <a:t> </a:t>
-            </a:r>
-            <a:r>
-              <a:rPr lang="en-US" dirty="0" err="1" smtClean="0"/>
-              <a:t>diferentes</a:t>
-            </a:r>
-            <a:r>
-              <a:rPr lang="en-US" dirty="0" smtClean="0"/>
-              <a:t> </a:t>
-            </a:r>
-            <a:r>
-              <a:rPr lang="en-US" dirty="0" err="1" smtClean="0"/>
-              <a:t>painéis</a:t>
-            </a:r>
-            <a:r>
-              <a:rPr lang="en-US" dirty="0" smtClean="0"/>
-              <a:t> com o </a:t>
-            </a:r>
-            <a:r>
-              <a:rPr lang="en-US" dirty="0" err="1" smtClean="0"/>
-              <a:t>uso</a:t>
-            </a:r>
-            <a:r>
-              <a:rPr lang="en-US" dirty="0" smtClean="0"/>
-              <a:t> da </a:t>
-            </a:r>
-            <a:r>
-              <a:rPr lang="en-US" dirty="0" err="1" smtClean="0"/>
-              <a:t>classe</a:t>
-            </a:r>
-            <a:r>
-              <a:rPr lang="en-US" dirty="0" smtClean="0"/>
-              <a:t> panel-group </a:t>
-            </a:r>
-            <a:r>
-              <a:rPr lang="en-US" dirty="0" err="1" smtClean="0"/>
-              <a:t>em</a:t>
-            </a:r>
-            <a:r>
-              <a:rPr lang="en-US" dirty="0" smtClean="0"/>
-              <a:t> </a:t>
-            </a:r>
-            <a:r>
-              <a:rPr lang="en-US" dirty="0" err="1" smtClean="0"/>
-              <a:t>uma</a:t>
-            </a:r>
-            <a:r>
-              <a:rPr lang="en-US" dirty="0" smtClean="0"/>
-              <a:t> div que </a:t>
-            </a:r>
-            <a:r>
-              <a:rPr lang="en-US" dirty="0" err="1" smtClean="0"/>
-              <a:t>encapsula</a:t>
-            </a:r>
-            <a:r>
-              <a:rPr lang="en-US" dirty="0" smtClean="0"/>
-              <a:t> as tags div dos </a:t>
-            </a:r>
-            <a:r>
-              <a:rPr lang="en-US" dirty="0" err="1" smtClean="0"/>
-              <a:t>painéis</a:t>
-            </a:r>
-            <a:r>
-              <a:rPr lang="en-US" dirty="0"/>
-              <a:t>.</a:t>
+              <a:t>Outras classes</a:t>
+            </a:r>
+          </a:p>
+          <a:p>
+            <a:r>
+              <a:rPr lang="pt-BR" dirty="0" smtClean="0"/>
+              <a:t>Classe : </a:t>
+            </a:r>
+            <a:r>
+              <a:rPr lang="pt-BR" dirty="0" err="1" smtClean="0"/>
+              <a:t>tag</a:t>
+            </a:r>
+            <a:r>
+              <a:rPr lang="pt-BR" dirty="0" smtClean="0"/>
+              <a:t> associada</a:t>
+            </a:r>
+          </a:p>
+          <a:p>
+            <a:r>
+              <a:rPr lang="pt-BR" dirty="0" err="1" smtClean="0"/>
+              <a:t>card</a:t>
+            </a:r>
+            <a:r>
+              <a:rPr lang="pt-BR" dirty="0" smtClean="0"/>
+              <a:t>-link: &lt;a&gt;</a:t>
+            </a:r>
+          </a:p>
+          <a:p>
+            <a:r>
+              <a:rPr lang="pt-BR" dirty="0" err="1" smtClean="0"/>
+              <a:t>card-title</a:t>
+            </a:r>
+            <a:r>
+              <a:rPr lang="pt-BR" dirty="0" smtClean="0"/>
+              <a:t>: &lt;h&gt;</a:t>
+            </a:r>
+          </a:p>
+          <a:p>
+            <a:r>
+              <a:rPr lang="pt-BR" dirty="0" err="1" smtClean="0"/>
+              <a:t>card-text</a:t>
+            </a:r>
+            <a:r>
+              <a:rPr lang="pt-BR" dirty="0" smtClean="0"/>
+              <a:t>: &lt;p&gt;</a:t>
+            </a:r>
+          </a:p>
+          <a:p>
+            <a:r>
+              <a:rPr lang="pt-BR" dirty="0" err="1" smtClean="0"/>
+              <a:t>text</a:t>
+            </a:r>
+            <a:r>
+              <a:rPr lang="pt-BR" dirty="0" smtClean="0"/>
+              <a:t>-center / </a:t>
+            </a:r>
+            <a:r>
+              <a:rPr lang="pt-BR" dirty="0" err="1" smtClean="0"/>
+              <a:t>text-right</a:t>
+            </a:r>
+            <a:r>
+              <a:rPr lang="pt-BR" dirty="0" smtClean="0"/>
+              <a:t> : &lt;</a:t>
+            </a:r>
+            <a:r>
+              <a:rPr lang="pt-BR" dirty="0" err="1" smtClean="0"/>
+              <a:t>div</a:t>
+            </a:r>
+            <a:r>
+              <a:rPr lang="pt-BR" dirty="0" smtClean="0"/>
+              <a:t>&gt;</a:t>
             </a:r>
             <a:endParaRPr lang="pt-BR" dirty="0"/>
           </a:p>
@@ -4713,8 +4670,8 @@
           <a:lstStyle/>
           <a:p>
             <a:r>
-              <a:rPr lang="pt-BR" dirty="0" smtClean="0"/>
-              <a:t>Painéis</a:t>
+              <a:rPr lang="pt-BR" dirty="0" err="1" smtClean="0"/>
+              <a:t>Paineis</a:t>
             </a:r>
             <a:endParaRPr lang="pt-BR" dirty="0"/>
           </a:p>
@@ -4723,7 +4680,7 @@
     </p:spTree>
     <p:extLst>
       <p:ext uri="{BB962C8B-B14F-4D97-AF65-F5344CB8AC3E}">
-        <p14:creationId xmlns:p14="http://schemas.microsoft.com/office/powerpoint/2010/main" val="1169054474"/>
+        <p14:creationId xmlns:p14="http://schemas.microsoft.com/office/powerpoint/2010/main" val="706873571"/>
       </p:ext>
     </p:extLst>
   </p:cSld>
@@ -4762,7 +4719,9 @@
         </p:nvSpPr>
         <p:spPr/>
         <p:txBody>
-          <a:bodyPr/>
+          <a:bodyPr>
+            <a:normAutofit fontScale="92500" lnSpcReduction="10000"/>
+          </a:bodyPr>
           <a:lstStyle/>
           <a:p>
             <a:r>
@@ -4835,6 +4794,18 @@
             </a:r>
             <a:r>
               <a:rPr lang="pt-BR" dirty="0"/>
+              <a:t> </a:t>
+            </a:r>
+            <a:r>
+              <a:rPr lang="pt-BR" dirty="0" smtClean="0"/>
+              <a:t> .</a:t>
+            </a:r>
+            <a:r>
+              <a:rPr lang="pt-BR" dirty="0" err="1" smtClean="0"/>
+              <a:t>btn-secondary</a:t>
+            </a:r>
+            <a:r>
+              <a:rPr lang="pt-BR" dirty="0" smtClean="0"/>
               <a:t> .</a:t>
             </a:r>
             <a:r>
@@ -4887,22 +4858,49 @@
               <a:rPr lang="pt-BR" dirty="0" smtClean="0">
                 <a:latin typeface="Consolas" panose="020B0609020204030204" pitchFamily="49" charset="0"/>
               </a:rPr>
-              <a:t>-link</a:t>
-            </a:r>
-            <a:r>
-              <a:rPr lang="pt-BR" dirty="0" smtClean="0"/>
-              <a:t>)</a:t>
-            </a:r>
-          </a:p>
-          <a:p>
-            <a:r>
-              <a:rPr lang="pt-BR" dirty="0" smtClean="0"/>
-              <a:t>É possível determinar o tamanho dos botões com as classes .</a:t>
+              <a:t>-link .</a:t>
             </a:r>
             <a:r>
               <a:rPr lang="pt-BR" dirty="0" err="1" smtClean="0">
                 <a:latin typeface="Consolas" panose="020B0609020204030204" pitchFamily="49" charset="0"/>
               </a:rPr>
+              <a:t>btn</a:t>
+            </a:r>
+            <a:r>
+              <a:rPr lang="pt-BR" dirty="0" smtClean="0">
+                <a:latin typeface="Consolas" panose="020B0609020204030204" pitchFamily="49" charset="0"/>
+              </a:rPr>
+              <a:t>-light .</a:t>
+            </a:r>
+            <a:r>
+              <a:rPr lang="pt-BR" dirty="0" err="1" smtClean="0">
+                <a:latin typeface="Consolas" panose="020B0609020204030204" pitchFamily="49" charset="0"/>
+              </a:rPr>
+              <a:t>btn-dark</a:t>
+            </a:r>
+            <a:r>
+              <a:rPr lang="pt-BR" dirty="0" smtClean="0"/>
+              <a:t>)</a:t>
+            </a:r>
+            <a:endParaRPr lang="pt-BR" dirty="0" smtClean="0"/>
+          </a:p>
+          <a:p>
+            <a:r>
+              <a:rPr lang="pt-BR" dirty="0" smtClean="0"/>
+              <a:t>É possível determinar o </a:t>
+            </a:r>
+            <a:r>
+              <a:rPr lang="pt-BR" dirty="0" smtClean="0"/>
+              <a:t>tamanho </a:t>
+            </a:r>
+            <a:r>
+              <a:rPr lang="pt-BR" dirty="0" smtClean="0"/>
+              <a:t>dos botões com as classes .</a:t>
+            </a:r>
+            <a:r>
+              <a:rPr lang="pt-BR" dirty="0" err="1" smtClean="0">
+                <a:latin typeface="Consolas" panose="020B0609020204030204" pitchFamily="49" charset="0"/>
+              </a:rPr>
               <a:t>btn-xs</a:t>
             </a:r>
             <a:r>
@@ -4921,17 +4919,11 @@
             </a:r>
             <a:r>
               <a:rPr lang="pt-BR" dirty="0" smtClean="0"/>
-              <a:t> .</a:t>
-            </a:r>
-            <a:r>
-              <a:rPr lang="pt-BR" dirty="0" err="1" smtClean="0">
-                <a:latin typeface="Consolas" panose="020B0609020204030204" pitchFamily="49" charset="0"/>
-              </a:rPr>
-              <a:t>btn-md</a:t>
-            </a:r>
-            <a:r>
-              <a:rPr lang="pt-BR" dirty="0" smtClean="0"/>
-              <a:t> .</a:t>
+              <a:t> </a:t>
+            </a:r>
+            <a:r>
+              <a:rPr lang="pt-BR" dirty="0" smtClean="0"/>
+              <a:t>.</a:t>
             </a:r>
             <a:r>
               <a:rPr lang="pt-BR" dirty="0" err="1" smtClean="0">
@@ -4982,7 +4974,25 @@
             </a:r>
             <a:r>
               <a:rPr lang="pt-BR" dirty="0" smtClean="0"/>
-              <a:t> desabilita o click no botão</a:t>
+              <a:t> desabilita o click no </a:t>
+            </a:r>
+            <a:r>
+              <a:rPr lang="pt-BR" dirty="0" smtClean="0"/>
+              <a:t>botão</a:t>
+            </a:r>
+          </a:p>
+          <a:p>
+            <a:r>
+              <a:rPr lang="pt-BR" dirty="0" smtClean="0"/>
+              <a:t>A classe .</a:t>
+            </a:r>
+            <a:r>
+              <a:rPr lang="pt-BR" dirty="0" err="1" smtClean="0"/>
+              <a:t>btn-outline</a:t>
+            </a:r>
+            <a:r>
+              <a:rPr lang="pt-BR" dirty="0" smtClean="0"/>
+              <a:t>-* deixa o botão apenas com as bordas na cor especificada</a:t>
             </a:r>
           </a:p>
         </p:txBody>
@@ -5057,8 +5067,43 @@
           <a:p>
             <a:r>
               <a:rPr lang="pt-BR" dirty="0" smtClean="0"/>
-              <a:t>Permite que se crie conjunto de botões de mesmo tamanho e sem separação entre eles.</a:t>
-            </a:r>
+              <a:t>Permite que se crie conjunto de botões de mesmo tamanho e sem separação entre eles</a:t>
+            </a:r>
+            <a:r>
+              <a:rPr lang="pt-BR" dirty="0" smtClean="0"/>
+              <a:t>.</a:t>
+            </a:r>
+          </a:p>
+          <a:p>
+            <a:r>
+              <a:rPr lang="pt-BR" dirty="0" smtClean="0"/>
+              <a:t>Associados à </a:t>
+            </a:r>
+            <a:r>
+              <a:rPr lang="pt-BR" dirty="0" err="1" smtClean="0"/>
+              <a:t>tag</a:t>
+            </a:r>
+            <a:r>
+              <a:rPr lang="pt-BR" dirty="0" smtClean="0"/>
+              <a:t> </a:t>
+            </a:r>
+            <a:r>
+              <a:rPr lang="pt-BR" dirty="0" err="1" smtClean="0"/>
+              <a:t>div</a:t>
+            </a:r>
+            <a:r>
+              <a:rPr lang="pt-BR" dirty="0" smtClean="0"/>
+              <a:t>. Utilizar a propriedade role (</a:t>
+            </a:r>
+            <a:r>
+              <a:rPr lang="pt-BR" dirty="0" err="1" smtClean="0"/>
+              <a:t>group</a:t>
+            </a:r>
+            <a:r>
+              <a:rPr lang="pt-BR" dirty="0" smtClean="0"/>
+              <a:t> / toolbar)</a:t>
+            </a:r>
+            <a:endParaRPr lang="pt-BR" dirty="0" smtClean="0"/>
           </a:p>
           <a:p>
             <a:r>
@@ -5093,15 +5138,11 @@
           <a:p>
             <a:r>
               <a:rPr lang="pt-BR" dirty="0" smtClean="0"/>
-              <a:t>Pode-se adicionar as classes </a:t>
-            </a:r>
-            <a:r>
-              <a:rPr lang="pt-BR" dirty="0" err="1" smtClean="0"/>
-              <a:t>btn-group-xs</a:t>
-            </a:r>
-            <a:r>
-              <a:rPr lang="pt-BR" dirty="0" smtClean="0"/>
-              <a:t> </a:t>
+              <a:t>Pode-se adicionar as </a:t>
+            </a:r>
+            <a:r>
+              <a:rPr lang="pt-BR" dirty="0" smtClean="0"/>
+              <a:t>classes </a:t>
             </a:r>
             <a:r>
               <a:rPr lang="pt-BR" dirty="0" err="1" smtClean="0"/>
@@ -5117,47 +5158,13 @@
             </a:r>
             <a:r>
               <a:rPr lang="pt-BR" dirty="0" smtClean="0"/>
-              <a:t> para determinar o tamanho dos botões</a:t>
-            </a:r>
-          </a:p>
-          <a:p>
-            <a:r>
-              <a:rPr lang="pt-BR" dirty="0" smtClean="0"/>
-              <a:t>A classe </a:t>
-            </a:r>
-            <a:r>
-              <a:rPr lang="pt-BR" dirty="0" err="1" smtClean="0"/>
-              <a:t>btn-group-justified</a:t>
-            </a:r>
-            <a:r>
-              <a:rPr lang="pt-BR" dirty="0" smtClean="0"/>
-              <a:t> faz com que os botões ocupem toda a largura da página. (Quando esta classe for utilizada com a </a:t>
-            </a:r>
-            <a:r>
-              <a:rPr lang="pt-BR" dirty="0" err="1" smtClean="0"/>
-              <a:t>tag</a:t>
-            </a:r>
-            <a:r>
-              <a:rPr lang="pt-BR" dirty="0" smtClean="0"/>
-              <a:t> </a:t>
-            </a:r>
-            <a:r>
-              <a:rPr lang="pt-BR" dirty="0" err="1" smtClean="0"/>
-              <a:t>button</a:t>
-            </a:r>
-            <a:r>
-              <a:rPr lang="pt-BR" dirty="0" smtClean="0"/>
-              <a:t>, cada botão deve ser encapsulado em um </a:t>
-            </a:r>
-            <a:r>
-              <a:rPr lang="pt-BR" dirty="0" err="1" smtClean="0"/>
-              <a:t>btn-group</a:t>
-            </a:r>
-            <a:r>
-              <a:rPr lang="pt-BR" dirty="0" smtClean="0"/>
-              <a:t> diferente)</a:t>
-            </a:r>
-            <a:endParaRPr lang="pt-BR" dirty="0"/>
+              <a:t> para determinar o tamanho dos </a:t>
+            </a:r>
+            <a:r>
+              <a:rPr lang="pt-BR" dirty="0" smtClean="0"/>
+              <a:t>botões</a:t>
+            </a:r>
+            <a:endParaRPr lang="pt-BR" dirty="0" smtClean="0"/>
           </a:p>
         </p:txBody>
       </p:sp>
@@ -5227,7 +5234,7 @@
         <p:spPr/>
         <p:txBody>
           <a:bodyPr>
-            <a:normAutofit lnSpcReduction="10000"/>
+            <a:normAutofit/>
           </a:bodyPr>
           <a:lstStyle/>
           <a:p>
@@ -5263,7 +5270,35 @@
             </a:r>
             <a:r>
               <a:rPr lang="pt-BR" dirty="0" smtClean="0"/>
-              <a:t> e </a:t>
+              <a:t>, </a:t>
+            </a:r>
+            <a:r>
+              <a:rPr lang="pt-BR" dirty="0" err="1" smtClean="0"/>
+              <a:t>dropdown-toggle</a:t>
+            </a:r>
+            <a:r>
+              <a:rPr lang="pt-BR" dirty="0" smtClean="0"/>
+              <a:t> associado à </a:t>
+            </a:r>
+            <a:r>
+              <a:rPr lang="pt-BR" dirty="0" err="1" smtClean="0"/>
+              <a:t>tag</a:t>
+            </a:r>
+            <a:r>
+              <a:rPr lang="pt-BR" dirty="0" smtClean="0"/>
+              <a:t> &lt;</a:t>
+            </a:r>
+            <a:r>
+              <a:rPr lang="pt-BR" dirty="0" err="1" smtClean="0"/>
+              <a:t>button</a:t>
+            </a:r>
+            <a:r>
+              <a:rPr lang="pt-BR" dirty="0" smtClean="0"/>
+              <a:t>&gt; ou &lt;a&gt;, </a:t>
+            </a:r>
+            <a:r>
+              <a:rPr lang="pt-BR" dirty="0" smtClean="0"/>
+              <a:t> </a:t>
             </a:r>
             <a:r>
               <a:rPr lang="pt-BR" dirty="0" err="1" smtClean="0">
@@ -5287,105 +5322,75 @@
             </a:r>
             <a:r>
               <a:rPr lang="pt-BR" dirty="0" smtClean="0"/>
-              <a:t> &lt;</a:t>
+              <a:t> </a:t>
+            </a:r>
+            <a:r>
+              <a:rPr lang="pt-BR" dirty="0" smtClean="0"/>
+              <a:t>&lt;</a:t>
             </a:r>
             <a:r>
               <a:rPr lang="pt-BR" dirty="0" err="1" smtClean="0">
                 <a:latin typeface="Consolas" panose="020B0609020204030204" pitchFamily="49" charset="0"/>
               </a:rPr>
-              <a:t>ul</a:t>
-            </a:r>
-            <a:r>
-              <a:rPr lang="pt-BR" dirty="0" smtClean="0"/>
-              <a:t>&gt;.</a:t>
-            </a:r>
-          </a:p>
-          <a:p>
-            <a:r>
-              <a:rPr lang="pt-BR" dirty="0" smtClean="0"/>
-              <a:t>Há duas formas de se fazer o menu (exemplo). Uma com o ícone para abertura do menu junto do texto do botão e outra com o ícone separado.</a:t>
-            </a:r>
-          </a:p>
-          <a:p>
-            <a:r>
-              <a:rPr lang="pt-BR" dirty="0" smtClean="0"/>
-              <a:t>É possível incluir cabeçalho (classe .</a:t>
-            </a:r>
-            <a:r>
-              <a:rPr lang="pt-BR" dirty="0" err="1" smtClean="0">
-                <a:latin typeface="Consolas" panose="020B0609020204030204" pitchFamily="49" charset="0"/>
-              </a:rPr>
+              <a:t>div</a:t>
+            </a:r>
+            <a:r>
+              <a:rPr lang="pt-BR" dirty="0" smtClean="0"/>
+              <a:t>&gt; e </a:t>
+            </a:r>
+            <a:r>
+              <a:rPr lang="pt-BR" dirty="0" err="1" smtClean="0"/>
+              <a:t>drop</a:t>
+            </a:r>
+            <a:r>
+              <a:rPr lang="pt-BR" dirty="0" err="1" smtClean="0"/>
+              <a:t>down</a:t>
+            </a:r>
+            <a:r>
+              <a:rPr lang="pt-BR" dirty="0" smtClean="0"/>
+              <a:t>-item associado às </a:t>
+            </a:r>
+            <a:r>
+              <a:rPr lang="pt-BR" dirty="0" err="1" smtClean="0"/>
+              <a:t>tags</a:t>
+            </a:r>
+            <a:r>
+              <a:rPr lang="pt-BR" dirty="0" smtClean="0"/>
+              <a:t> &lt;a&gt; ou &lt;</a:t>
+            </a:r>
+            <a:r>
+              <a:rPr lang="pt-BR" dirty="0" err="1" smtClean="0"/>
+              <a:t>button</a:t>
+            </a:r>
+            <a:r>
+              <a:rPr lang="pt-BR" dirty="0" smtClean="0"/>
+              <a:t>&gt;</a:t>
+            </a:r>
+            <a:r>
+              <a:rPr lang="pt-BR" dirty="0" smtClean="0"/>
+              <a:t>. Importante utilizar o atributo data-</a:t>
+            </a:r>
+            <a:r>
+              <a:rPr lang="pt-BR" dirty="0" err="1" smtClean="0"/>
+              <a:t>togle</a:t>
+            </a:r>
+            <a:r>
+              <a:rPr lang="pt-BR" dirty="0" smtClean="0"/>
+              <a:t>=“</a:t>
+            </a:r>
+            <a:r>
+              <a:rPr lang="pt-BR" dirty="0" err="1" smtClean="0"/>
               <a:t>dropdown</a:t>
             </a:r>
             <a:r>
-              <a:rPr lang="pt-BR" dirty="0" smtClean="0">
-                <a:latin typeface="Consolas" panose="020B0609020204030204" pitchFamily="49" charset="0"/>
-              </a:rPr>
-              <a:t>-header</a:t>
-            </a:r>
-            <a:r>
-              <a:rPr lang="pt-BR" dirty="0" smtClean="0"/>
-              <a:t>) e barra de divisão ao menu (classe .</a:t>
-            </a:r>
-            <a:r>
-              <a:rPr lang="pt-BR" dirty="0" err="1" smtClean="0">
-                <a:latin typeface="Consolas" panose="020B0609020204030204" pitchFamily="49" charset="0"/>
-              </a:rPr>
-              <a:t>divider</a:t>
-            </a:r>
-            <a:r>
-              <a:rPr lang="pt-BR" dirty="0" smtClean="0"/>
-              <a:t>)</a:t>
-            </a:r>
-          </a:p>
-          <a:p>
-            <a:r>
-              <a:rPr lang="pt-BR" dirty="0" smtClean="0"/>
-              <a:t>Além disso, com o uso da classe .</a:t>
-            </a:r>
-            <a:r>
-              <a:rPr lang="pt-BR" dirty="0" err="1" smtClean="0">
-                <a:latin typeface="Consolas" panose="020B0609020204030204" pitchFamily="49" charset="0"/>
-              </a:rPr>
+              <a:rPr lang="pt-BR" dirty="0" smtClean="0"/>
+              <a:t>” associado ao botão do </a:t>
+            </a:r>
+            <a:r>
+              <a:rPr lang="pt-BR" dirty="0" err="1" smtClean="0"/>
               <a:t>dropdown</a:t>
             </a:r>
-            <a:r>
-              <a:rPr lang="pt-BR" dirty="0" smtClean="0">
-                <a:latin typeface="Consolas" panose="020B0609020204030204" pitchFamily="49" charset="0"/>
-              </a:rPr>
-              <a:t>-menu-</a:t>
-            </a:r>
-            <a:r>
-              <a:rPr lang="pt-BR" dirty="0" err="1" smtClean="0">
-                <a:latin typeface="Consolas" panose="020B0609020204030204" pitchFamily="49" charset="0"/>
-              </a:rPr>
-              <a:t>right</a:t>
-            </a:r>
-            <a:r>
-              <a:rPr lang="pt-BR" dirty="0" smtClean="0"/>
-              <a:t>, o menu se abre à direita da tela e a classe .</a:t>
-            </a:r>
-            <a:r>
-              <a:rPr lang="pt-BR" dirty="0" err="1" smtClean="0">
-                <a:latin typeface="Consolas" panose="020B0609020204030204" pitchFamily="49" charset="0"/>
-              </a:rPr>
-              <a:t>dropup</a:t>
-            </a:r>
-            <a:r>
-              <a:rPr lang="pt-BR" dirty="0" smtClean="0"/>
-              <a:t> deve ser utilizada no lugar da classe .</a:t>
-            </a:r>
-            <a:r>
-              <a:rPr lang="pt-BR" dirty="0" err="1" smtClean="0">
-                <a:latin typeface="Consolas" panose="020B0609020204030204" pitchFamily="49" charset="0"/>
-              </a:rPr>
-              <a:t>dropdown</a:t>
-            </a:r>
-            <a:r>
-              <a:rPr lang="pt-BR" dirty="0" smtClean="0"/>
-              <a:t> para que o menu abra para cima.</a:t>
-            </a:r>
-            <a:endParaRPr lang="pt-BR" dirty="0"/>
+            <a:endParaRPr lang="pt-BR" dirty="0" smtClean="0"/>
           </a:p>
         </p:txBody>
       </p:sp>
@@ -5466,193 +5471,86 @@
           <a:lstStyle/>
           <a:p>
             <a:r>
-              <a:rPr lang="pt-BR" dirty="0" smtClean="0"/>
-              <a:t>São componentes que aparecem no início da pagina e são utilizados como menus de interação</a:t>
-            </a:r>
-          </a:p>
-          <a:p>
-            <a:r>
-              <a:rPr lang="pt-BR" dirty="0" smtClean="0"/>
-              <a:t>Uma barra de navegação padrão utilizar a </a:t>
-            </a:r>
-            <a:r>
-              <a:rPr lang="pt-BR" dirty="0" err="1" smtClean="0"/>
-              <a:t>tag</a:t>
-            </a:r>
-            <a:r>
-              <a:rPr lang="pt-BR" dirty="0" smtClean="0"/>
-              <a:t> </a:t>
-            </a:r>
-            <a:r>
-              <a:rPr lang="pt-BR" dirty="0" err="1" smtClean="0">
-                <a:latin typeface="Courier New" panose="02070309020205020404" pitchFamily="49" charset="0"/>
-                <a:cs typeface="Courier New" panose="02070309020205020404" pitchFamily="49" charset="0"/>
-              </a:rPr>
-              <a:t>nav</a:t>
-            </a:r>
-            <a:r>
-              <a:rPr lang="pt-BR" dirty="0" smtClean="0"/>
-              <a:t> com as classes </a:t>
-            </a:r>
-            <a:r>
-              <a:rPr lang="pt-BR" dirty="0" err="1" smtClean="0">
-                <a:latin typeface="Courier New" panose="02070309020205020404" pitchFamily="49" charset="0"/>
-                <a:cs typeface="Courier New" panose="02070309020205020404" pitchFamily="49" charset="0"/>
-              </a:rPr>
-              <a:t>navbar</a:t>
-            </a:r>
-            <a:r>
-              <a:rPr lang="pt-BR" dirty="0" smtClean="0"/>
-              <a:t> e </a:t>
-            </a:r>
-            <a:r>
-              <a:rPr lang="pt-BR" dirty="0" err="1" smtClean="0">
-                <a:latin typeface="Courier New" panose="02070309020205020404" pitchFamily="49" charset="0"/>
-                <a:cs typeface="Courier New" panose="02070309020205020404" pitchFamily="49" charset="0"/>
-              </a:rPr>
-              <a:t>navbar</a:t>
-            </a:r>
-            <a:r>
-              <a:rPr lang="pt-BR" dirty="0" smtClean="0">
-                <a:latin typeface="Courier New" panose="02070309020205020404" pitchFamily="49" charset="0"/>
-                <a:cs typeface="Courier New" panose="02070309020205020404" pitchFamily="49" charset="0"/>
-              </a:rPr>
-              <a:t>-default</a:t>
-            </a:r>
-            <a:r>
-              <a:rPr lang="pt-BR" dirty="0" smtClean="0"/>
-              <a:t>.</a:t>
-            </a:r>
-          </a:p>
-          <a:p>
-            <a:r>
-              <a:rPr lang="pt-BR" dirty="0" smtClean="0"/>
-              <a:t>Para uma barra em cor escura use a classe </a:t>
-            </a:r>
-            <a:r>
-              <a:rPr lang="pt-BR" dirty="0" err="1" smtClean="0"/>
-              <a:t>navbar-inverse</a:t>
-            </a:r>
-            <a:r>
-              <a:rPr lang="pt-BR" dirty="0" smtClean="0"/>
-              <a:t>;</a:t>
-            </a:r>
-          </a:p>
-          <a:p>
-            <a:r>
-              <a:rPr lang="pt-BR" dirty="0" smtClean="0"/>
-              <a:t>As classes </a:t>
-            </a:r>
-            <a:r>
-              <a:rPr lang="pt-BR" dirty="0" err="1" smtClean="0">
-                <a:latin typeface="Courier New" panose="02070309020205020404" pitchFamily="49" charset="0"/>
-                <a:cs typeface="Courier New" panose="02070309020205020404" pitchFamily="49" charset="0"/>
-              </a:rPr>
-              <a:t>navbar</a:t>
-            </a:r>
-            <a:r>
-              <a:rPr lang="pt-BR" dirty="0" smtClean="0">
-                <a:latin typeface="Courier New" panose="02070309020205020404" pitchFamily="49" charset="0"/>
-                <a:cs typeface="Courier New" panose="02070309020205020404" pitchFamily="49" charset="0"/>
-              </a:rPr>
-              <a:t>-</a:t>
-            </a:r>
-            <a:r>
-              <a:rPr lang="pt-BR" dirty="0" err="1" smtClean="0">
-                <a:latin typeface="Courier New" panose="02070309020205020404" pitchFamily="49" charset="0"/>
-                <a:cs typeface="Courier New" panose="02070309020205020404" pitchFamily="49" charset="0"/>
-              </a:rPr>
-              <a:t>fixed</a:t>
-            </a:r>
-            <a:r>
-              <a:rPr lang="pt-BR" dirty="0" smtClean="0">
-                <a:latin typeface="Courier New" panose="02070309020205020404" pitchFamily="49" charset="0"/>
-                <a:cs typeface="Courier New" panose="02070309020205020404" pitchFamily="49" charset="0"/>
-              </a:rPr>
-              <a:t>-top</a:t>
-            </a:r>
-            <a:r>
-              <a:rPr lang="pt-BR" dirty="0" smtClean="0"/>
-              <a:t> e </a:t>
-            </a:r>
-            <a:r>
-              <a:rPr lang="pt-BR" dirty="0" err="1" smtClean="0">
-                <a:latin typeface="Courier New" panose="02070309020205020404" pitchFamily="49" charset="0"/>
-                <a:cs typeface="Courier New" panose="02070309020205020404" pitchFamily="49" charset="0"/>
-              </a:rPr>
-              <a:t>nav</a:t>
-            </a:r>
-            <a:r>
-              <a:rPr lang="pt-BR" dirty="0" smtClean="0">
-                <a:latin typeface="Courier New" panose="02070309020205020404" pitchFamily="49" charset="0"/>
-                <a:cs typeface="Courier New" panose="02070309020205020404" pitchFamily="49" charset="0"/>
-              </a:rPr>
-              <a:t>-bar-</a:t>
-            </a:r>
-            <a:r>
-              <a:rPr lang="pt-BR" dirty="0" err="1" smtClean="0">
-                <a:latin typeface="Courier New" panose="02070309020205020404" pitchFamily="49" charset="0"/>
-                <a:cs typeface="Courier New" panose="02070309020205020404" pitchFamily="49" charset="0"/>
-              </a:rPr>
-              <a:t>fixed</a:t>
-            </a:r>
-            <a:r>
-              <a:rPr lang="pt-BR" dirty="0" smtClean="0">
-                <a:latin typeface="Courier New" panose="02070309020205020404" pitchFamily="49" charset="0"/>
-                <a:cs typeface="Courier New" panose="02070309020205020404" pitchFamily="49" charset="0"/>
-              </a:rPr>
-              <a:t>-</a:t>
-            </a:r>
-            <a:r>
-              <a:rPr lang="pt-BR" dirty="0" err="1" smtClean="0">
-                <a:latin typeface="Courier New" panose="02070309020205020404" pitchFamily="49" charset="0"/>
-                <a:cs typeface="Courier New" panose="02070309020205020404" pitchFamily="49" charset="0"/>
-              </a:rPr>
-              <a:t>bottom</a:t>
-            </a:r>
-            <a:r>
-              <a:rPr lang="pt-BR" dirty="0" smtClean="0"/>
-              <a:t> fixam a barra no início ou final da página respectivamente</a:t>
-            </a:r>
-          </a:p>
-          <a:p>
-            <a:r>
-              <a:rPr lang="pt-BR" dirty="0" smtClean="0"/>
-              <a:t>As barras de navegação podem conter combos de seleção ao se incluir uma lista &lt;</a:t>
-            </a:r>
-            <a:r>
-              <a:rPr lang="pt-BR" dirty="0" err="1" smtClean="0">
-                <a:latin typeface="Courier New" panose="02070309020205020404" pitchFamily="49" charset="0"/>
-                <a:cs typeface="Courier New" panose="02070309020205020404" pitchFamily="49" charset="0"/>
-              </a:rPr>
-              <a:t>ul</a:t>
-            </a:r>
-            <a:r>
-              <a:rPr lang="pt-BR" dirty="0" smtClean="0"/>
-              <a:t>&gt; com as classes </a:t>
-            </a:r>
-            <a:r>
-              <a:rPr lang="pt-BR" dirty="0" err="1" smtClean="0">
-                <a:latin typeface="Courier New" panose="02070309020205020404" pitchFamily="49" charset="0"/>
-                <a:cs typeface="Courier New" panose="02070309020205020404" pitchFamily="49" charset="0"/>
-              </a:rPr>
-              <a:t>nav</a:t>
-            </a:r>
-            <a:r>
-              <a:rPr lang="pt-BR" dirty="0" smtClean="0"/>
-              <a:t> e </a:t>
-            </a:r>
-            <a:r>
-              <a:rPr lang="pt-BR" dirty="0" err="1" smtClean="0">
-                <a:latin typeface="Courier New" panose="02070309020205020404" pitchFamily="49" charset="0"/>
-                <a:cs typeface="Courier New" panose="02070309020205020404" pitchFamily="49" charset="0"/>
-              </a:rPr>
-              <a:t>navbar-nav</a:t>
-            </a:r>
-            <a:endParaRPr lang="pt-BR" dirty="0">
-              <a:latin typeface="Courier New" panose="02070309020205020404" pitchFamily="49" charset="0"/>
-              <a:cs typeface="Courier New" panose="02070309020205020404" pitchFamily="49" charset="0"/>
-            </a:endParaRPr>
+              <a:rPr lang="pt-BR" dirty="0"/>
+              <a:t>É possível incluir cabeçalho (classe .</a:t>
+            </a:r>
+            <a:r>
+              <a:rPr lang="pt-BR" dirty="0" err="1">
+                <a:latin typeface="Consolas" panose="020B0609020204030204" pitchFamily="49" charset="0"/>
+              </a:rPr>
+              <a:t>dropdown</a:t>
+            </a:r>
+            <a:r>
+              <a:rPr lang="pt-BR" dirty="0">
+                <a:latin typeface="Consolas" panose="020B0609020204030204" pitchFamily="49" charset="0"/>
+              </a:rPr>
+              <a:t>-header</a:t>
+            </a:r>
+            <a:r>
+              <a:rPr lang="pt-BR" dirty="0"/>
+              <a:t>) e barra de divisão ao menu (classe .</a:t>
+            </a:r>
+            <a:r>
+              <a:rPr lang="pt-BR" dirty="0" err="1">
+                <a:latin typeface="Consolas" panose="020B0609020204030204" pitchFamily="49" charset="0"/>
+              </a:rPr>
+              <a:t>divider</a:t>
+            </a:r>
+            <a:r>
+              <a:rPr lang="pt-BR" dirty="0"/>
+              <a:t>)</a:t>
+            </a:r>
+          </a:p>
+          <a:p>
+            <a:r>
+              <a:rPr lang="pt-BR" dirty="0"/>
+              <a:t>Além disso, com o uso da classe .</a:t>
+            </a:r>
+            <a:r>
+              <a:rPr lang="pt-BR" dirty="0" err="1">
+                <a:latin typeface="Consolas" panose="020B0609020204030204" pitchFamily="49" charset="0"/>
+              </a:rPr>
+              <a:t>dropdown</a:t>
+            </a:r>
+            <a:r>
+              <a:rPr lang="pt-BR" dirty="0">
+                <a:latin typeface="Consolas" panose="020B0609020204030204" pitchFamily="49" charset="0"/>
+              </a:rPr>
+              <a:t>-menu-</a:t>
+            </a:r>
+            <a:r>
+              <a:rPr lang="pt-BR" dirty="0" err="1">
+                <a:latin typeface="Consolas" panose="020B0609020204030204" pitchFamily="49" charset="0"/>
+              </a:rPr>
+              <a:t>right</a:t>
+            </a:r>
+            <a:r>
+              <a:rPr lang="pt-BR" dirty="0"/>
+              <a:t>, o menu se abre à direita da tela e a classe .</a:t>
+            </a:r>
+            <a:r>
+              <a:rPr lang="pt-BR" dirty="0" err="1">
+                <a:latin typeface="Consolas" panose="020B0609020204030204" pitchFamily="49" charset="0"/>
+              </a:rPr>
+              <a:t>dropup</a:t>
+            </a:r>
+            <a:r>
+              <a:rPr lang="pt-BR" dirty="0"/>
+              <a:t> deve ser utilizada no lugar da classe .</a:t>
+            </a:r>
+            <a:r>
+              <a:rPr lang="pt-BR" dirty="0" err="1">
+                <a:latin typeface="Consolas" panose="020B0609020204030204" pitchFamily="49" charset="0"/>
+              </a:rPr>
+              <a:t>dropdown</a:t>
+            </a:r>
+            <a:r>
+              <a:rPr lang="pt-BR" dirty="0"/>
+              <a:t> para que o menu abra para cima.</a:t>
+            </a:r>
+          </a:p>
+          <a:p>
+            <a:endParaRPr lang="pt-BR" dirty="0"/>
           </a:p>
         </p:txBody>
       </p:sp>
@@ -5672,17 +5570,24 @@
           <a:lstStyle/>
           <a:p>
             <a:r>
-              <a:rPr lang="pt-BR" dirty="0" smtClean="0"/>
-              <a:t>Barras de Navegação</a:t>
-            </a:r>
-            <a:endParaRPr lang="pt-BR" dirty="0"/>
+              <a:rPr lang="pt-BR" dirty="0"/>
+              <a:t>Menus de seleção (</a:t>
+            </a:r>
+            <a:r>
+              <a:rPr lang="pt-BR" dirty="0" err="1"/>
+              <a:t>DropDownList</a:t>
+            </a:r>
+            <a:r>
+              <a:rPr lang="pt-BR" dirty="0"/>
+              <a:t>)</a:t>
+            </a:r>
           </a:p>
         </p:txBody>
       </p:sp>
     </p:spTree>
     <p:extLst>
       <p:ext uri="{BB962C8B-B14F-4D97-AF65-F5344CB8AC3E}">
-        <p14:creationId xmlns:p14="http://schemas.microsoft.com/office/powerpoint/2010/main" val="1982497120"/>
+        <p14:creationId xmlns:p14="http://schemas.microsoft.com/office/powerpoint/2010/main" val="2533226010"/>
       </p:ext>
     </p:extLst>
   </p:cSld>
@@ -5711,12 +5616,12 @@
       </p:grpSpPr>
       <p:sp>
         <p:nvSpPr>
-          <p:cNvPr id="2" name="Espaço Reservado para Texto 1"/>
-          <p:cNvSpPr>
-            <a:spLocks noGrp="1"/>
-          </p:cNvSpPr>
-          <p:nvPr>
-            <p:ph type="body" idx="1"/>
+          <p:cNvPr id="2" name="Título 1"/>
+          <p:cNvSpPr>
+            <a:spLocks noGrp="1"/>
+          </p:cNvSpPr>
+          <p:nvPr>
+            <p:ph type="title"/>
           </p:nvPr>
         </p:nvSpPr>
         <p:spPr/>
@@ -5726,45 +5631,128 @@
           <a:p>
             <a:r>
               <a:rPr lang="pt-BR" dirty="0" smtClean="0"/>
-              <a:t>É possível posicionar botões à direita na barra de navegação com o uso da classe </a:t>
-            </a:r>
-            <a:r>
-              <a:rPr lang="pt-BR" dirty="0" err="1" smtClean="0"/>
-              <a:t>navbar-right</a:t>
-            </a:r>
-            <a:r>
-              <a:rPr lang="pt-BR" dirty="0" smtClean="0"/>
-              <a:t> à lista de botões &lt;</a:t>
-            </a:r>
-            <a:r>
-              <a:rPr lang="pt-BR" dirty="0" err="1" smtClean="0"/>
-              <a:t>ul</a:t>
-            </a:r>
-            <a:r>
-              <a:rPr lang="pt-BR" dirty="0" smtClean="0"/>
-              <a:t>&gt;</a:t>
-            </a:r>
-          </a:p>
-          <a:p>
-            <a:r>
-              <a:rPr lang="pt-BR" dirty="0" smtClean="0"/>
-              <a:t>Também é possível criar uma barra de navegação dinâmica, para isso utiliza-se a propriedade data-</a:t>
-            </a:r>
-            <a:r>
-              <a:rPr lang="pt-BR" dirty="0" err="1" smtClean="0"/>
+              <a:t>Componentes </a:t>
+            </a:r>
+            <a:r>
+              <a:rPr lang="pt-BR" dirty="0" err="1" smtClean="0"/>
+              <a:t>recolhíveis</a:t>
+            </a:r>
+            <a:endParaRPr lang="pt-BR" dirty="0"/>
+          </a:p>
+        </p:txBody>
+      </p:sp>
+      <p:sp>
+        <p:nvSpPr>
+          <p:cNvPr id="3" name="Espaço Reservado para Conteúdo 2"/>
+          <p:cNvSpPr>
+            <a:spLocks noGrp="1"/>
+          </p:cNvSpPr>
+          <p:nvPr>
+            <p:ph idx="1"/>
+          </p:nvPr>
+        </p:nvSpPr>
+        <p:spPr/>
+        <p:txBody>
+          <a:bodyPr>
+            <a:normAutofit lnSpcReduction="10000"/>
+          </a:bodyPr>
+          <a:lstStyle/>
+          <a:p>
+            <a:r>
+              <a:rPr lang="pt-BR" dirty="0" smtClean="0"/>
+              <a:t>São componentes que podem ser ocultados e reaparecer com o evento de click;</a:t>
+            </a:r>
+          </a:p>
+          <a:p>
+            <a:r>
+              <a:rPr lang="pt-BR" dirty="0" smtClean="0"/>
+              <a:t>Podem estar associados a botões, painéis e grupo de listas;</a:t>
+            </a:r>
+          </a:p>
+          <a:p>
+            <a:r>
+              <a:rPr lang="pt-BR" dirty="0" smtClean="0"/>
+              <a:t>Sintaxe: a classe .</a:t>
+            </a:r>
+            <a:r>
+              <a:rPr lang="pt-BR" dirty="0" err="1" smtClean="0">
+                <a:latin typeface="Courier New" panose="02070309020205020404" pitchFamily="49" charset="0"/>
+                <a:cs typeface="Courier New" panose="02070309020205020404" pitchFamily="49" charset="0"/>
+              </a:rPr>
+              <a:t>collapse</a:t>
+            </a:r>
+            <a:r>
+              <a:rPr lang="pt-BR" dirty="0" smtClean="0"/>
+              <a:t> deve ser adicionada à </a:t>
+            </a:r>
+            <a:r>
+              <a:rPr lang="pt-BR" dirty="0" err="1" smtClean="0">
+                <a:latin typeface="Courier New" panose="02070309020205020404" pitchFamily="49" charset="0"/>
+                <a:cs typeface="Courier New" panose="02070309020205020404" pitchFamily="49" charset="0"/>
+              </a:rPr>
+              <a:t>div</a:t>
+            </a:r>
+            <a:r>
+              <a:rPr lang="pt-BR" dirty="0" smtClean="0"/>
+              <a:t> de conteúdo;</a:t>
+            </a:r>
+          </a:p>
+          <a:p>
+            <a:r>
+              <a:rPr lang="pt-BR" dirty="0" smtClean="0"/>
+              <a:t>Para o uso com painéis e grupos de listas é </a:t>
+            </a:r>
+            <a:r>
+              <a:rPr lang="pt-BR" dirty="0" smtClean="0"/>
+              <a:t>ou um botão </a:t>
+            </a:r>
+          </a:p>
+          <a:p>
+            <a:pPr lvl="1"/>
+            <a:r>
+              <a:rPr lang="pt-BR" dirty="0" smtClean="0"/>
+              <a:t>Link: é </a:t>
+            </a:r>
+            <a:r>
+              <a:rPr lang="pt-BR" dirty="0" smtClean="0"/>
+              <a:t>preciso </a:t>
+            </a:r>
+            <a:r>
+              <a:rPr lang="pt-BR" dirty="0" smtClean="0"/>
+              <a:t>inserir um link clicável com a propriedade </a:t>
+            </a:r>
+            <a:r>
+              <a:rPr lang="pt-BR" dirty="0" smtClean="0">
+                <a:latin typeface="Courier New" panose="02070309020205020404" pitchFamily="49" charset="0"/>
+                <a:cs typeface="Courier New" panose="02070309020205020404" pitchFamily="49" charset="0"/>
+              </a:rPr>
+              <a:t>data-</a:t>
+            </a:r>
+            <a:r>
+              <a:rPr lang="pt-BR" dirty="0" err="1" smtClean="0">
+                <a:latin typeface="Courier New" panose="02070309020205020404" pitchFamily="49" charset="0"/>
+                <a:cs typeface="Courier New" panose="02070309020205020404" pitchFamily="49" charset="0"/>
+              </a:rPr>
               <a:t>toggle</a:t>
             </a:r>
             <a:r>
               <a:rPr lang="pt-BR" dirty="0" smtClean="0"/>
-              <a:t>=“</a:t>
-            </a:r>
-            <a:r>
-              <a:rPr lang="pt-BR" dirty="0" err="1" smtClean="0"/>
+              <a:t> com valor </a:t>
+            </a:r>
+            <a:r>
+              <a:rPr lang="pt-BR" dirty="0" err="1" smtClean="0">
+                <a:latin typeface="Courier New" panose="02070309020205020404" pitchFamily="49" charset="0"/>
+                <a:cs typeface="Courier New" panose="02070309020205020404" pitchFamily="49" charset="0"/>
+              </a:rPr>
               <a:t>collapse</a:t>
             </a:r>
             <a:r>
               <a:rPr lang="pt-BR" dirty="0" smtClean="0"/>
-              <a:t>” e data-</a:t>
+              <a:t> e </a:t>
+            </a:r>
+            <a:r>
+              <a:rPr lang="pt-BR" dirty="0" smtClean="0"/>
+              <a:t> data-</a:t>
             </a:r>
             <a:r>
               <a:rPr lang="pt-BR" dirty="0" err="1" smtClean="0"/>
@@ -5772,45 +5760,144 @@
             </a:r>
             <a:r>
               <a:rPr lang="pt-BR" dirty="0" smtClean="0"/>
-              <a:t> referenciando para a barra de navegação com Id único. Vide exemplo.</a:t>
-            </a:r>
-            <a:endParaRPr lang="pt-BR" dirty="0"/>
-          </a:p>
-        </p:txBody>
-      </p:sp>
-      <p:sp>
-        <p:nvSpPr>
-          <p:cNvPr id="3" name="Título 2"/>
-          <p:cNvSpPr>
-            <a:spLocks noGrp="1"/>
-          </p:cNvSpPr>
-          <p:nvPr>
-            <p:ph type="title"/>
-          </p:nvPr>
-        </p:nvSpPr>
-        <p:spPr/>
-        <p:txBody>
-          <a:bodyPr/>
-          <a:lstStyle/>
-          <a:p>
-            <a:r>
-              <a:rPr lang="pt-BR" dirty="0" smtClean="0"/>
-              <a:t>Barras de Navegação</a:t>
-            </a:r>
-            <a:endParaRPr lang="pt-BR" dirty="0"/>
+              <a:t> para o id da  </a:t>
+            </a:r>
+            <a:r>
+              <a:rPr lang="pt-BR" dirty="0" err="1" smtClean="0"/>
+              <a:t>div</a:t>
+            </a:r>
+            <a:r>
+              <a:rPr lang="pt-BR" dirty="0" smtClean="0"/>
+              <a:t> a ser ocultada</a:t>
+            </a:r>
+          </a:p>
+          <a:p>
+            <a:pPr lvl="1"/>
+            <a:r>
+              <a:rPr lang="pt-BR" dirty="0" smtClean="0"/>
+              <a:t>Button: é </a:t>
+            </a:r>
+            <a:r>
+              <a:rPr lang="pt-BR" dirty="0" err="1" smtClean="0"/>
+              <a:t>precido</a:t>
+            </a:r>
+            <a:r>
+              <a:rPr lang="pt-BR" dirty="0" smtClean="0"/>
+              <a:t> de um botão </a:t>
+            </a:r>
+            <a:r>
+              <a:rPr lang="pt-BR" dirty="0"/>
+              <a:t>com a propriedade </a:t>
+            </a:r>
+            <a:r>
+              <a:rPr lang="pt-BR" dirty="0">
+                <a:latin typeface="Courier New" panose="02070309020205020404" pitchFamily="49" charset="0"/>
+                <a:cs typeface="Courier New" panose="02070309020205020404" pitchFamily="49" charset="0"/>
+              </a:rPr>
+              <a:t>data-</a:t>
+            </a:r>
+            <a:r>
+              <a:rPr lang="pt-BR" dirty="0" err="1">
+                <a:latin typeface="Courier New" panose="02070309020205020404" pitchFamily="49" charset="0"/>
+                <a:cs typeface="Courier New" panose="02070309020205020404" pitchFamily="49" charset="0"/>
+              </a:rPr>
+              <a:t>toggle</a:t>
+            </a:r>
+            <a:r>
+              <a:rPr lang="pt-BR" dirty="0"/>
+              <a:t> com valor </a:t>
+            </a:r>
+            <a:r>
+              <a:rPr lang="pt-BR" dirty="0" err="1">
+                <a:latin typeface="Courier New" panose="02070309020205020404" pitchFamily="49" charset="0"/>
+                <a:cs typeface="Courier New" panose="02070309020205020404" pitchFamily="49" charset="0"/>
+              </a:rPr>
+              <a:t>collapse</a:t>
+            </a:r>
+            <a:r>
+              <a:rPr lang="pt-BR" dirty="0"/>
+              <a:t> e  </a:t>
+            </a:r>
+            <a:r>
+              <a:rPr lang="pt-BR" dirty="0" err="1"/>
+              <a:t>href</a:t>
+            </a:r>
+            <a:r>
+              <a:rPr lang="pt-BR" dirty="0"/>
+              <a:t> para o id da  </a:t>
+            </a:r>
+            <a:r>
+              <a:rPr lang="pt-BR" dirty="0" err="1"/>
+              <a:t>div</a:t>
+            </a:r>
+            <a:r>
+              <a:rPr lang="pt-BR" dirty="0"/>
+              <a:t> a ser </a:t>
+            </a:r>
+            <a:r>
+              <a:rPr lang="pt-BR" dirty="0" smtClean="0"/>
+              <a:t>ocultada</a:t>
+            </a:r>
+          </a:p>
+          <a:p>
+            <a:r>
+              <a:rPr lang="pt-BR" dirty="0" smtClean="0"/>
+              <a:t> </a:t>
+            </a:r>
+            <a:r>
+              <a:rPr lang="pt-BR" dirty="0" smtClean="0"/>
+              <a:t>o </a:t>
+            </a:r>
+            <a:r>
+              <a:rPr lang="pt-BR" dirty="0" smtClean="0"/>
+              <a:t>conteúdo que pode ser ocultado deve estar dentro de uma </a:t>
+            </a:r>
+            <a:r>
+              <a:rPr lang="pt-BR" dirty="0" err="1" smtClean="0">
+                <a:latin typeface="Courier New" panose="02070309020205020404" pitchFamily="49" charset="0"/>
+                <a:cs typeface="Courier New" panose="02070309020205020404" pitchFamily="49" charset="0"/>
+              </a:rPr>
+              <a:t>div</a:t>
+            </a:r>
+            <a:r>
+              <a:rPr lang="pt-BR" dirty="0" smtClean="0"/>
+              <a:t>  que utiliza </a:t>
+            </a:r>
+            <a:r>
+              <a:rPr lang="pt-BR" dirty="0" smtClean="0"/>
+              <a:t>a classe </a:t>
+            </a:r>
+            <a:r>
+              <a:rPr lang="pt-BR" dirty="0" err="1" smtClean="0">
+                <a:latin typeface="Courier New" panose="02070309020205020404" pitchFamily="49" charset="0"/>
+                <a:cs typeface="Courier New" panose="02070309020205020404" pitchFamily="49" charset="0"/>
+              </a:rPr>
+              <a:t>collapse</a:t>
+            </a:r>
+            <a:endParaRPr lang="pt-BR" dirty="0">
+              <a:latin typeface="Courier New" panose="02070309020205020404" pitchFamily="49" charset="0"/>
+              <a:cs typeface="Courier New" panose="02070309020205020404" pitchFamily="49" charset="0"/>
+            </a:endParaRPr>
           </a:p>
         </p:txBody>
       </p:sp>
     </p:spTree>
     <p:extLst>
       <p:ext uri="{BB962C8B-B14F-4D97-AF65-F5344CB8AC3E}">
-        <p14:creationId xmlns:p14="http://schemas.microsoft.com/office/powerpoint/2010/main" val="3424525587"/>
+        <p14:creationId xmlns:p14="http://schemas.microsoft.com/office/powerpoint/2010/main" val="157576156"/>
       </p:ext>
     </p:extLst>
   </p:cSld>
   <p:clrMapOvr>
     <a:masterClrMapping/>
   </p:clrMapOvr>
+  <p:timing>
+    <p:tnLst>
+      <p:par>
+        <p:cTn id="1" dur="indefinite" restart="never" nodeType="tmRoot"/>
+      </p:par>
+    </p:tnLst>
+  </p:timing>
 </p:sld>
 </file>
 
@@ -6009,11 +6096,7 @@
           <a:p>
             <a:r>
               <a:rPr lang="pt-BR" dirty="0" smtClean="0"/>
-              <a:t>Componentes </a:t>
-            </a:r>
-            <a:r>
-              <a:rPr lang="pt-BR" dirty="0" err="1" smtClean="0"/>
-              <a:t>recolhíveis</a:t>
+              <a:t>ACORDION</a:t>
             </a:r>
             <a:endParaRPr lang="pt-BR" dirty="0"/>
           </a:p>
@@ -6036,117 +6119,62 @@
           <a:p>
             <a:r>
               <a:rPr lang="pt-BR" dirty="0" smtClean="0"/>
-              <a:t>São componentes que podem ser ocultados e reaparecer com o evento de click;</a:t>
-            </a:r>
-          </a:p>
-          <a:p>
-            <a:r>
-              <a:rPr lang="pt-BR" dirty="0" smtClean="0"/>
-              <a:t>Podem estar associados a botões, painéis e grupo de listas;</a:t>
-            </a:r>
-          </a:p>
-          <a:p>
-            <a:r>
-              <a:rPr lang="pt-BR" dirty="0" smtClean="0"/>
-              <a:t>Sintaxe: a classe .</a:t>
-            </a:r>
-            <a:r>
-              <a:rPr lang="pt-BR" dirty="0" err="1" smtClean="0">
-                <a:latin typeface="Courier New" panose="02070309020205020404" pitchFamily="49" charset="0"/>
-                <a:cs typeface="Courier New" panose="02070309020205020404" pitchFamily="49" charset="0"/>
-              </a:rPr>
-              <a:t>collapse</a:t>
-            </a:r>
-            <a:r>
-              <a:rPr lang="pt-BR" dirty="0" smtClean="0"/>
-              <a:t> deve ser adicionada à </a:t>
-            </a:r>
-            <a:r>
-              <a:rPr lang="pt-BR" dirty="0" err="1" smtClean="0">
-                <a:latin typeface="Courier New" panose="02070309020205020404" pitchFamily="49" charset="0"/>
-                <a:cs typeface="Courier New" panose="02070309020205020404" pitchFamily="49" charset="0"/>
-              </a:rPr>
+              <a:t>Componentes que funcionam de forma combinada. Ao abrir um painel o que está aberto se fecha.</a:t>
+            </a:r>
+          </a:p>
+          <a:p>
+            <a:r>
+              <a:rPr lang="pt-BR" dirty="0" smtClean="0"/>
+              <a:t>Para implementar este tipo de componente se utilizam painéis e elementos ocultáveis</a:t>
+            </a:r>
+            <a:r>
+              <a:rPr lang="pt-BR" dirty="0" smtClean="0"/>
+              <a:t>.</a:t>
+            </a:r>
+          </a:p>
+          <a:p>
+            <a:r>
+              <a:rPr lang="pt-BR" dirty="0" smtClean="0"/>
+              <a:t>Incluir </a:t>
+            </a:r>
+            <a:r>
+              <a:rPr lang="pt-BR" dirty="0" err="1" smtClean="0"/>
               <a:t>div</a:t>
             </a:r>
             <a:r>
               <a:rPr lang="pt-BR" dirty="0" smtClean="0"/>
-              <a:t> de conteúdo;</a:t>
-            </a:r>
-          </a:p>
-          <a:p>
-            <a:r>
-              <a:rPr lang="pt-BR" dirty="0" smtClean="0"/>
-              <a:t>Para o uso com painéis e grupos de listas é preciso inserir um link clicável com a propriedade </a:t>
-            </a:r>
-            <a:r>
-              <a:rPr lang="pt-BR" dirty="0" smtClean="0">
-                <a:latin typeface="Courier New" panose="02070309020205020404" pitchFamily="49" charset="0"/>
-                <a:cs typeface="Courier New" panose="02070309020205020404" pitchFamily="49" charset="0"/>
-              </a:rPr>
-              <a:t>data-</a:t>
-            </a:r>
-            <a:r>
-              <a:rPr lang="pt-BR" dirty="0" err="1" smtClean="0">
-                <a:latin typeface="Courier New" panose="02070309020205020404" pitchFamily="49" charset="0"/>
-                <a:cs typeface="Courier New" panose="02070309020205020404" pitchFamily="49" charset="0"/>
-              </a:rPr>
-              <a:t>toggle</a:t>
-            </a:r>
-            <a:r>
-              <a:rPr lang="pt-BR" dirty="0" smtClean="0"/>
-              <a:t> com valor </a:t>
-            </a:r>
-            <a:r>
-              <a:rPr lang="pt-BR" dirty="0" err="1" smtClean="0">
-                <a:latin typeface="Courier New" panose="02070309020205020404" pitchFamily="49" charset="0"/>
-                <a:cs typeface="Courier New" panose="02070309020205020404" pitchFamily="49" charset="0"/>
-              </a:rPr>
-              <a:t>collapse</a:t>
-            </a:r>
-            <a:r>
-              <a:rPr lang="pt-BR" dirty="0" smtClean="0"/>
-              <a:t> e o conteúdo que pode ser ocultado deve estar dentro de uma </a:t>
-            </a:r>
-            <a:r>
-              <a:rPr lang="pt-BR" dirty="0" err="1" smtClean="0">
-                <a:latin typeface="Courier New" panose="02070309020205020404" pitchFamily="49" charset="0"/>
-                <a:cs typeface="Courier New" panose="02070309020205020404" pitchFamily="49" charset="0"/>
-              </a:rPr>
-              <a:t>div</a:t>
-            </a:r>
-            <a:r>
-              <a:rPr lang="pt-BR" dirty="0" smtClean="0"/>
-              <a:t>  que utiliza as classes </a:t>
-            </a:r>
-            <a:r>
-              <a:rPr lang="pt-BR" dirty="0" err="1" smtClean="0">
-                <a:latin typeface="Courier New" panose="02070309020205020404" pitchFamily="49" charset="0"/>
-                <a:cs typeface="Courier New" panose="02070309020205020404" pitchFamily="49" charset="0"/>
-              </a:rPr>
-              <a:t>panel-collapse</a:t>
-            </a:r>
-            <a:r>
-              <a:rPr lang="pt-BR" dirty="0" smtClean="0"/>
-              <a:t> e </a:t>
-            </a:r>
-            <a:r>
-              <a:rPr lang="pt-BR" dirty="0" err="1" smtClean="0">
-                <a:latin typeface="Courier New" panose="02070309020205020404" pitchFamily="49" charset="0"/>
-                <a:cs typeface="Courier New" panose="02070309020205020404" pitchFamily="49" charset="0"/>
-              </a:rPr>
-              <a:t>collapse</a:t>
-            </a:r>
-            <a:endParaRPr lang="pt-BR" dirty="0">
-              <a:latin typeface="Courier New" panose="02070309020205020404" pitchFamily="49" charset="0"/>
-              <a:cs typeface="Courier New" panose="02070309020205020404" pitchFamily="49" charset="0"/>
-            </a:endParaRPr>
+              <a:t> com a classe </a:t>
+            </a:r>
+            <a:r>
+              <a:rPr lang="pt-BR" dirty="0" err="1" smtClean="0"/>
+              <a:t>accordion</a:t>
+            </a:r>
+            <a:r>
+              <a:rPr lang="pt-BR" dirty="0" smtClean="0"/>
+              <a:t> para encapsular </a:t>
+            </a:r>
+            <a:r>
+              <a:rPr lang="pt-BR" dirty="0" err="1" smtClean="0"/>
+              <a:t>paineis</a:t>
+            </a:r>
+            <a:r>
+              <a:rPr lang="pt-BR" dirty="0" smtClean="0"/>
+              <a:t>.</a:t>
+            </a:r>
+          </a:p>
+          <a:p>
+            <a:r>
+              <a:rPr lang="pt-BR" dirty="0" smtClean="0"/>
+              <a:t>Utilizar a classe show no conteúdo que deve iniciar a página visível.</a:t>
+            </a:r>
+            <a:endParaRPr lang="pt-BR" dirty="0"/>
           </a:p>
         </p:txBody>
       </p:sp>
     </p:spTree>
     <p:extLst>
       <p:ext uri="{BB962C8B-B14F-4D97-AF65-F5344CB8AC3E}">
-        <p14:creationId xmlns:p14="http://schemas.microsoft.com/office/powerpoint/2010/main" val="157576156"/>
+        <p14:creationId xmlns:p14="http://schemas.microsoft.com/office/powerpoint/2010/main" val="883795732"/>
       </p:ext>
     </p:extLst>
   </p:cSld>
@@ -6182,7 +6210,213 @@
       </p:grpSpPr>
       <p:sp>
         <p:nvSpPr>
-          <p:cNvPr id="2" name="Título 1"/>
+          <p:cNvPr id="2" name="Espaço Reservado para Texto 1"/>
+          <p:cNvSpPr>
+            <a:spLocks noGrp="1"/>
+          </p:cNvSpPr>
+          <p:nvPr>
+            <p:ph type="body" idx="1"/>
+          </p:nvPr>
+        </p:nvSpPr>
+        <p:spPr/>
+        <p:txBody>
+          <a:bodyPr/>
+          <a:lstStyle/>
+          <a:p>
+            <a:r>
+              <a:rPr lang="pt-BR" dirty="0" smtClean="0"/>
+              <a:t>São componentes que aparecem no início da pagina e são utilizados como menus de interação</a:t>
+            </a:r>
+          </a:p>
+          <a:p>
+            <a:r>
+              <a:rPr lang="pt-BR" dirty="0" smtClean="0"/>
+              <a:t>Uma barra de navegação padrão utilizar a </a:t>
+            </a:r>
+            <a:r>
+              <a:rPr lang="pt-BR" dirty="0" err="1" smtClean="0"/>
+              <a:t>tag</a:t>
+            </a:r>
+            <a:r>
+              <a:rPr lang="pt-BR" dirty="0" smtClean="0"/>
+              <a:t> </a:t>
+            </a:r>
+            <a:r>
+              <a:rPr lang="pt-BR" dirty="0" err="1" smtClean="0">
+                <a:latin typeface="Courier New" panose="02070309020205020404" pitchFamily="49" charset="0"/>
+                <a:cs typeface="Courier New" panose="02070309020205020404" pitchFamily="49" charset="0"/>
+              </a:rPr>
+              <a:t>nav</a:t>
+            </a:r>
+            <a:r>
+              <a:rPr lang="pt-BR" dirty="0" smtClean="0"/>
+              <a:t> com as classes </a:t>
+            </a:r>
+            <a:r>
+              <a:rPr lang="pt-BR" dirty="0" err="1" smtClean="0">
+                <a:latin typeface="Courier New" panose="02070309020205020404" pitchFamily="49" charset="0"/>
+                <a:cs typeface="Courier New" panose="02070309020205020404" pitchFamily="49" charset="0"/>
+              </a:rPr>
+              <a:t>navbar</a:t>
+            </a:r>
+            <a:r>
+              <a:rPr lang="pt-BR" dirty="0" smtClean="0"/>
+              <a:t> e </a:t>
+            </a:r>
+            <a:r>
+              <a:rPr lang="pt-BR" dirty="0" err="1" smtClean="0">
+                <a:latin typeface="Courier New" panose="02070309020205020404" pitchFamily="49" charset="0"/>
+                <a:cs typeface="Courier New" panose="02070309020205020404" pitchFamily="49" charset="0"/>
+              </a:rPr>
+              <a:t>navbar</a:t>
+            </a:r>
+            <a:r>
+              <a:rPr lang="pt-BR" dirty="0" smtClean="0">
+                <a:latin typeface="Courier New" panose="02070309020205020404" pitchFamily="49" charset="0"/>
+                <a:cs typeface="Courier New" panose="02070309020205020404" pitchFamily="49" charset="0"/>
+              </a:rPr>
+              <a:t>-default</a:t>
+            </a:r>
+            <a:r>
+              <a:rPr lang="pt-BR" dirty="0" smtClean="0"/>
+              <a:t>.</a:t>
+            </a:r>
+          </a:p>
+          <a:p>
+            <a:r>
+              <a:rPr lang="pt-BR" dirty="0" smtClean="0"/>
+              <a:t>Para uma barra em cor escura use a classe </a:t>
+            </a:r>
+            <a:r>
+              <a:rPr lang="pt-BR" dirty="0" err="1" smtClean="0"/>
+              <a:t>navbar-inverse</a:t>
+            </a:r>
+            <a:r>
+              <a:rPr lang="pt-BR" dirty="0" smtClean="0"/>
+              <a:t>;</a:t>
+            </a:r>
+          </a:p>
+          <a:p>
+            <a:r>
+              <a:rPr lang="pt-BR" dirty="0" smtClean="0"/>
+              <a:t>As classes </a:t>
+            </a:r>
+            <a:r>
+              <a:rPr lang="pt-BR" dirty="0" err="1" smtClean="0">
+                <a:latin typeface="Courier New" panose="02070309020205020404" pitchFamily="49" charset="0"/>
+                <a:cs typeface="Courier New" panose="02070309020205020404" pitchFamily="49" charset="0"/>
+              </a:rPr>
+              <a:t>navbar</a:t>
+            </a:r>
+            <a:r>
+              <a:rPr lang="pt-BR" dirty="0" smtClean="0">
+                <a:latin typeface="Courier New" panose="02070309020205020404" pitchFamily="49" charset="0"/>
+                <a:cs typeface="Courier New" panose="02070309020205020404" pitchFamily="49" charset="0"/>
+              </a:rPr>
+              <a:t>-</a:t>
+            </a:r>
+            <a:r>
+              <a:rPr lang="pt-BR" dirty="0" err="1" smtClean="0">
+                <a:latin typeface="Courier New" panose="02070309020205020404" pitchFamily="49" charset="0"/>
+                <a:cs typeface="Courier New" panose="02070309020205020404" pitchFamily="49" charset="0"/>
+              </a:rPr>
+              <a:t>fixed</a:t>
+            </a:r>
+            <a:r>
+              <a:rPr lang="pt-BR" dirty="0" smtClean="0">
+                <a:latin typeface="Courier New" panose="02070309020205020404" pitchFamily="49" charset="0"/>
+                <a:cs typeface="Courier New" panose="02070309020205020404" pitchFamily="49" charset="0"/>
+              </a:rPr>
+              <a:t>-top</a:t>
+            </a:r>
+            <a:r>
+              <a:rPr lang="pt-BR" dirty="0" smtClean="0"/>
+              <a:t> e </a:t>
+            </a:r>
+            <a:r>
+              <a:rPr lang="pt-BR" dirty="0" err="1" smtClean="0">
+                <a:latin typeface="Courier New" panose="02070309020205020404" pitchFamily="49" charset="0"/>
+                <a:cs typeface="Courier New" panose="02070309020205020404" pitchFamily="49" charset="0"/>
+              </a:rPr>
+              <a:t>nav</a:t>
+            </a:r>
+            <a:r>
+              <a:rPr lang="pt-BR" dirty="0" smtClean="0">
+                <a:latin typeface="Courier New" panose="02070309020205020404" pitchFamily="49" charset="0"/>
+                <a:cs typeface="Courier New" panose="02070309020205020404" pitchFamily="49" charset="0"/>
+              </a:rPr>
+              <a:t>-bar-</a:t>
+            </a:r>
+            <a:r>
+              <a:rPr lang="pt-BR" dirty="0" err="1" smtClean="0">
+                <a:latin typeface="Courier New" panose="02070309020205020404" pitchFamily="49" charset="0"/>
+                <a:cs typeface="Courier New" panose="02070309020205020404" pitchFamily="49" charset="0"/>
+              </a:rPr>
+              <a:t>fixed</a:t>
+            </a:r>
+            <a:r>
+              <a:rPr lang="pt-BR" dirty="0" smtClean="0">
+                <a:latin typeface="Courier New" panose="02070309020205020404" pitchFamily="49" charset="0"/>
+                <a:cs typeface="Courier New" panose="02070309020205020404" pitchFamily="49" charset="0"/>
+              </a:rPr>
+              <a:t>-</a:t>
+            </a:r>
+            <a:r>
+              <a:rPr lang="pt-BR" dirty="0" err="1" smtClean="0">
+                <a:latin typeface="Courier New" panose="02070309020205020404" pitchFamily="49" charset="0"/>
+                <a:cs typeface="Courier New" panose="02070309020205020404" pitchFamily="49" charset="0"/>
+              </a:rPr>
+              <a:t>bottom</a:t>
+            </a:r>
+            <a:r>
+              <a:rPr lang="pt-BR" dirty="0" smtClean="0"/>
+              <a:t> fixam a barra no início ou final da página respectivamente</a:t>
+            </a:r>
+          </a:p>
+          <a:p>
+            <a:r>
+              <a:rPr lang="pt-BR" dirty="0" smtClean="0"/>
+              <a:t>As barras de navegação podem conter combos de seleção ao se incluir uma lista &lt;</a:t>
+            </a:r>
+            <a:r>
+              <a:rPr lang="pt-BR" dirty="0" err="1" smtClean="0">
+                <a:latin typeface="Courier New" panose="02070309020205020404" pitchFamily="49" charset="0"/>
+                <a:cs typeface="Courier New" panose="02070309020205020404" pitchFamily="49" charset="0"/>
+              </a:rPr>
+              <a:t>ul</a:t>
+            </a:r>
+            <a:r>
+              <a:rPr lang="pt-BR" dirty="0" smtClean="0"/>
+              <a:t>&gt; com as classes </a:t>
+            </a:r>
+            <a:r>
+              <a:rPr lang="pt-BR" dirty="0" err="1" smtClean="0">
+                <a:latin typeface="Courier New" panose="02070309020205020404" pitchFamily="49" charset="0"/>
+                <a:cs typeface="Courier New" panose="02070309020205020404" pitchFamily="49" charset="0"/>
+              </a:rPr>
+              <a:t>nav</a:t>
+            </a:r>
+            <a:r>
+              <a:rPr lang="pt-BR" dirty="0" smtClean="0"/>
+              <a:t> e </a:t>
+            </a:r>
+            <a:r>
+              <a:rPr lang="pt-BR" dirty="0" err="1" smtClean="0">
+                <a:latin typeface="Courier New" panose="02070309020205020404" pitchFamily="49" charset="0"/>
+                <a:cs typeface="Courier New" panose="02070309020205020404" pitchFamily="49" charset="0"/>
+              </a:rPr>
+              <a:t>navbar-nav</a:t>
+            </a:r>
+            <a:endParaRPr lang="pt-BR" dirty="0">
+              <a:latin typeface="Courier New" panose="02070309020205020404" pitchFamily="49" charset="0"/>
+              <a:cs typeface="Courier New" panose="02070309020205020404" pitchFamily="49" charset="0"/>
+            </a:endParaRPr>
+          </a:p>
+        </p:txBody>
+      </p:sp>
+      <p:sp>
+        <p:nvSpPr>
+          <p:cNvPr id="3" name="Título 2"/>
           <p:cNvSpPr>
             <a:spLocks noGrp="1"/>
           </p:cNvSpPr>
@@ -6197,36 +6431,7 @@
           <a:p>
             <a:r>
               <a:rPr lang="pt-BR" dirty="0" smtClean="0"/>
-              <a:t>ACORDION</a:t>
-            </a:r>
-            <a:endParaRPr lang="pt-BR" dirty="0"/>
-          </a:p>
-        </p:txBody>
-      </p:sp>
-      <p:sp>
-        <p:nvSpPr>
-          <p:cNvPr id="3" name="Espaço Reservado para Conteúdo 2"/>
-          <p:cNvSpPr>
-            <a:spLocks noGrp="1"/>
-          </p:cNvSpPr>
-          <p:nvPr>
-            <p:ph idx="1"/>
-          </p:nvPr>
-        </p:nvSpPr>
-        <p:spPr/>
-        <p:txBody>
-          <a:bodyPr/>
-          <a:lstStyle/>
-          <a:p>
-            <a:r>
-              <a:rPr lang="pt-BR" dirty="0" smtClean="0"/>
-              <a:t>Componentes que funcionam de forma combinada. Ao abrir um painel o que está aberto se fecha.</a:t>
-            </a:r>
-          </a:p>
-          <a:p>
-            <a:r>
-              <a:rPr lang="pt-BR" dirty="0" smtClean="0"/>
-              <a:t>Para implementar este tipo de componente se utilizam painéis e elementos ocultáveis.</a:t>
+              <a:t>Barras de Navegação</a:t>
             </a:r>
             <a:endParaRPr lang="pt-BR" dirty="0"/>
           </a:p>
@@ -6235,20 +6440,13 @@
     </p:spTree>
     <p:extLst>
       <p:ext uri="{BB962C8B-B14F-4D97-AF65-F5344CB8AC3E}">
-        <p14:creationId xmlns:p14="http://schemas.microsoft.com/office/powerpoint/2010/main" val="883795732"/>
+        <p14:creationId xmlns:p14="http://schemas.microsoft.com/office/powerpoint/2010/main" val="1982497120"/>
       </p:ext>
     </p:extLst>
   </p:cSld>
   <p:clrMapOvr>
     <a:masterClrMapping/>
   </p:clrMapOvr>
-  <p:timing>
-    <p:tnLst>
-      <p:par>
-        <p:cTn id="1" dur="indefinite" restart="never" nodeType="tmRoot"/>
-      </p:par>
-    </p:tnLst>
-  </p:timing>
 </p:sld>
 </file>
 
@@ -6286,100 +6484,53 @@
           <a:p>
             <a:r>
               <a:rPr lang="pt-BR" dirty="0" smtClean="0"/>
-              <a:t>Modal é um </a:t>
-            </a:r>
-            <a:r>
-              <a:rPr lang="pt-BR" dirty="0" err="1" smtClean="0"/>
-              <a:t>plugin</a:t>
-            </a:r>
-            <a:r>
-              <a:rPr lang="pt-BR" dirty="0" smtClean="0"/>
-              <a:t> para janelas de pop </a:t>
-            </a:r>
-            <a:r>
-              <a:rPr lang="pt-BR" dirty="0" err="1" smtClean="0"/>
-              <a:t>up</a:t>
-            </a:r>
-            <a:r>
-              <a:rPr lang="pt-BR" dirty="0" smtClean="0"/>
-              <a:t> que aparecem no evento de click em botões e links;</a:t>
-            </a:r>
-          </a:p>
-          <a:p>
-            <a:r>
-              <a:rPr lang="pt-BR" dirty="0" smtClean="0"/>
-              <a:t>O tamanho do modal pode ser definido pelas classes </a:t>
-            </a:r>
-            <a:r>
-              <a:rPr lang="pt-BR" dirty="0" smtClean="0">
-                <a:latin typeface="Courier New" panose="02070309020205020404" pitchFamily="49" charset="0"/>
-                <a:cs typeface="Courier New" panose="02070309020205020404" pitchFamily="49" charset="0"/>
-              </a:rPr>
-              <a:t>modal-</a:t>
-            </a:r>
-            <a:r>
-              <a:rPr lang="pt-BR" dirty="0" err="1" smtClean="0">
-                <a:latin typeface="Courier New" panose="02070309020205020404" pitchFamily="49" charset="0"/>
-                <a:cs typeface="Courier New" panose="02070309020205020404" pitchFamily="49" charset="0"/>
-              </a:rPr>
-              <a:t>sm</a:t>
-            </a:r>
-            <a:r>
-              <a:rPr lang="pt-BR" dirty="0" smtClean="0"/>
-              <a:t> (pequeno) e </a:t>
-            </a:r>
-            <a:r>
-              <a:rPr lang="pt-BR" dirty="0" smtClean="0">
-                <a:latin typeface="Courier New" panose="02070309020205020404" pitchFamily="49" charset="0"/>
-                <a:cs typeface="Courier New" panose="02070309020205020404" pitchFamily="49" charset="0"/>
-              </a:rPr>
-              <a:t>modal-</a:t>
-            </a:r>
-            <a:r>
-              <a:rPr lang="pt-BR" dirty="0" err="1" smtClean="0">
-                <a:latin typeface="Courier New" panose="02070309020205020404" pitchFamily="49" charset="0"/>
-                <a:cs typeface="Courier New" panose="02070309020205020404" pitchFamily="49" charset="0"/>
-              </a:rPr>
-              <a:t>lg</a:t>
-            </a:r>
-            <a:r>
-              <a:rPr lang="pt-BR" dirty="0" smtClean="0"/>
-              <a:t> (grande) associadas à </a:t>
-            </a:r>
-            <a:r>
-              <a:rPr lang="pt-BR" dirty="0" err="1" smtClean="0">
-                <a:latin typeface="Courier New" panose="02070309020205020404" pitchFamily="49" charset="0"/>
-                <a:cs typeface="Courier New" panose="02070309020205020404" pitchFamily="49" charset="0"/>
-              </a:rPr>
-              <a:t>div</a:t>
-            </a:r>
-            <a:r>
-              <a:rPr lang="pt-BR" dirty="0" smtClean="0"/>
-              <a:t> que contém a classe </a:t>
-            </a:r>
-            <a:r>
-              <a:rPr lang="pt-BR" dirty="0" smtClean="0">
-                <a:latin typeface="Courier New" panose="02070309020205020404" pitchFamily="49" charset="0"/>
-                <a:cs typeface="Courier New" panose="02070309020205020404" pitchFamily="49" charset="0"/>
-              </a:rPr>
-              <a:t>modal-</a:t>
-            </a:r>
-            <a:r>
-              <a:rPr lang="pt-BR" dirty="0" err="1" smtClean="0">
-                <a:latin typeface="Courier New" panose="02070309020205020404" pitchFamily="49" charset="0"/>
-                <a:cs typeface="Courier New" panose="02070309020205020404" pitchFamily="49" charset="0"/>
-              </a:rPr>
-              <a:t>dialog</a:t>
-            </a:r>
-            <a:endParaRPr lang="pt-BR" dirty="0" smtClean="0">
-              <a:latin typeface="Courier New" panose="02070309020205020404" pitchFamily="49" charset="0"/>
-              <a:cs typeface="Courier New" panose="02070309020205020404" pitchFamily="49" charset="0"/>
-            </a:endParaRPr>
-          </a:p>
-          <a:p>
-            <a:r>
-              <a:rPr lang="pt-BR" dirty="0" smtClean="0"/>
-              <a:t>Vide exemplo</a:t>
+              <a:t>É possível posicionar botões à direita na barra de navegação com o uso da classe </a:t>
+            </a:r>
+            <a:r>
+              <a:rPr lang="pt-BR" dirty="0" err="1" smtClean="0"/>
+              <a:t>navbar-right</a:t>
+            </a:r>
+            <a:r>
+              <a:rPr lang="pt-BR" dirty="0" smtClean="0"/>
+              <a:t> à lista de botões &lt;</a:t>
+            </a:r>
+            <a:r>
+              <a:rPr lang="pt-BR" dirty="0" err="1" smtClean="0"/>
+              <a:t>ul</a:t>
+            </a:r>
+            <a:r>
+              <a:rPr lang="pt-BR" dirty="0" smtClean="0"/>
+              <a:t>&gt;</a:t>
+            </a:r>
+          </a:p>
+          <a:p>
+            <a:r>
+              <a:rPr lang="pt-BR" dirty="0" smtClean="0"/>
+              <a:t>Também é possível criar uma barra de navegação dinâmica, para isso utiliza-se a propriedade data-</a:t>
+            </a:r>
+            <a:r>
+              <a:rPr lang="pt-BR" dirty="0" err="1" smtClean="0"/>
+              <a:t>toggle</a:t>
+            </a:r>
+            <a:r>
+              <a:rPr lang="pt-BR" dirty="0" smtClean="0"/>
+              <a:t>=“</a:t>
+            </a:r>
+            <a:r>
+              <a:rPr lang="pt-BR" dirty="0" err="1" smtClean="0"/>
+              <a:t>collapse</a:t>
+            </a:r>
+            <a:r>
+              <a:rPr lang="pt-BR" dirty="0" smtClean="0"/>
+              <a:t>” e data-</a:t>
+            </a:r>
+            <a:r>
+              <a:rPr lang="pt-BR" dirty="0" err="1" smtClean="0"/>
+              <a:t>target</a:t>
+            </a:r>
+            <a:r>
+              <a:rPr lang="pt-BR" dirty="0" smtClean="0"/>
+              <a:t> referenciando para a barra de navegação com Id único. Vide exemplo.</a:t>
             </a:r>
             <a:endParaRPr lang="pt-BR" dirty="0"/>
           </a:p>
@@ -6402,7 +6553,7 @@
           <a:p>
             <a:r>
               <a:rPr lang="pt-BR" dirty="0" smtClean="0"/>
-              <a:t>Modal</a:t>
+              <a:t>Barras de Navegação</a:t>
             </a:r>
             <a:endParaRPr lang="pt-BR" dirty="0"/>
           </a:p>
@@ -6411,20 +6562,13 @@
     </p:spTree>
     <p:extLst>
       <p:ext uri="{BB962C8B-B14F-4D97-AF65-F5344CB8AC3E}">
-        <p14:creationId xmlns:p14="http://schemas.microsoft.com/office/powerpoint/2010/main" val="2603158013"/>
+        <p14:creationId xmlns:p14="http://schemas.microsoft.com/office/powerpoint/2010/main" val="3424525587"/>
       </p:ext>
     </p:extLst>
   </p:cSld>
   <p:clrMapOvr>
     <a:masterClrMapping/>
   </p:clrMapOvr>
-  <p:timing>
-    <p:tnLst>
-      <p:par>
-        <p:cTn id="1" dur="indefinite" restart="never" nodeType="tmRoot"/>
-      </p:par>
-    </p:tnLst>
-  </p:timing>
 </p:sld>
 </file>
 
@@ -6455,25 +6599,14 @@
             <p:ph type="body" idx="1"/>
           </p:nvPr>
         </p:nvSpPr>
-        <p:spPr>
-          <a:xfrm>
-            <a:off x="711704" y="1600203"/>
-            <a:ext cx="10691758" cy="4525963"/>
-          </a:xfrm>
-        </p:spPr>
-        <p:txBody>
-          <a:bodyPr>
-            <a:normAutofit/>
-          </a:bodyPr>
-          <a:lstStyle/>
-          <a:p>
-            <a:r>
-              <a:rPr lang="pt-BR" dirty="0" err="1" smtClean="0"/>
-              <a:t>Tooltip</a:t>
-            </a:r>
-            <a:r>
-              <a:rPr lang="pt-BR" dirty="0" smtClean="0"/>
-              <a:t> é um </a:t>
+        <p:spPr/>
+        <p:txBody>
+          <a:bodyPr/>
+          <a:lstStyle/>
+          <a:p>
+            <a:r>
+              <a:rPr lang="pt-BR" dirty="0" smtClean="0"/>
+              <a:t>Modal é um </a:t>
             </a:r>
             <a:r>
               <a:rPr lang="pt-BR" dirty="0" err="1" smtClean="0"/>
@@ -6481,134 +6614,82 @@
             </a:r>
             <a:r>
               <a:rPr lang="pt-BR" dirty="0" smtClean="0"/>
-              <a:t> para dica que aparece ao se passar o ponteiro do mouse sobre um componente;</a:t>
-            </a:r>
-          </a:p>
-          <a:p>
-            <a:r>
-              <a:rPr lang="pt-BR" dirty="0" smtClean="0"/>
-              <a:t>É criado adicionando a propriedade </a:t>
+              <a:t> para janelas de pop </a:t>
+            </a:r>
+            <a:r>
+              <a:rPr lang="pt-BR" dirty="0" err="1" smtClean="0"/>
+              <a:t>up</a:t>
+            </a:r>
+            <a:r>
+              <a:rPr lang="pt-BR" dirty="0" smtClean="0"/>
+              <a:t> que aparecem no evento de click em botões e links;</a:t>
+            </a:r>
+          </a:p>
+          <a:p>
+            <a:r>
+              <a:rPr lang="pt-BR" dirty="0" smtClean="0"/>
+              <a:t>O tamanho do modal pode ser definido pelas classes </a:t>
             </a:r>
             <a:r>
               <a:rPr lang="pt-BR" dirty="0" smtClean="0">
                 <a:latin typeface="Courier New" panose="02070309020205020404" pitchFamily="49" charset="0"/>
                 <a:cs typeface="Courier New" panose="02070309020205020404" pitchFamily="49" charset="0"/>
               </a:rPr>
-              <a:t>data-</a:t>
+              <a:t>modal-</a:t>
             </a:r>
             <a:r>
               <a:rPr lang="pt-BR" dirty="0" err="1" smtClean="0">
                 <a:latin typeface="Courier New" panose="02070309020205020404" pitchFamily="49" charset="0"/>
                 <a:cs typeface="Courier New" panose="02070309020205020404" pitchFamily="49" charset="0"/>
               </a:rPr>
-              <a:t>toggle</a:t>
+              <a:t>sm</a:t>
+            </a:r>
+            <a:r>
+              <a:rPr lang="pt-BR" dirty="0" smtClean="0"/>
+              <a:t> (pequeno) e </a:t>
             </a:r>
             <a:r>
               <a:rPr lang="pt-BR" dirty="0" smtClean="0">
                 <a:latin typeface="Courier New" panose="02070309020205020404" pitchFamily="49" charset="0"/>
                 <a:cs typeface="Courier New" panose="02070309020205020404" pitchFamily="49" charset="0"/>
               </a:rPr>
-              <a:t>= “</a:t>
+              <a:t>modal-</a:t>
             </a:r>
             <a:r>
               <a:rPr lang="pt-BR" dirty="0" err="1" smtClean="0">
                 <a:latin typeface="Courier New" panose="02070309020205020404" pitchFamily="49" charset="0"/>
                 <a:cs typeface="Courier New" panose="02070309020205020404" pitchFamily="49" charset="0"/>
               </a:rPr>
-              <a:t>tooltip</a:t>
+              <a:t>lg</a:t>
+            </a:r>
+            <a:r>
+              <a:rPr lang="pt-BR" dirty="0" smtClean="0"/>
+              <a:t> (grande) associadas à </a:t>
+            </a:r>
+            <a:r>
+              <a:rPr lang="pt-BR" dirty="0" err="1" smtClean="0">
+                <a:latin typeface="Courier New" panose="02070309020205020404" pitchFamily="49" charset="0"/>
+                <a:cs typeface="Courier New" panose="02070309020205020404" pitchFamily="49" charset="0"/>
+              </a:rPr>
+              <a:t>div</a:t>
+            </a:r>
+            <a:r>
+              <a:rPr lang="pt-BR" dirty="0" smtClean="0"/>
+              <a:t> que contém a classe </a:t>
             </a:r>
             <a:r>
               <a:rPr lang="pt-BR" dirty="0" smtClean="0">
                 <a:latin typeface="Courier New" panose="02070309020205020404" pitchFamily="49" charset="0"/>
                 <a:cs typeface="Courier New" panose="02070309020205020404" pitchFamily="49" charset="0"/>
               </a:rPr>
-              <a:t>”  </a:t>
-            </a:r>
-            <a:r>
-              <a:rPr lang="pt-BR" dirty="0" smtClean="0"/>
-              <a:t>e o título (que corresponde à dica) </a:t>
+              <a:t>modal-</a:t>
             </a:r>
             <a:r>
               <a:rPr lang="pt-BR" dirty="0" err="1" smtClean="0">
                 <a:latin typeface="Courier New" panose="02070309020205020404" pitchFamily="49" charset="0"/>
                 <a:cs typeface="Courier New" panose="02070309020205020404" pitchFamily="49" charset="0"/>
               </a:rPr>
-              <a:t>title</a:t>
-            </a:r>
-            <a:r>
-              <a:rPr lang="pt-BR" dirty="0" smtClean="0">
-                <a:latin typeface="Courier New" panose="02070309020205020404" pitchFamily="49" charset="0"/>
-                <a:cs typeface="Courier New" panose="02070309020205020404" pitchFamily="49" charset="0"/>
-              </a:rPr>
-              <a:t>=“Dica”</a:t>
-            </a:r>
-            <a:r>
-              <a:rPr lang="pt-BR" dirty="0" smtClean="0"/>
-              <a:t> a um componente. </a:t>
-            </a:r>
-          </a:p>
-          <a:p>
-            <a:r>
-              <a:rPr lang="pt-BR" dirty="0" smtClean="0"/>
-              <a:t>É possível posicionar a dica com o uso da propriedade  </a:t>
-            </a:r>
-            <a:r>
-              <a:rPr lang="pt-BR" dirty="0" smtClean="0">
-                <a:latin typeface="Courier New" panose="02070309020205020404" pitchFamily="49" charset="0"/>
-                <a:cs typeface="Courier New" panose="02070309020205020404" pitchFamily="49" charset="0"/>
-              </a:rPr>
-              <a:t>data-</a:t>
-            </a:r>
-            <a:r>
-              <a:rPr lang="pt-BR" dirty="0" err="1" smtClean="0">
-                <a:latin typeface="Courier New" panose="02070309020205020404" pitchFamily="49" charset="0"/>
-                <a:cs typeface="Courier New" panose="02070309020205020404" pitchFamily="49" charset="0"/>
-              </a:rPr>
-              <a:t>placement</a:t>
-            </a:r>
-            <a:r>
-              <a:rPr lang="pt-BR" dirty="0" smtClean="0"/>
-              <a:t> cujo valor pode ser </a:t>
-            </a:r>
-            <a:r>
-              <a:rPr lang="pt-BR" dirty="0" smtClean="0">
-                <a:latin typeface="Courier New" panose="02070309020205020404" pitchFamily="49" charset="0"/>
-                <a:cs typeface="Courier New" panose="02070309020205020404" pitchFamily="49" charset="0"/>
-              </a:rPr>
-              <a:t>top</a:t>
-            </a:r>
-            <a:r>
-              <a:rPr lang="pt-BR" dirty="0" smtClean="0"/>
-              <a:t>, </a:t>
-            </a:r>
-            <a:r>
-              <a:rPr lang="pt-BR" dirty="0" err="1" smtClean="0">
-                <a:latin typeface="Courier New" panose="02070309020205020404" pitchFamily="49" charset="0"/>
-                <a:cs typeface="Courier New" panose="02070309020205020404" pitchFamily="49" charset="0"/>
-              </a:rPr>
-              <a:t>bottom</a:t>
-            </a:r>
-            <a:r>
-              <a:rPr lang="pt-BR" dirty="0" smtClean="0"/>
-              <a:t>, </a:t>
-            </a:r>
-            <a:r>
-              <a:rPr lang="pt-BR" dirty="0" err="1" smtClean="0">
-                <a:latin typeface="Courier New" panose="02070309020205020404" pitchFamily="49" charset="0"/>
-                <a:cs typeface="Courier New" panose="02070309020205020404" pitchFamily="49" charset="0"/>
-              </a:rPr>
-              <a:t>left</a:t>
-            </a:r>
-            <a:r>
-              <a:rPr lang="pt-BR" dirty="0" smtClean="0"/>
-              <a:t>, </a:t>
-            </a:r>
-            <a:r>
-              <a:rPr lang="pt-BR" dirty="0" err="1" smtClean="0">
-                <a:latin typeface="Courier New" panose="02070309020205020404" pitchFamily="49" charset="0"/>
-                <a:cs typeface="Courier New" panose="02070309020205020404" pitchFamily="49" charset="0"/>
-              </a:rPr>
-              <a:t>right</a:t>
+              <a:t>dialog</a:t>
             </a:r>
             <a:endParaRPr lang="pt-BR" dirty="0" smtClean="0">
               <a:latin typeface="Courier New" panose="02070309020205020404" pitchFamily="49" charset="0"/>
@@ -6617,37 +6698,9 @@
           </a:p>
           <a:p>
             <a:r>
-              <a:rPr lang="pt-BR" dirty="0" smtClean="0">
-                <a:cs typeface="Courier New" panose="02070309020205020404" pitchFamily="49" charset="0"/>
-              </a:rPr>
-              <a:t>Está associado á uma função </a:t>
-            </a:r>
-            <a:r>
-              <a:rPr lang="pt-BR" dirty="0" err="1" smtClean="0">
-                <a:cs typeface="Courier New" panose="02070309020205020404" pitchFamily="49" charset="0"/>
-              </a:rPr>
-              <a:t>jquery</a:t>
-            </a:r>
-            <a:r>
-              <a:rPr lang="pt-BR" dirty="0" smtClean="0">
-                <a:cs typeface="Courier New" panose="02070309020205020404" pitchFamily="49" charset="0"/>
-              </a:rPr>
-              <a:t> (</a:t>
-            </a:r>
-            <a:r>
-              <a:rPr lang="pt-BR" dirty="0" err="1" smtClean="0">
-                <a:cs typeface="Courier New" panose="02070309020205020404" pitchFamily="49" charset="0"/>
-              </a:rPr>
-              <a:t>tooltip</a:t>
-            </a:r>
-            <a:r>
-              <a:rPr lang="pt-BR" dirty="0" smtClean="0">
-                <a:cs typeface="Courier New" panose="02070309020205020404" pitchFamily="49" charset="0"/>
-              </a:rPr>
-              <a:t>) e necessita da inclusão de um script para seu correto funcionamento</a:t>
-            </a:r>
-          </a:p>
-          <a:p>
+              <a:rPr lang="pt-BR" dirty="0" smtClean="0"/>
+              <a:t>Vide exemplo</a:t>
+            </a:r>
             <a:endParaRPr lang="pt-BR" dirty="0"/>
           </a:p>
         </p:txBody>
@@ -6668,8 +6721,8 @@
           <a:lstStyle/>
           <a:p>
             <a:r>
-              <a:rPr lang="pt-BR" dirty="0" err="1" smtClean="0"/>
-              <a:t>Tooltip</a:t>
+              <a:rPr lang="pt-BR" dirty="0" smtClean="0"/>
+              <a:t>Modal</a:t>
             </a:r>
             <a:endParaRPr lang="pt-BR" dirty="0"/>
           </a:p>
@@ -6678,7 +6731,7 @@
     </p:spTree>
     <p:extLst>
       <p:ext uri="{BB962C8B-B14F-4D97-AF65-F5344CB8AC3E}">
-        <p14:creationId xmlns:p14="http://schemas.microsoft.com/office/powerpoint/2010/main" val="3690797595"/>
+        <p14:creationId xmlns:p14="http://schemas.microsoft.com/office/powerpoint/2010/main" val="2603158013"/>
       </p:ext>
     </p:extLst>
   </p:cSld>
@@ -6722,7 +6775,12 @@
             <p:ph type="body" idx="1"/>
           </p:nvPr>
         </p:nvSpPr>
-        <p:spPr/>
+        <p:spPr>
+          <a:xfrm>
+            <a:off x="711704" y="1600203"/>
+            <a:ext cx="10691758" cy="4525963"/>
+          </a:xfrm>
+        </p:spPr>
         <p:txBody>
           <a:bodyPr>
             <a:normAutofit/>
@@ -6730,263 +6788,183 @@
           <a:lstStyle/>
           <a:p>
             <a:r>
-              <a:rPr lang="pt-BR" dirty="0" err="1"/>
+              <a:rPr lang="pt-BR" dirty="0" err="1" smtClean="0"/>
               <a:t>Tooltip</a:t>
             </a:r>
             <a:r>
-              <a:rPr lang="pt-BR" dirty="0"/>
+              <a:rPr lang="pt-BR" dirty="0" smtClean="0"/>
               <a:t> é um </a:t>
             </a:r>
             <a:r>
-              <a:rPr lang="pt-BR" dirty="0" err="1"/>
+              <a:rPr lang="pt-BR" dirty="0" err="1" smtClean="0"/>
               <a:t>plugin</a:t>
             </a:r>
             <a:r>
-              <a:rPr lang="pt-BR" dirty="0"/>
-              <a:t> para </a:t>
-            </a:r>
-            <a:r>
-              <a:rPr lang="pt-BR" dirty="0" smtClean="0"/>
-              <a:t>uma janela (parecida com o </a:t>
-            </a:r>
-            <a:r>
-              <a:rPr lang="pt-BR" dirty="0" err="1" smtClean="0"/>
+              <a:rPr lang="pt-BR" dirty="0" smtClean="0"/>
+              <a:t> para dica que aparece ao se passar o ponteiro do mouse sobre um componente;</a:t>
+            </a:r>
+          </a:p>
+          <a:p>
+            <a:r>
+              <a:rPr lang="pt-BR" dirty="0" smtClean="0"/>
+              <a:t>É criado adicionando a propriedade </a:t>
+            </a:r>
+            <a:r>
+              <a:rPr lang="pt-BR" dirty="0" smtClean="0">
+                <a:latin typeface="Courier New" panose="02070309020205020404" pitchFamily="49" charset="0"/>
+                <a:cs typeface="Courier New" panose="02070309020205020404" pitchFamily="49" charset="0"/>
+              </a:rPr>
+              <a:t>data-</a:t>
+            </a:r>
+            <a:r>
+              <a:rPr lang="pt-BR" dirty="0" err="1" smtClean="0">
+                <a:latin typeface="Courier New" panose="02070309020205020404" pitchFamily="49" charset="0"/>
+                <a:cs typeface="Courier New" panose="02070309020205020404" pitchFamily="49" charset="0"/>
+              </a:rPr>
+              <a:t>toggle</a:t>
+            </a:r>
+            <a:r>
+              <a:rPr lang="pt-BR" dirty="0" smtClean="0">
+                <a:latin typeface="Courier New" panose="02070309020205020404" pitchFamily="49" charset="0"/>
+                <a:cs typeface="Courier New" panose="02070309020205020404" pitchFamily="49" charset="0"/>
+              </a:rPr>
+              <a:t>= “</a:t>
+            </a:r>
+            <a:r>
+              <a:rPr lang="pt-BR" dirty="0" err="1" smtClean="0">
+                <a:latin typeface="Courier New" panose="02070309020205020404" pitchFamily="49" charset="0"/>
+                <a:cs typeface="Courier New" panose="02070309020205020404" pitchFamily="49" charset="0"/>
+              </a:rPr>
               <a:t>tooltip</a:t>
             </a:r>
             <a:r>
-              <a:rPr lang="pt-BR" dirty="0" smtClean="0"/>
-              <a:t>) que </a:t>
-            </a:r>
-            <a:r>
-              <a:rPr lang="pt-BR" dirty="0"/>
-              <a:t>aparece ao se </a:t>
-            </a:r>
-            <a:r>
-              <a:rPr lang="pt-BR" dirty="0" smtClean="0"/>
-              <a:t>clicar em </a:t>
-            </a:r>
-            <a:r>
-              <a:rPr lang="pt-BR" dirty="0"/>
-              <a:t>um componente;</a:t>
-            </a:r>
-          </a:p>
-          <a:p>
-            <a:r>
-              <a:rPr lang="pt-BR" dirty="0"/>
-              <a:t>É criado adicionando a propriedade </a:t>
-            </a:r>
-            <a:r>
-              <a:rPr lang="pt-BR" dirty="0">
+              <a:rPr lang="pt-BR" dirty="0" smtClean="0">
+                <a:latin typeface="Courier New" panose="02070309020205020404" pitchFamily="49" charset="0"/>
+                <a:cs typeface="Courier New" panose="02070309020205020404" pitchFamily="49" charset="0"/>
+              </a:rPr>
+              <a:t>”  </a:t>
+            </a:r>
+            <a:r>
+              <a:rPr lang="pt-BR" dirty="0" smtClean="0"/>
+              <a:t>e o título (que corresponde à dica) </a:t>
+            </a:r>
+            <a:r>
+              <a:rPr lang="pt-BR" dirty="0" err="1" smtClean="0">
+                <a:latin typeface="Courier New" panose="02070309020205020404" pitchFamily="49" charset="0"/>
+                <a:cs typeface="Courier New" panose="02070309020205020404" pitchFamily="49" charset="0"/>
+              </a:rPr>
+              <a:t>title</a:t>
+            </a:r>
+            <a:r>
+              <a:rPr lang="pt-BR" dirty="0" smtClean="0">
+                <a:latin typeface="Courier New" panose="02070309020205020404" pitchFamily="49" charset="0"/>
+                <a:cs typeface="Courier New" panose="02070309020205020404" pitchFamily="49" charset="0"/>
+              </a:rPr>
+              <a:t>=“Dica”</a:t>
+            </a:r>
+            <a:r>
+              <a:rPr lang="pt-BR" dirty="0" smtClean="0"/>
+              <a:t> a um componente. </a:t>
+            </a:r>
+          </a:p>
+          <a:p>
+            <a:r>
+              <a:rPr lang="pt-BR" dirty="0" smtClean="0"/>
+              <a:t>É possível posicionar a dica com o uso da propriedade  </a:t>
+            </a:r>
+            <a:r>
+              <a:rPr lang="pt-BR" dirty="0" smtClean="0">
                 <a:latin typeface="Courier New" panose="02070309020205020404" pitchFamily="49" charset="0"/>
                 <a:cs typeface="Courier New" panose="02070309020205020404" pitchFamily="49" charset="0"/>
               </a:rPr>
               <a:t>data-</a:t>
             </a:r>
             <a:r>
-              <a:rPr lang="pt-BR" dirty="0" err="1">
-                <a:latin typeface="Courier New" panose="02070309020205020404" pitchFamily="49" charset="0"/>
-                <a:cs typeface="Courier New" panose="02070309020205020404" pitchFamily="49" charset="0"/>
-              </a:rPr>
-              <a:t>toggle</a:t>
-            </a:r>
-            <a:r>
-              <a:rPr lang="pt-BR" dirty="0">
-                <a:latin typeface="Courier New" panose="02070309020205020404" pitchFamily="49" charset="0"/>
-                <a:cs typeface="Courier New" panose="02070309020205020404" pitchFamily="49" charset="0"/>
-              </a:rPr>
-              <a:t>= </a:t>
+              <a:rPr lang="pt-BR" dirty="0" err="1" smtClean="0">
+                <a:latin typeface="Courier New" panose="02070309020205020404" pitchFamily="49" charset="0"/>
+                <a:cs typeface="Courier New" panose="02070309020205020404" pitchFamily="49" charset="0"/>
+              </a:rPr>
+              <a:t>placement</a:t>
+            </a:r>
+            <a:r>
+              <a:rPr lang="pt-BR" dirty="0" smtClean="0"/>
+              <a:t> cujo valor pode ser </a:t>
             </a:r>
             <a:r>
               <a:rPr lang="pt-BR" dirty="0" smtClean="0">
                 <a:latin typeface="Courier New" panose="02070309020205020404" pitchFamily="49" charset="0"/>
                 <a:cs typeface="Courier New" panose="02070309020205020404" pitchFamily="49" charset="0"/>
               </a:rPr>
-              <a:t>“</a:t>
+              <a:t>top</a:t>
+            </a:r>
+            <a:r>
+              <a:rPr lang="pt-BR" dirty="0" smtClean="0"/>
+              <a:t>, </a:t>
             </a:r>
             <a:r>
               <a:rPr lang="pt-BR" dirty="0" err="1" smtClean="0">
                 <a:latin typeface="Courier New" panose="02070309020205020404" pitchFamily="49" charset="0"/>
                 <a:cs typeface="Courier New" panose="02070309020205020404" pitchFamily="49" charset="0"/>
               </a:rPr>
-              <a:t>popover</a:t>
-            </a:r>
-            <a:r>
-              <a:rPr lang="pt-BR" dirty="0" smtClean="0">
-                <a:latin typeface="Courier New" panose="02070309020205020404" pitchFamily="49" charset="0"/>
-                <a:cs typeface="Courier New" panose="02070309020205020404" pitchFamily="49" charset="0"/>
-              </a:rPr>
-              <a:t>”  </a:t>
-            </a:r>
-            <a:r>
-              <a:rPr lang="pt-BR" dirty="0"/>
-              <a:t>e o título (que corresponde à dica) </a:t>
-            </a:r>
-            <a:r>
-              <a:rPr lang="pt-BR" dirty="0" err="1">
-                <a:latin typeface="Courier New" panose="02070309020205020404" pitchFamily="49" charset="0"/>
-                <a:cs typeface="Courier New" panose="02070309020205020404" pitchFamily="49" charset="0"/>
-              </a:rPr>
-              <a:t>title</a:t>
-            </a:r>
-            <a:r>
-              <a:rPr lang="pt-BR" dirty="0">
-                <a:latin typeface="Courier New" panose="02070309020205020404" pitchFamily="49" charset="0"/>
-                <a:cs typeface="Courier New" panose="02070309020205020404" pitchFamily="49" charset="0"/>
-              </a:rPr>
-              <a:t>=“Dica”</a:t>
-            </a:r>
-            <a:r>
-              <a:rPr lang="pt-BR" dirty="0"/>
-              <a:t> a um </a:t>
-            </a:r>
-            <a:r>
-              <a:rPr lang="pt-BR" dirty="0" smtClean="0"/>
-              <a:t>componente, mais o </a:t>
-            </a:r>
-            <a:r>
-              <a:rPr lang="pt-BR" dirty="0" err="1" smtClean="0"/>
-              <a:t>conteudo</a:t>
-            </a:r>
-            <a:r>
-              <a:rPr lang="pt-BR" dirty="0" smtClean="0"/>
-              <a:t>: </a:t>
-            </a:r>
-            <a:r>
-              <a:rPr lang="pt-BR" dirty="0" smtClean="0">
-                <a:latin typeface="Courier New" panose="02070309020205020404" pitchFamily="49" charset="0"/>
-                <a:cs typeface="Courier New" panose="02070309020205020404" pitchFamily="49" charset="0"/>
-              </a:rPr>
-              <a:t>data-</a:t>
+              <a:t>bottom</a:t>
+            </a:r>
+            <a:r>
+              <a:rPr lang="pt-BR" dirty="0" smtClean="0"/>
+              <a:t>, </a:t>
             </a:r>
             <a:r>
               <a:rPr lang="pt-BR" dirty="0" err="1" smtClean="0">
                 <a:latin typeface="Courier New" panose="02070309020205020404" pitchFamily="49" charset="0"/>
                 <a:cs typeface="Courier New" panose="02070309020205020404" pitchFamily="49" charset="0"/>
               </a:rPr>
-              <a:t>content</a:t>
-            </a:r>
-            <a:r>
-              <a:rPr lang="pt-BR" dirty="0" smtClean="0">
-                <a:latin typeface="Courier New" panose="02070309020205020404" pitchFamily="49" charset="0"/>
-                <a:cs typeface="Courier New" panose="02070309020205020404" pitchFamily="49" charset="0"/>
-              </a:rPr>
-              <a:t>=“Conteúdo”</a:t>
-            </a:r>
-            <a:endParaRPr lang="pt-BR" dirty="0">
+              <a:t>left</a:t>
+            </a:r>
+            <a:r>
+              <a:rPr lang="pt-BR" dirty="0" smtClean="0"/>
+              <a:t>, </a:t>
+            </a:r>
+            <a:r>
+              <a:rPr lang="pt-BR" dirty="0" err="1" smtClean="0">
+                <a:latin typeface="Courier New" panose="02070309020205020404" pitchFamily="49" charset="0"/>
+                <a:cs typeface="Courier New" panose="02070309020205020404" pitchFamily="49" charset="0"/>
+              </a:rPr>
+              <a:t>right</a:t>
+            </a:r>
+            <a:endParaRPr lang="pt-BR" dirty="0" smtClean="0">
               <a:latin typeface="Courier New" panose="02070309020205020404" pitchFamily="49" charset="0"/>
               <a:cs typeface="Courier New" panose="02070309020205020404" pitchFamily="49" charset="0"/>
             </a:endParaRPr>
           </a:p>
           <a:p>
             <a:r>
-              <a:rPr lang="pt-BR" dirty="0"/>
-              <a:t>É possível posicionar a dica com o uso da propriedade  </a:t>
-            </a:r>
-            <a:r>
-              <a:rPr lang="pt-BR" dirty="0">
-                <a:latin typeface="Courier New" panose="02070309020205020404" pitchFamily="49" charset="0"/>
-                <a:cs typeface="Courier New" panose="02070309020205020404" pitchFamily="49" charset="0"/>
-              </a:rPr>
-              <a:t>data-</a:t>
-            </a:r>
-            <a:r>
-              <a:rPr lang="pt-BR" dirty="0" err="1">
-                <a:latin typeface="Courier New" panose="02070309020205020404" pitchFamily="49" charset="0"/>
-                <a:cs typeface="Courier New" panose="02070309020205020404" pitchFamily="49" charset="0"/>
-              </a:rPr>
-              <a:t>placement</a:t>
-            </a:r>
-            <a:r>
-              <a:rPr lang="pt-BR" dirty="0"/>
-              <a:t> cujo valor pode ser </a:t>
-            </a:r>
-            <a:r>
-              <a:rPr lang="pt-BR" dirty="0">
-                <a:latin typeface="Courier New" panose="02070309020205020404" pitchFamily="49" charset="0"/>
-                <a:cs typeface="Courier New" panose="02070309020205020404" pitchFamily="49" charset="0"/>
-              </a:rPr>
-              <a:t>top</a:t>
-            </a:r>
-            <a:r>
-              <a:rPr lang="pt-BR" dirty="0"/>
-              <a:t>, </a:t>
-            </a:r>
-            <a:r>
-              <a:rPr lang="pt-BR" dirty="0" err="1">
-                <a:latin typeface="Courier New" panose="02070309020205020404" pitchFamily="49" charset="0"/>
-                <a:cs typeface="Courier New" panose="02070309020205020404" pitchFamily="49" charset="0"/>
-              </a:rPr>
-              <a:t>bottom</a:t>
-            </a:r>
-            <a:r>
-              <a:rPr lang="pt-BR" dirty="0"/>
-              <a:t>, </a:t>
-            </a:r>
-            <a:r>
-              <a:rPr lang="pt-BR" dirty="0" err="1">
-                <a:latin typeface="Courier New" panose="02070309020205020404" pitchFamily="49" charset="0"/>
-                <a:cs typeface="Courier New" panose="02070309020205020404" pitchFamily="49" charset="0"/>
-              </a:rPr>
-              <a:t>left</a:t>
-            </a:r>
-            <a:r>
-              <a:rPr lang="pt-BR" dirty="0"/>
-              <a:t>, </a:t>
-            </a:r>
-            <a:r>
-              <a:rPr lang="pt-BR" dirty="0" err="1">
-                <a:latin typeface="Courier New" panose="02070309020205020404" pitchFamily="49" charset="0"/>
-                <a:cs typeface="Courier New" panose="02070309020205020404" pitchFamily="49" charset="0"/>
-              </a:rPr>
-              <a:t>right</a:t>
-            </a:r>
-            <a:endParaRPr lang="pt-BR" dirty="0">
-              <a:latin typeface="Courier New" panose="02070309020205020404" pitchFamily="49" charset="0"/>
-              <a:cs typeface="Courier New" panose="02070309020205020404" pitchFamily="49" charset="0"/>
-            </a:endParaRPr>
-          </a:p>
-          <a:p>
-            <a:r>
-              <a:rPr lang="pt-BR" dirty="0">
+              <a:rPr lang="pt-BR" dirty="0" smtClean="0">
                 <a:cs typeface="Courier New" panose="02070309020205020404" pitchFamily="49" charset="0"/>
               </a:rPr>
               <a:t>Está associado á uma função </a:t>
             </a:r>
             <a:r>
-              <a:rPr lang="pt-BR" dirty="0" err="1">
+              <a:rPr lang="pt-BR" dirty="0" err="1" smtClean="0">
                 <a:cs typeface="Courier New" panose="02070309020205020404" pitchFamily="49" charset="0"/>
               </a:rPr>
               <a:t>jquery</a:t>
             </a:r>
             <a:r>
-              <a:rPr lang="pt-BR" dirty="0">
-                <a:cs typeface="Courier New" panose="02070309020205020404" pitchFamily="49" charset="0"/>
-              </a:rPr>
-              <a:t> </a:t>
-            </a:r>
-            <a:r>
               <a:rPr lang="pt-BR" dirty="0" smtClean="0">
                 <a:cs typeface="Courier New" panose="02070309020205020404" pitchFamily="49" charset="0"/>
               </a:rPr>
-              <a:t>(</a:t>
+              <a:t> (</a:t>
             </a:r>
             <a:r>
               <a:rPr lang="pt-BR" dirty="0" err="1" smtClean="0">
                 <a:cs typeface="Courier New" panose="02070309020205020404" pitchFamily="49" charset="0"/>
               </a:rPr>
-              <a:t>popover</a:t>
+              <a:t>tooltip</a:t>
             </a:r>
             <a:r>
               <a:rPr lang="pt-BR" dirty="0" smtClean="0">
                 <a:cs typeface="Courier New" panose="02070309020205020404" pitchFamily="49" charset="0"/>
               </a:rPr>
-              <a:t>) </a:t>
-            </a:r>
-            <a:r>
-              <a:rPr lang="pt-BR" dirty="0">
-                <a:cs typeface="Courier New" panose="02070309020205020404" pitchFamily="49" charset="0"/>
-              </a:rPr>
-              <a:t>e necessita da inclusão de um script para seu correto funcionamento</a:t>
+              <a:t>) e necessita da inclusão de um script para seu correto funcionamento</a:t>
             </a:r>
           </a:p>
           <a:p>
@@ -7011,7 +6989,7 @@
           <a:p>
             <a:r>
               <a:rPr lang="pt-BR" dirty="0" err="1" smtClean="0"/>
-              <a:t>Popover</a:t>
+              <a:t>Tooltip</a:t>
             </a:r>
             <a:endParaRPr lang="pt-BR" dirty="0"/>
           </a:p>
@@ -7020,7 +6998,7 @@
     </p:spTree>
     <p:extLst>
       <p:ext uri="{BB962C8B-B14F-4D97-AF65-F5344CB8AC3E}">
-        <p14:creationId xmlns:p14="http://schemas.microsoft.com/office/powerpoint/2010/main" val="1525610924"/>
+        <p14:creationId xmlns:p14="http://schemas.microsoft.com/office/powerpoint/2010/main" val="3690797595"/>
       </p:ext>
     </p:extLst>
   </p:cSld>
@@ -7066,108 +7044,273 @@
         </p:nvSpPr>
         <p:spPr/>
         <p:txBody>
-          <a:bodyPr/>
-          <a:lstStyle/>
-          <a:p>
-            <a:r>
-              <a:rPr lang="pt-BR" dirty="0" smtClean="0"/>
-              <a:t>O </a:t>
-            </a:r>
-            <a:r>
-              <a:rPr lang="pt-BR" dirty="0" err="1" smtClean="0"/>
-              <a:t>Popover</a:t>
-            </a:r>
-            <a:r>
-              <a:rPr lang="pt-BR" dirty="0" smtClean="0"/>
-              <a:t> é fechado que se perfaz um novo clique sobre o componente. Para fechar o </a:t>
-            </a:r>
-            <a:r>
-              <a:rPr lang="pt-BR" dirty="0" err="1" smtClean="0"/>
+          <a:bodyPr>
+            <a:normAutofit/>
+          </a:bodyPr>
+          <a:lstStyle/>
+          <a:p>
+            <a:r>
+              <a:rPr lang="pt-BR" dirty="0" err="1"/>
+              <a:t>Tooltip</a:t>
+            </a:r>
+            <a:r>
+              <a:rPr lang="pt-BR" dirty="0"/>
+              <a:t> é um </a:t>
+            </a:r>
+            <a:r>
+              <a:rPr lang="pt-BR" dirty="0" err="1"/>
+              <a:t>plugin</a:t>
+            </a:r>
+            <a:r>
+              <a:rPr lang="pt-BR" dirty="0"/>
+              <a:t> para </a:t>
+            </a:r>
+            <a:r>
+              <a:rPr lang="pt-BR" dirty="0" smtClean="0"/>
+              <a:t>uma janela (parecida com o </a:t>
+            </a:r>
+            <a:r>
+              <a:rPr lang="pt-BR" dirty="0" err="1" smtClean="0"/>
+              <a:t>tooltip</a:t>
+            </a:r>
+            <a:r>
+              <a:rPr lang="pt-BR" dirty="0" smtClean="0"/>
+              <a:t>) que </a:t>
+            </a:r>
+            <a:r>
+              <a:rPr lang="pt-BR" dirty="0"/>
+              <a:t>aparece ao se </a:t>
+            </a:r>
+            <a:r>
+              <a:rPr lang="pt-BR" dirty="0" smtClean="0"/>
+              <a:t>clicar em </a:t>
+            </a:r>
+            <a:r>
+              <a:rPr lang="pt-BR" dirty="0"/>
+              <a:t>um componente;</a:t>
+            </a:r>
+          </a:p>
+          <a:p>
+            <a:r>
+              <a:rPr lang="pt-BR" dirty="0"/>
+              <a:t>É criado adicionando a propriedade </a:t>
+            </a:r>
+            <a:r>
+              <a:rPr lang="pt-BR" dirty="0">
+                <a:latin typeface="Courier New" panose="02070309020205020404" pitchFamily="49" charset="0"/>
+                <a:cs typeface="Courier New" panose="02070309020205020404" pitchFamily="49" charset="0"/>
+              </a:rPr>
+              <a:t>data-</a:t>
+            </a:r>
+            <a:r>
+              <a:rPr lang="pt-BR" dirty="0" err="1">
+                <a:latin typeface="Courier New" panose="02070309020205020404" pitchFamily="49" charset="0"/>
+                <a:cs typeface="Courier New" panose="02070309020205020404" pitchFamily="49" charset="0"/>
+              </a:rPr>
+              <a:t>toggle</a:t>
+            </a:r>
+            <a:r>
+              <a:rPr lang="pt-BR" dirty="0">
+                <a:latin typeface="Courier New" panose="02070309020205020404" pitchFamily="49" charset="0"/>
+                <a:cs typeface="Courier New" panose="02070309020205020404" pitchFamily="49" charset="0"/>
+              </a:rPr>
+              <a:t>= </a:t>
+            </a:r>
+            <a:r>
+              <a:rPr lang="pt-BR" dirty="0" smtClean="0">
+                <a:latin typeface="Courier New" panose="02070309020205020404" pitchFamily="49" charset="0"/>
+                <a:cs typeface="Courier New" panose="02070309020205020404" pitchFamily="49" charset="0"/>
+              </a:rPr>
+              <a:t>“</a:t>
+            </a:r>
+            <a:r>
+              <a:rPr lang="pt-BR" dirty="0" err="1" smtClean="0">
+                <a:latin typeface="Courier New" panose="02070309020205020404" pitchFamily="49" charset="0"/>
+                <a:cs typeface="Courier New" panose="02070309020205020404" pitchFamily="49" charset="0"/>
+              </a:rPr>
               <a:t>popover</a:t>
             </a:r>
             <a:r>
-              <a:rPr lang="pt-BR" dirty="0" smtClean="0"/>
-              <a:t> com clique em </a:t>
-            </a:r>
-            <a:r>
-              <a:rPr lang="pt-BR" dirty="0" err="1" smtClean="0"/>
-              <a:t>qualque</a:t>
-            </a:r>
-            <a:r>
-              <a:rPr lang="pt-BR" dirty="0" smtClean="0"/>
-              <a:t> parte da tela, adicionamos </a:t>
+              <a:rPr lang="pt-BR" dirty="0" smtClean="0">
+                <a:latin typeface="Courier New" panose="02070309020205020404" pitchFamily="49" charset="0"/>
+                <a:cs typeface="Courier New" panose="02070309020205020404" pitchFamily="49" charset="0"/>
+              </a:rPr>
+              <a:t>”  </a:t>
             </a:r>
             <a:r>
               <a:rPr lang="pt-BR" dirty="0"/>
-              <a:t>a propriedade </a:t>
+              <a:t>e o título (que corresponde à dica) </a:t>
+            </a:r>
+            <a:r>
+              <a:rPr lang="pt-BR" dirty="0" err="1">
+                <a:latin typeface="Courier New" panose="02070309020205020404" pitchFamily="49" charset="0"/>
+                <a:cs typeface="Courier New" panose="02070309020205020404" pitchFamily="49" charset="0"/>
+              </a:rPr>
+              <a:t>title</a:t>
             </a:r>
             <a:r>
               <a:rPr lang="pt-BR" dirty="0">
                 <a:latin typeface="Courier New" panose="02070309020205020404" pitchFamily="49" charset="0"/>
                 <a:cs typeface="Courier New" panose="02070309020205020404" pitchFamily="49" charset="0"/>
               </a:rPr>
-              <a:t>data-trigger</a:t>
+              <a:t>=“Dica”</a:t>
+            </a:r>
+            <a:r>
+              <a:rPr lang="pt-BR" dirty="0"/>
+              <a:t> a um </a:t>
+            </a:r>
+            <a:r>
+              <a:rPr lang="pt-BR" dirty="0" smtClean="0"/>
+              <a:t>componente, mais o </a:t>
+            </a:r>
+            <a:r>
+              <a:rPr lang="pt-BR" dirty="0" err="1" smtClean="0"/>
+              <a:t>conteudo</a:t>
+            </a:r>
+            <a:r>
+              <a:rPr lang="pt-BR" dirty="0" smtClean="0"/>
+              <a:t>: </a:t>
             </a:r>
             <a:r>
               <a:rPr lang="pt-BR" dirty="0" smtClean="0">
                 <a:latin typeface="Courier New" panose="02070309020205020404" pitchFamily="49" charset="0"/>
                 <a:cs typeface="Courier New" panose="02070309020205020404" pitchFamily="49" charset="0"/>
               </a:rPr>
-              <a:t>=“</a:t>
+              <a:t>data-</a:t>
             </a:r>
             <a:r>
               <a:rPr lang="pt-BR" dirty="0" err="1" smtClean="0">
                 <a:latin typeface="Courier New" panose="02070309020205020404" pitchFamily="49" charset="0"/>
                 <a:cs typeface="Courier New" panose="02070309020205020404" pitchFamily="49" charset="0"/>
               </a:rPr>
-              <a:t>focus</a:t>
+              <a:t>content</a:t>
             </a:r>
             <a:r>
               <a:rPr lang="pt-BR" dirty="0" smtClean="0">
                 <a:latin typeface="Courier New" panose="02070309020205020404" pitchFamily="49" charset="0"/>
                 <a:cs typeface="Courier New" panose="02070309020205020404" pitchFamily="49" charset="0"/>
               </a:rPr>
-              <a:t>“</a:t>
-            </a:r>
-          </a:p>
-          <a:p>
-            <a:r>
-              <a:rPr lang="pt-BR" dirty="0" smtClean="0"/>
-              <a:t>Para abrir o </a:t>
-            </a:r>
-            <a:r>
-              <a:rPr lang="pt-BR" dirty="0" err="1" smtClean="0"/>
+              <a:t>=“Conteúdo”</a:t>
+            </a:r>
+            <a:endParaRPr lang="pt-BR" dirty="0">
+              <a:latin typeface="Courier New" panose="02070309020205020404" pitchFamily="49" charset="0"/>
+              <a:cs typeface="Courier New" panose="02070309020205020404" pitchFamily="49" charset="0"/>
+            </a:endParaRPr>
+          </a:p>
+          <a:p>
+            <a:r>
+              <a:rPr lang="pt-BR" dirty="0"/>
+              <a:t>É possível posicionar a dica com o uso da propriedade  </a:t>
+            </a:r>
+            <a:r>
+              <a:rPr lang="pt-BR" dirty="0">
+                <a:latin typeface="Courier New" panose="02070309020205020404" pitchFamily="49" charset="0"/>
+                <a:cs typeface="Courier New" panose="02070309020205020404" pitchFamily="49" charset="0"/>
+              </a:rPr>
+              <a:t>data-</a:t>
+            </a:r>
+            <a:r>
+              <a:rPr lang="pt-BR" dirty="0" err="1">
+                <a:latin typeface="Courier New" panose="02070309020205020404" pitchFamily="49" charset="0"/>
+                <a:cs typeface="Courier New" panose="02070309020205020404" pitchFamily="49" charset="0"/>
+              </a:rPr>
+              <a:t>placement</a:t>
+            </a:r>
+            <a:r>
+              <a:rPr lang="pt-BR" dirty="0"/>
+              <a:t> cujo valor pode ser </a:t>
+            </a:r>
+            <a:r>
+              <a:rPr lang="pt-BR" dirty="0">
+                <a:latin typeface="Courier New" panose="02070309020205020404" pitchFamily="49" charset="0"/>
+                <a:cs typeface="Courier New" panose="02070309020205020404" pitchFamily="49" charset="0"/>
+              </a:rPr>
+              <a:t>top</a:t>
+            </a:r>
+            <a:r>
+              <a:rPr lang="pt-BR" dirty="0"/>
+              <a:t>, </a:t>
+            </a:r>
+            <a:r>
+              <a:rPr lang="pt-BR" dirty="0" err="1">
+                <a:latin typeface="Courier New" panose="02070309020205020404" pitchFamily="49" charset="0"/>
+                <a:cs typeface="Courier New" panose="02070309020205020404" pitchFamily="49" charset="0"/>
+              </a:rPr>
+              <a:t>bottom</a:t>
+            </a:r>
+            <a:r>
+              <a:rPr lang="pt-BR" dirty="0"/>
+              <a:t>, </a:t>
+            </a:r>
+            <a:r>
+              <a:rPr lang="pt-BR" dirty="0" err="1">
+                <a:latin typeface="Courier New" panose="02070309020205020404" pitchFamily="49" charset="0"/>
+                <a:cs typeface="Courier New" panose="02070309020205020404" pitchFamily="49" charset="0"/>
+              </a:rPr>
+              <a:t>left</a:t>
+            </a:r>
+            <a:r>
+              <a:rPr lang="pt-BR" dirty="0"/>
+              <a:t>, </a:t>
+            </a:r>
+            <a:r>
+              <a:rPr lang="pt-BR" dirty="0" err="1">
+                <a:latin typeface="Courier New" panose="02070309020205020404" pitchFamily="49" charset="0"/>
+                <a:cs typeface="Courier New" panose="02070309020205020404" pitchFamily="49" charset="0"/>
+              </a:rPr>
+              <a:t>right</a:t>
+            </a:r>
+            <a:endParaRPr lang="pt-BR" dirty="0">
+              <a:latin typeface="Courier New" panose="02070309020205020404" pitchFamily="49" charset="0"/>
+              <a:cs typeface="Courier New" panose="02070309020205020404" pitchFamily="49" charset="0"/>
+            </a:endParaRPr>
+          </a:p>
+          <a:p>
+            <a:r>
+              <a:rPr lang="pt-BR" dirty="0">
+                <a:cs typeface="Courier New" panose="02070309020205020404" pitchFamily="49" charset="0"/>
+              </a:rPr>
+              <a:t>Está associado á uma função </a:t>
+            </a:r>
+            <a:r>
+              <a:rPr lang="pt-BR" dirty="0" err="1">
+                <a:cs typeface="Courier New" panose="02070309020205020404" pitchFamily="49" charset="0"/>
+              </a:rPr>
+              <a:t>jquery</a:t>
+            </a:r>
+            <a:r>
+              <a:rPr lang="pt-BR" dirty="0">
+                <a:cs typeface="Courier New" panose="02070309020205020404" pitchFamily="49" charset="0"/>
+              </a:rPr>
+              <a:t> </a:t>
+            </a:r>
+            <a:r>
+              <a:rPr lang="pt-BR" dirty="0" smtClean="0">
+                <a:cs typeface="Courier New" panose="02070309020205020404" pitchFamily="49" charset="0"/>
+              </a:rPr>
+              <a:t>(</a:t>
+            </a:r>
+            <a:r>
+              <a:rPr lang="pt-BR" dirty="0" err="1" smtClean="0">
+                <a:cs typeface="Courier New" panose="02070309020205020404" pitchFamily="49" charset="0"/>
+              </a:rPr>
               <a:t>popover</a:t>
             </a:r>
             <a:r>
-              <a:rPr lang="pt-BR" dirty="0" smtClean="0"/>
-              <a:t> ao passar o ponteiro do mouse por sobre o componente, adicionamos </a:t>
-            </a:r>
-            <a:r>
-              <a:rPr lang="pt-BR" dirty="0"/>
-              <a:t>a propriedade </a:t>
+              <a:rPr lang="pt-BR" dirty="0" smtClean="0">
+                <a:cs typeface="Courier New" panose="02070309020205020404" pitchFamily="49" charset="0"/>
+              </a:rPr>
+              <a:t>) </a:t>
             </a:r>
             <a:r>
               <a:rPr lang="pt-BR" dirty="0">
-                <a:latin typeface="Courier New" panose="02070309020205020404" pitchFamily="49" charset="0"/>
-                <a:cs typeface="Courier New" panose="02070309020205020404" pitchFamily="49" charset="0"/>
-              </a:rPr>
-              <a:t>data-trigger="</a:t>
-            </a:r>
-            <a:r>
-              <a:rPr lang="pt-BR" dirty="0" err="1">
-                <a:latin typeface="Courier New" panose="02070309020205020404" pitchFamily="49" charset="0"/>
-                <a:cs typeface="Courier New" panose="02070309020205020404" pitchFamily="49" charset="0"/>
-              </a:rPr>
-              <a:t>hover</a:t>
-            </a:r>
-            <a:r>
-              <a:rPr lang="pt-BR" dirty="0">
-                <a:latin typeface="Courier New" panose="02070309020205020404" pitchFamily="49" charset="0"/>
-                <a:cs typeface="Courier New" panose="02070309020205020404" pitchFamily="49" charset="0"/>
-              </a:rPr>
-              <a:t>"</a:t>
-            </a:r>
+                <a:cs typeface="Courier New" panose="02070309020205020404" pitchFamily="49" charset="0"/>
+              </a:rPr>
+              <a:t>e necessita da inclusão de um script para seu correto funcionamento</a:t>
+            </a:r>
+          </a:p>
+          <a:p>
+            <a:endParaRPr lang="pt-BR" dirty="0"/>
           </a:p>
         </p:txBody>
       </p:sp>
@@ -7197,7 +7340,7 @@
     </p:spTree>
     <p:extLst>
       <p:ext uri="{BB962C8B-B14F-4D97-AF65-F5344CB8AC3E}">
-        <p14:creationId xmlns:p14="http://schemas.microsoft.com/office/powerpoint/2010/main" val="2752224668"/>
+        <p14:creationId xmlns:p14="http://schemas.microsoft.com/office/powerpoint/2010/main" val="1525610924"/>
       </p:ext>
     </p:extLst>
   </p:cSld>
@@ -7247,6 +7390,183 @@
           <a:lstStyle/>
           <a:p>
             <a:r>
+              <a:rPr lang="pt-BR" dirty="0" smtClean="0"/>
+              <a:t>O </a:t>
+            </a:r>
+            <a:r>
+              <a:rPr lang="pt-BR" dirty="0" err="1" smtClean="0"/>
+              <a:t>Popover</a:t>
+            </a:r>
+            <a:r>
+              <a:rPr lang="pt-BR" dirty="0" smtClean="0"/>
+              <a:t> é fechado que se perfaz um novo clique sobre o componente. Para fechar o </a:t>
+            </a:r>
+            <a:r>
+              <a:rPr lang="pt-BR" dirty="0" err="1" smtClean="0"/>
+              <a:t>popover</a:t>
+            </a:r>
+            <a:r>
+              <a:rPr lang="pt-BR" dirty="0" smtClean="0"/>
+              <a:t> com clique em </a:t>
+            </a:r>
+            <a:r>
+              <a:rPr lang="pt-BR" dirty="0" err="1" smtClean="0"/>
+              <a:t>qualque</a:t>
+            </a:r>
+            <a:r>
+              <a:rPr lang="pt-BR" dirty="0" smtClean="0"/>
+              <a:t> parte da tela, adicionamos </a:t>
+            </a:r>
+            <a:r>
+              <a:rPr lang="pt-BR" dirty="0"/>
+              <a:t>a propriedade </a:t>
+            </a:r>
+            <a:r>
+              <a:rPr lang="pt-BR" dirty="0">
+                <a:latin typeface="Courier New" panose="02070309020205020404" pitchFamily="49" charset="0"/>
+                <a:cs typeface="Courier New" panose="02070309020205020404" pitchFamily="49" charset="0"/>
+              </a:rPr>
+              <a:t>data-trigger</a:t>
+            </a:r>
+            <a:r>
+              <a:rPr lang="pt-BR" dirty="0" smtClean="0">
+                <a:latin typeface="Courier New" panose="02070309020205020404" pitchFamily="49" charset="0"/>
+                <a:cs typeface="Courier New" panose="02070309020205020404" pitchFamily="49" charset="0"/>
+              </a:rPr>
+              <a:t>=“</a:t>
+            </a:r>
+            <a:r>
+              <a:rPr lang="pt-BR" dirty="0" err="1" smtClean="0">
+                <a:latin typeface="Courier New" panose="02070309020205020404" pitchFamily="49" charset="0"/>
+                <a:cs typeface="Courier New" panose="02070309020205020404" pitchFamily="49" charset="0"/>
+              </a:rPr>
+              <a:t>focus</a:t>
+            </a:r>
+            <a:r>
+              <a:rPr lang="pt-BR" dirty="0" smtClean="0">
+                <a:latin typeface="Courier New" panose="02070309020205020404" pitchFamily="49" charset="0"/>
+                <a:cs typeface="Courier New" panose="02070309020205020404" pitchFamily="49" charset="0"/>
+              </a:rPr>
+              <a:t>“</a:t>
+            </a:r>
+          </a:p>
+          <a:p>
+            <a:r>
+              <a:rPr lang="pt-BR" dirty="0" smtClean="0"/>
+              <a:t>Para abrir o </a:t>
+            </a:r>
+            <a:r>
+              <a:rPr lang="pt-BR" dirty="0" err="1" smtClean="0"/>
+              <a:t>popover</a:t>
+            </a:r>
+            <a:r>
+              <a:rPr lang="pt-BR" dirty="0" smtClean="0"/>
+              <a:t> ao passar o ponteiro do mouse por sobre o componente, adicionamos </a:t>
+            </a:r>
+            <a:r>
+              <a:rPr lang="pt-BR" dirty="0"/>
+              <a:t>a propriedade </a:t>
+            </a:r>
+            <a:r>
+              <a:rPr lang="pt-BR" dirty="0">
+                <a:latin typeface="Courier New" panose="02070309020205020404" pitchFamily="49" charset="0"/>
+                <a:cs typeface="Courier New" panose="02070309020205020404" pitchFamily="49" charset="0"/>
+              </a:rPr>
+              <a:t>data-trigger="</a:t>
+            </a:r>
+            <a:r>
+              <a:rPr lang="pt-BR" dirty="0" err="1">
+                <a:latin typeface="Courier New" panose="02070309020205020404" pitchFamily="49" charset="0"/>
+                <a:cs typeface="Courier New" panose="02070309020205020404" pitchFamily="49" charset="0"/>
+              </a:rPr>
+              <a:t>hover</a:t>
+            </a:r>
+            <a:r>
+              <a:rPr lang="pt-BR" dirty="0">
+                <a:latin typeface="Courier New" panose="02070309020205020404" pitchFamily="49" charset="0"/>
+                <a:cs typeface="Courier New" panose="02070309020205020404" pitchFamily="49" charset="0"/>
+              </a:rPr>
+              <a:t>"</a:t>
+            </a:r>
+          </a:p>
+        </p:txBody>
+      </p:sp>
+      <p:sp>
+        <p:nvSpPr>
+          <p:cNvPr id="3" name="Título 2"/>
+          <p:cNvSpPr>
+            <a:spLocks noGrp="1"/>
+          </p:cNvSpPr>
+          <p:nvPr>
+            <p:ph type="title"/>
+          </p:nvPr>
+        </p:nvSpPr>
+        <p:spPr/>
+        <p:txBody>
+          <a:bodyPr/>
+          <a:lstStyle/>
+          <a:p>
+            <a:r>
+              <a:rPr lang="pt-BR" dirty="0" err="1" smtClean="0"/>
+              <a:t>Popover</a:t>
+            </a:r>
+            <a:endParaRPr lang="pt-BR" dirty="0"/>
+          </a:p>
+        </p:txBody>
+      </p:sp>
+    </p:spTree>
+    <p:extLst>
+      <p:ext uri="{BB962C8B-B14F-4D97-AF65-F5344CB8AC3E}">
+        <p14:creationId xmlns:p14="http://schemas.microsoft.com/office/powerpoint/2010/main" val="2752224668"/>
+      </p:ext>
+    </p:extLst>
+  </p:cSld>
+  <p:clrMapOvr>
+    <a:masterClrMapping/>
+  </p:clrMapOvr>
+  <p:timing>
+    <p:tnLst>
+      <p:par>
+        <p:cTn id="1" dur="indefinite" restart="never" nodeType="tmRoot"/>
+      </p:par>
+    </p:tnLst>
+  </p:timing>
+</p:sld>
+</file>
+
+<file path=ppt/slides/slide37.xml><?xml version="1.0" encoding="utf-8"?>
+<p:sld xmlns:a="http://schemas.openxmlformats.org/drawingml/2006/main" xmlns:r="http://schemas.openxmlformats.org/officeDocument/2006/relationships" xmlns:p="http://schemas.openxmlformats.org/presentationml/2006/main">
+  <p:cSld>
+    <p:spTree>
+      <p:nvGrpSpPr>
+        <p:cNvPr id="1" name=""/>
+        <p:cNvGrpSpPr/>
+        <p:nvPr/>
+      </p:nvGrpSpPr>
+      <p:grpSpPr>
+        <a:xfrm>
+          <a:off x="0" y="0"/>
+          <a:ext cx="0" cy="0"/>
+          <a:chOff x="0" y="0"/>
+          <a:chExt cx="0" cy="0"/>
+        </a:xfrm>
+      </p:grpSpPr>
+      <p:sp>
+        <p:nvSpPr>
+          <p:cNvPr id="2" name="Espaço Reservado para Texto 1"/>
+          <p:cNvSpPr>
+            <a:spLocks noGrp="1"/>
+          </p:cNvSpPr>
+          <p:nvPr>
+            <p:ph type="body" idx="1"/>
+          </p:nvPr>
+        </p:nvSpPr>
+        <p:spPr/>
+        <p:txBody>
+          <a:bodyPr/>
+          <a:lstStyle/>
+          <a:p>
+            <a:r>
               <a:rPr lang="pt-BR" dirty="0" err="1" smtClean="0"/>
               <a:t>Plugin</a:t>
             </a:r>
@@ -7307,7 +7627,7 @@
 </p:sld>
 </file>
 
-<file path=ppt/slides/slide37.xml><?xml version="1.0" encoding="utf-8"?>
+<file path=ppt/slides/slide38.xml><?xml version="1.0" encoding="utf-8"?>
 <p:sld xmlns:a="http://schemas.openxmlformats.org/drawingml/2006/main" xmlns:r="http://schemas.openxmlformats.org/officeDocument/2006/relationships" xmlns:p="http://schemas.openxmlformats.org/presentationml/2006/main">
   <p:cSld>
     <p:spTree>

--- a/2018/2018.05.08-TheFoundations-BootStrap.pptx
+++ b/2018/2018.05.08-TheFoundations-BootStrap.pptx
@@ -36,13 +36,10 @@
     <p:sldId id="289" r:id="rId30"/>
     <p:sldId id="290" r:id="rId31"/>
     <p:sldId id="287" r:id="rId32"/>
-    <p:sldId id="288" r:id="rId33"/>
-    <p:sldId id="291" r:id="rId34"/>
-    <p:sldId id="292" r:id="rId35"/>
-    <p:sldId id="293" r:id="rId36"/>
-    <p:sldId id="294" r:id="rId37"/>
-    <p:sldId id="295" r:id="rId38"/>
-    <p:sldId id="296" r:id="rId39"/>
+    <p:sldId id="295" r:id="rId33"/>
+    <p:sldId id="301" r:id="rId34"/>
+    <p:sldId id="299" r:id="rId35"/>
+    <p:sldId id="300" r:id="rId36"/>
   </p:sldIdLst>
   <p:sldSz cx="12192000" cy="6858000"/>
   <p:notesSz cx="6858000" cy="9144000"/>
@@ -395,7 +392,7 @@
             <a:fld id="{B61BEF0D-F0BB-DE4B-95CE-6DB70DBA9567}" type="datetimeFigureOut">
               <a:rPr lang="en-US" smtClean="0"/>
               <a:pPr/>
-              <a:t>5/16/2018</a:t>
+              <a:t>5/22/2018</a:t>
             </a:fld>
             <a:endParaRPr lang="en-US" dirty="0"/>
           </a:p>
@@ -573,7 +570,7 @@
             <a:fld id="{B61BEF0D-F0BB-DE4B-95CE-6DB70DBA9567}" type="datetimeFigureOut">
               <a:rPr lang="en-US" smtClean="0"/>
               <a:pPr/>
-              <a:t>5/16/2018</a:t>
+              <a:t>5/22/2018</a:t>
             </a:fld>
             <a:endParaRPr lang="en-US" dirty="0"/>
           </a:p>
@@ -699,7 +696,7 @@
             <a:fld id="{B61BEF0D-F0BB-DE4B-95CE-6DB70DBA9567}" type="datetimeFigureOut">
               <a:rPr lang="en-US" smtClean="0"/>
               <a:pPr/>
-              <a:t>5/16/2018</a:t>
+              <a:t>5/22/2018</a:t>
             </a:fld>
             <a:endParaRPr lang="en-US" dirty="0"/>
           </a:p>
@@ -791,7 +788,7 @@
             <a:fld id="{B61BEF0D-F0BB-DE4B-95CE-6DB70DBA9567}" type="datetimeFigureOut">
               <a:rPr lang="en-US" smtClean="0"/>
               <a:pPr/>
-              <a:t>5/16/2018</a:t>
+              <a:t>5/22/2018</a:t>
             </a:fld>
             <a:endParaRPr lang="en-US" dirty="0"/>
           </a:p>
@@ -1031,7 +1028,7 @@
             <a:fld id="{B61BEF0D-F0BB-DE4B-95CE-6DB70DBA9567}" type="datetimeFigureOut">
               <a:rPr lang="en-US" smtClean="0"/>
               <a:pPr/>
-              <a:t>5/16/2018</a:t>
+              <a:t>5/22/2018</a:t>
             </a:fld>
             <a:endParaRPr lang="en-US" dirty="0"/>
           </a:p>
@@ -1209,7 +1206,7 @@
             <a:fld id="{B61BEF0D-F0BB-DE4B-95CE-6DB70DBA9567}" type="datetimeFigureOut">
               <a:rPr lang="en-US" smtClean="0"/>
               <a:pPr/>
-              <a:t>5/16/2018</a:t>
+              <a:t>5/22/2018</a:t>
             </a:fld>
             <a:endParaRPr lang="en-US" dirty="0"/>
           </a:p>
@@ -1449,7 +1446,7 @@
             <a:fld id="{B61BEF0D-F0BB-DE4B-95CE-6DB70DBA9567}" type="datetimeFigureOut">
               <a:rPr lang="en-US" smtClean="0"/>
               <a:pPr/>
-              <a:t>5/16/2018</a:t>
+              <a:t>5/22/2018</a:t>
             </a:fld>
             <a:endParaRPr lang="en-US" dirty="0"/>
           </a:p>
@@ -1720,7 +1717,7 @@
             <a:fld id="{B61BEF0D-F0BB-DE4B-95CE-6DB70DBA9567}" type="datetimeFigureOut">
               <a:rPr lang="en-US" smtClean="0"/>
               <a:pPr/>
-              <a:t>5/16/2018</a:t>
+              <a:t>5/22/2018</a:t>
             </a:fld>
             <a:endParaRPr lang="en-US" dirty="0"/>
           </a:p>
@@ -4018,11 +4015,7 @@
             </a:r>
             <a:r>
               <a:rPr lang="pt-BR" dirty="0" smtClean="0"/>
-              <a:t> para mostrar números indicativos das </a:t>
-            </a:r>
-            <a:r>
-              <a:rPr lang="pt-BR" dirty="0" smtClean="0"/>
-              <a:t>páginas</a:t>
+              <a:t> para mostrar números indicativos das páginas</a:t>
             </a:r>
           </a:p>
           <a:p>
@@ -4038,7 +4031,6 @@
               <a:rPr lang="pt-BR" dirty="0" smtClean="0"/>
               <a:t>-item associada aos itens da lista</a:t>
             </a:r>
-            <a:endParaRPr lang="pt-BR" dirty="0" smtClean="0"/>
           </a:p>
           <a:p>
             <a:pPr lvl="1"/>
@@ -4882,20 +4874,11 @@
               <a:rPr lang="pt-BR" dirty="0" smtClean="0"/>
               <a:t>)</a:t>
             </a:r>
-            <a:endParaRPr lang="pt-BR" dirty="0" smtClean="0"/>
-          </a:p>
-          <a:p>
-            <a:r>
-              <a:rPr lang="pt-BR" dirty="0" smtClean="0"/>
-              <a:t>É possível determinar o </a:t>
-            </a:r>
-            <a:r>
-              <a:rPr lang="pt-BR" dirty="0" smtClean="0"/>
-              <a:t>tamanho </a:t>
-            </a:r>
-            <a:r>
-              <a:rPr lang="pt-BR" dirty="0" smtClean="0"/>
-              <a:t>dos botões com as classes .</a:t>
+          </a:p>
+          <a:p>
+            <a:r>
+              <a:rPr lang="pt-BR" dirty="0" smtClean="0"/>
+              <a:t>É possível determinar o tamanho dos botões com as classes .</a:t>
             </a:r>
             <a:r>
               <a:rPr lang="pt-BR" dirty="0" err="1" smtClean="0">
@@ -4919,11 +4902,7 @@
             </a:r>
             <a:r>
               <a:rPr lang="pt-BR" dirty="0" smtClean="0"/>
-              <a:t> </a:t>
-            </a:r>
-            <a:r>
-              <a:rPr lang="pt-BR" dirty="0" smtClean="0"/>
-              <a:t>.</a:t>
+              <a:t> .</a:t>
             </a:r>
             <a:r>
               <a:rPr lang="pt-BR" dirty="0" err="1" smtClean="0">
@@ -4974,11 +4953,7 @@
             </a:r>
             <a:r>
               <a:rPr lang="pt-BR" dirty="0" smtClean="0"/>
-              <a:t> desabilita o click no </a:t>
-            </a:r>
-            <a:r>
-              <a:rPr lang="pt-BR" dirty="0" smtClean="0"/>
-              <a:t>botão</a:t>
+              <a:t> desabilita o click no botão</a:t>
             </a:r>
           </a:p>
           <a:p>
@@ -5067,11 +5042,7 @@
           <a:p>
             <a:r>
               <a:rPr lang="pt-BR" dirty="0" smtClean="0"/>
-              <a:t>Permite que se crie conjunto de botões de mesmo tamanho e sem separação entre eles</a:t>
-            </a:r>
-            <a:r>
-              <a:rPr lang="pt-BR" dirty="0" smtClean="0"/>
-              <a:t>.</a:t>
+              <a:t>Permite que se crie conjunto de botões de mesmo tamanho e sem separação entre eles.</a:t>
             </a:r>
           </a:p>
           <a:p>
@@ -5103,7 +5074,6 @@
               <a:rPr lang="pt-BR" dirty="0" smtClean="0"/>
               <a:t> / toolbar)</a:t>
             </a:r>
-            <a:endParaRPr lang="pt-BR" dirty="0" smtClean="0"/>
           </a:p>
           <a:p>
             <a:r>
@@ -5138,11 +5108,7 @@
           <a:p>
             <a:r>
               <a:rPr lang="pt-BR" dirty="0" smtClean="0"/>
-              <a:t>Pode-se adicionar as </a:t>
-            </a:r>
-            <a:r>
-              <a:rPr lang="pt-BR" dirty="0" smtClean="0"/>
-              <a:t>classes </a:t>
+              <a:t>Pode-se adicionar as classes </a:t>
             </a:r>
             <a:r>
               <a:rPr lang="pt-BR" dirty="0" err="1" smtClean="0"/>
@@ -5158,13 +5124,8 @@
             </a:r>
             <a:r>
               <a:rPr lang="pt-BR" dirty="0" smtClean="0"/>
-              <a:t> para determinar o tamanho dos </a:t>
-            </a:r>
-            <a:r>
-              <a:rPr lang="pt-BR" dirty="0" smtClean="0"/>
-              <a:t>botões</a:t>
-            </a:r>
-            <a:endParaRPr lang="pt-BR" dirty="0" smtClean="0"/>
+              <a:t> para determinar o tamanho dos botões</a:t>
+            </a:r>
           </a:p>
         </p:txBody>
       </p:sp>
@@ -5201,6 +5162,13 @@
   <p:clrMapOvr>
     <a:masterClrMapping/>
   </p:clrMapOvr>
+  <p:timing>
+    <p:tnLst>
+      <p:par>
+        <p:cTn id="1" dur="indefinite" restart="never" nodeType="tmRoot"/>
+      </p:par>
+    </p:tnLst>
+  </p:timing>
 </p:sld>
 </file>
 
@@ -5294,11 +5262,7 @@
             </a:r>
             <a:r>
               <a:rPr lang="pt-BR" dirty="0" smtClean="0"/>
-              <a:t>&gt; ou &lt;a&gt;, </a:t>
-            </a:r>
-            <a:r>
-              <a:rPr lang="pt-BR" dirty="0" smtClean="0"/>
-              <a:t> </a:t>
+              <a:t>&gt; ou &lt;a&gt;,  </a:t>
             </a:r>
             <a:r>
               <a:rPr lang="pt-BR" dirty="0" err="1" smtClean="0">
@@ -5322,11 +5286,7 @@
             </a:r>
             <a:r>
               <a:rPr lang="pt-BR" dirty="0" smtClean="0"/>
-              <a:t> </a:t>
-            </a:r>
-            <a:r>
-              <a:rPr lang="pt-BR" dirty="0" smtClean="0"/>
-              <a:t>&lt;</a:t>
+              <a:t> &lt;</a:t>
             </a:r>
             <a:r>
               <a:rPr lang="pt-BR" dirty="0" err="1" smtClean="0">
@@ -5340,11 +5300,7 @@
             </a:r>
             <a:r>
               <a:rPr lang="pt-BR" dirty="0" err="1" smtClean="0"/>
-              <a:t>drop</a:t>
-            </a:r>
-            <a:r>
-              <a:rPr lang="pt-BR" dirty="0" err="1" smtClean="0"/>
-              <a:t>down</a:t>
+              <a:t>dropdown</a:t>
             </a:r>
             <a:r>
               <a:rPr lang="pt-BR" dirty="0" smtClean="0"/>
@@ -5364,11 +5320,7 @@
             </a:r>
             <a:r>
               <a:rPr lang="pt-BR" dirty="0" smtClean="0"/>
-              <a:t>&gt;</a:t>
-            </a:r>
-            <a:r>
-              <a:rPr lang="pt-BR" dirty="0" smtClean="0"/>
-              <a:t>. Importante utilizar o atributo data-</a:t>
+              <a:t>&gt;. Importante utilizar o atributo data-</a:t>
             </a:r>
             <a:r>
               <a:rPr lang="pt-BR" dirty="0" err="1" smtClean="0"/>
@@ -5435,6 +5387,13 @@
   <p:clrMapOvr>
     <a:masterClrMapping/>
   </p:clrMapOvr>
+  <p:timing>
+    <p:tnLst>
+      <p:par>
+        <p:cTn id="1" dur="indefinite" restart="never" nodeType="tmRoot"/>
+      </p:par>
+    </p:tnLst>
+  </p:timing>
 </p:sld>
 </file>
 
@@ -5594,6 +5553,13 @@
   <p:clrMapOvr>
     <a:masterClrMapping/>
   </p:clrMapOvr>
+  <p:timing>
+    <p:tnLst>
+      <p:par>
+        <p:cTn id="1" dur="indefinite" restart="never" nodeType="tmRoot"/>
+      </p:par>
+    </p:tnLst>
+  </p:timing>
 </p:sld>
 </file>
 
@@ -5700,26 +5666,31 @@
           <a:p>
             <a:r>
               <a:rPr lang="pt-BR" dirty="0" smtClean="0"/>
-              <a:t>Para o uso com painéis e grupos de listas é </a:t>
-            </a:r>
-            <a:r>
-              <a:rPr lang="pt-BR" dirty="0" smtClean="0"/>
-              <a:t>ou um botão </a:t>
-            </a:r>
+              <a:t>Para o uso com painéis e grupos de listas </a:t>
+            </a:r>
+            <a:r>
+              <a:rPr lang="pt-BR" dirty="0" smtClean="0"/>
+              <a:t>(acionado por botão ou link)</a:t>
+            </a:r>
+            <a:endParaRPr lang="pt-BR" dirty="0" smtClean="0"/>
           </a:p>
           <a:p>
             <a:pPr lvl="1"/>
             <a:r>
               <a:rPr lang="pt-BR" dirty="0" smtClean="0"/>
-              <a:t>Link: é </a:t>
-            </a:r>
-            <a:r>
-              <a:rPr lang="pt-BR" dirty="0" smtClean="0"/>
-              <a:t>preciso </a:t>
-            </a:r>
-            <a:r>
-              <a:rPr lang="pt-BR" dirty="0" smtClean="0"/>
-              <a:t>inserir um link clicável com a propriedade </a:t>
+              <a:t>Button: </a:t>
+            </a:r>
+            <a:r>
+              <a:rPr lang="pt-BR" dirty="0" smtClean="0"/>
+              <a:t>é preciso inserir </a:t>
+            </a:r>
+            <a:r>
+              <a:rPr lang="pt-BR" dirty="0" smtClean="0"/>
+              <a:t> a </a:t>
+            </a:r>
+            <a:r>
+              <a:rPr lang="pt-BR" dirty="0" smtClean="0"/>
+              <a:t>propriedade </a:t>
             </a:r>
             <a:r>
               <a:rPr lang="pt-BR" dirty="0" smtClean="0">
@@ -5748,11 +5719,7 @@
             </a:r>
             <a:r>
               <a:rPr lang="pt-BR" dirty="0" smtClean="0"/>
-              <a:t> e </a:t>
-            </a:r>
-            <a:r>
-              <a:rPr lang="pt-BR" dirty="0" smtClean="0"/>
-              <a:t> data-</a:t>
+              <a:t> e  data-</a:t>
             </a:r>
             <a:r>
               <a:rPr lang="pt-BR" dirty="0" err="1" smtClean="0"/>
@@ -5775,19 +5742,11 @@
             <a:pPr lvl="1"/>
             <a:r>
               <a:rPr lang="pt-BR" dirty="0" smtClean="0"/>
-              <a:t>Button: é </a:t>
-            </a:r>
-            <a:r>
-              <a:rPr lang="pt-BR" dirty="0" err="1" smtClean="0"/>
-              <a:t>precido</a:t>
-            </a:r>
-            <a:r>
-              <a:rPr lang="pt-BR" dirty="0" smtClean="0"/>
-              <a:t> de um botão </a:t>
+              <a:t>Link: preciso a </a:t>
             </a:r>
             <a:r>
               <a:rPr lang="pt-BR" dirty="0"/>
-              <a:t>com a propriedade </a:t>
+              <a:t>propriedade </a:t>
             </a:r>
             <a:r>
               <a:rPr lang="pt-BR" dirty="0">
@@ -5842,15 +5801,7 @@
           <a:p>
             <a:r>
               <a:rPr lang="pt-BR" dirty="0" smtClean="0"/>
-              <a:t> </a:t>
-            </a:r>
-            <a:r>
-              <a:rPr lang="pt-BR" dirty="0" smtClean="0"/>
-              <a:t>o </a:t>
-            </a:r>
-            <a:r>
-              <a:rPr lang="pt-BR" dirty="0" smtClean="0"/>
-              <a:t>conteúdo que pode ser ocultado deve estar dentro de uma </a:t>
+              <a:t> o conteúdo que pode ser ocultado deve estar dentro de uma </a:t>
             </a:r>
             <a:r>
               <a:rPr lang="pt-BR" dirty="0" err="1" smtClean="0">
@@ -5861,11 +5812,7 @@
             </a:r>
             <a:r>
               <a:rPr lang="pt-BR" dirty="0" smtClean="0"/>
-              <a:t>  que utiliza </a:t>
-            </a:r>
-            <a:r>
-              <a:rPr lang="pt-BR" dirty="0" smtClean="0"/>
-              <a:t>a classe </a:t>
+              <a:t>  que utiliza a classe </a:t>
             </a:r>
             <a:r>
               <a:rPr lang="pt-BR" dirty="0" err="1" smtClean="0">
@@ -6125,11 +6072,7 @@
           <a:p>
             <a:r>
               <a:rPr lang="pt-BR" dirty="0" smtClean="0"/>
-              <a:t>Para implementar este tipo de componente se utilizam painéis e elementos ocultáveis</a:t>
-            </a:r>
-            <a:r>
-              <a:rPr lang="pt-BR" dirty="0" smtClean="0"/>
-              <a:t>.</a:t>
+              <a:t>Para implementar este tipo de componente se utilizam painéis e elementos ocultáveis.</a:t>
             </a:r>
           </a:p>
           <a:p>
@@ -6248,39 +6191,7 @@
               </a:rPr>
               <a:t>nav</a:t>
             </a:r>
-            <a:r>
-              <a:rPr lang="pt-BR" dirty="0" smtClean="0"/>
-              <a:t> com as classes </a:t>
-            </a:r>
-            <a:r>
-              <a:rPr lang="pt-BR" dirty="0" err="1" smtClean="0">
-                <a:latin typeface="Courier New" panose="02070309020205020404" pitchFamily="49" charset="0"/>
-                <a:cs typeface="Courier New" panose="02070309020205020404" pitchFamily="49" charset="0"/>
-              </a:rPr>
-              <a:t>navbar</a:t>
-            </a:r>
-            <a:r>
-              <a:rPr lang="pt-BR" dirty="0" smtClean="0"/>
-              <a:t> e </a:t>
-            </a:r>
-            <a:r>
-              <a:rPr lang="pt-BR" dirty="0" err="1" smtClean="0">
-                <a:latin typeface="Courier New" panose="02070309020205020404" pitchFamily="49" charset="0"/>
-                <a:cs typeface="Courier New" panose="02070309020205020404" pitchFamily="49" charset="0"/>
-              </a:rPr>
-              <a:t>navbar</a:t>
-            </a:r>
-            <a:r>
-              <a:rPr lang="pt-BR" dirty="0" smtClean="0">
-                <a:latin typeface="Courier New" panose="02070309020205020404" pitchFamily="49" charset="0"/>
-                <a:cs typeface="Courier New" panose="02070309020205020404" pitchFamily="49" charset="0"/>
-              </a:rPr>
-              <a:t>-default</a:t>
-            </a:r>
-            <a:r>
-              <a:rPr lang="pt-BR" dirty="0" smtClean="0"/>
-              <a:t>.</a:t>
-            </a:r>
+            <a:endParaRPr lang="pt-BR" dirty="0" smtClean="0"/>
           </a:p>
           <a:p>
             <a:r>
@@ -6289,12 +6200,27 @@
             </a:r>
             <a:r>
               <a:rPr lang="pt-BR" dirty="0" err="1" smtClean="0"/>
-              <a:t>navbar-inverse</a:t>
+              <a:t>navbar-dark</a:t>
             </a:r>
             <a:r>
               <a:rPr lang="pt-BR" dirty="0" smtClean="0"/>
               <a:t>;</a:t>
             </a:r>
+          </a:p>
+          <a:p>
+            <a:r>
+              <a:rPr lang="pt-BR" dirty="0" smtClean="0"/>
+              <a:t>Utilizar as classes de contexto (</a:t>
+            </a:r>
+            <a:r>
+              <a:rPr lang="pt-BR" dirty="0" err="1" smtClean="0"/>
+              <a:t>bg</a:t>
+            </a:r>
+            <a:r>
+              <a:rPr lang="pt-BR" dirty="0" smtClean="0"/>
+              <a:t>-*)</a:t>
+            </a:r>
+            <a:endParaRPr lang="pt-BR" dirty="0" smtClean="0"/>
           </a:p>
           <a:p>
             <a:r>
@@ -6447,6 +6373,13 @@
   <p:clrMapOvr>
     <a:masterClrMapping/>
   </p:clrMapOvr>
+  <p:timing>
+    <p:tnLst>
+      <p:par>
+        <p:cTn id="1" dur="indefinite" restart="never" nodeType="tmRoot"/>
+      </p:par>
+    </p:tnLst>
+  </p:timing>
 </p:sld>
 </file>
 
@@ -6483,54 +6416,18 @@
           <a:lstStyle/>
           <a:p>
             <a:r>
-              <a:rPr lang="pt-BR" dirty="0" smtClean="0"/>
-              <a:t>É possível posicionar botões à direita na barra de navegação com o uso da classe </a:t>
-            </a:r>
-            <a:r>
-              <a:rPr lang="pt-BR" dirty="0" err="1" smtClean="0"/>
-              <a:t>navbar-right</a:t>
-            </a:r>
-            <a:r>
-              <a:rPr lang="pt-BR" dirty="0" smtClean="0"/>
-              <a:t> à lista de botões &lt;</a:t>
-            </a:r>
-            <a:r>
-              <a:rPr lang="pt-BR" dirty="0" err="1" smtClean="0"/>
-              <a:t>ul</a:t>
-            </a:r>
-            <a:r>
-              <a:rPr lang="pt-BR" dirty="0" smtClean="0"/>
-              <a:t>&gt;</a:t>
-            </a:r>
-          </a:p>
-          <a:p>
-            <a:r>
-              <a:rPr lang="pt-BR" dirty="0" smtClean="0"/>
-              <a:t>Também é possível criar uma barra de navegação dinâmica, para isso utiliza-se a propriedade data-</a:t>
-            </a:r>
-            <a:r>
-              <a:rPr lang="pt-BR" dirty="0" err="1" smtClean="0"/>
-              <a:t>toggle</a:t>
-            </a:r>
-            <a:r>
-              <a:rPr lang="pt-BR" dirty="0" smtClean="0"/>
-              <a:t>=“</a:t>
-            </a:r>
-            <a:r>
-              <a:rPr lang="pt-BR" dirty="0" err="1" smtClean="0"/>
-              <a:t>collapse</a:t>
-            </a:r>
-            <a:r>
-              <a:rPr lang="pt-BR" dirty="0" smtClean="0"/>
-              <a:t>” e data-</a:t>
-            </a:r>
-            <a:r>
-              <a:rPr lang="pt-BR" dirty="0" err="1" smtClean="0"/>
-              <a:t>target</a:t>
-            </a:r>
-            <a:r>
-              <a:rPr lang="pt-BR" dirty="0" smtClean="0"/>
-              <a:t> referenciando para a barra de navegação com Id único. Vide exemplo.</a:t>
+              <a:rPr lang="pt-BR" dirty="0" err="1" smtClean="0"/>
+              <a:t>Plugin</a:t>
+            </a:r>
+            <a:r>
+              <a:rPr lang="pt-BR" dirty="0" smtClean="0"/>
+              <a:t> que modifica a informação da tela de acordo com a posição da barra de rolagem</a:t>
+            </a:r>
+          </a:p>
+          <a:p>
+            <a:r>
+              <a:rPr lang="pt-BR" dirty="0" smtClean="0"/>
+              <a:t>Pode ser feito com barra na vertical também</a:t>
             </a:r>
             <a:endParaRPr lang="pt-BR" dirty="0"/>
           </a:p>
@@ -6552,8 +6449,8 @@
           <a:lstStyle/>
           <a:p>
             <a:r>
-              <a:rPr lang="pt-BR" dirty="0" smtClean="0"/>
-              <a:t>Barras de Navegação</a:t>
+              <a:rPr lang="pt-BR" dirty="0" err="1" smtClean="0"/>
+              <a:t>Scrollspy</a:t>
             </a:r>
             <a:endParaRPr lang="pt-BR" dirty="0"/>
           </a:p>
@@ -6562,13 +6459,20 @@
     </p:spTree>
     <p:extLst>
       <p:ext uri="{BB962C8B-B14F-4D97-AF65-F5344CB8AC3E}">
-        <p14:creationId xmlns:p14="http://schemas.microsoft.com/office/powerpoint/2010/main" val="3424525587"/>
+        <p14:creationId xmlns:p14="http://schemas.microsoft.com/office/powerpoint/2010/main" val="4068183796"/>
       </p:ext>
     </p:extLst>
   </p:cSld>
   <p:clrMapOvr>
     <a:masterClrMapping/>
   </p:clrMapOvr>
+  <p:timing>
+    <p:tnLst>
+      <p:par>
+        <p:cTn id="1" dur="indefinite" restart="never" nodeType="tmRoot"/>
+      </p:par>
+    </p:tnLst>
+  </p:timing>
 </p:sld>
 </file>
 
@@ -6601,105 +6505,171 @@
         </p:nvSpPr>
         <p:spPr/>
         <p:txBody>
-          <a:bodyPr/>
-          <a:lstStyle/>
-          <a:p>
-            <a:r>
-              <a:rPr lang="pt-BR" dirty="0" smtClean="0"/>
-              <a:t>Modal é um </a:t>
-            </a:r>
-            <a:r>
-              <a:rPr lang="pt-BR" dirty="0" err="1" smtClean="0"/>
-              <a:t>plugin</a:t>
-            </a:r>
-            <a:r>
-              <a:rPr lang="pt-BR" dirty="0" smtClean="0"/>
-              <a:t> para janelas de pop </a:t>
-            </a:r>
-            <a:r>
-              <a:rPr lang="pt-BR" dirty="0" err="1" smtClean="0"/>
-              <a:t>up</a:t>
-            </a:r>
-            <a:r>
-              <a:rPr lang="pt-BR" dirty="0" smtClean="0"/>
-              <a:t> que aparecem no evento de click em botões e links;</a:t>
-            </a:r>
-          </a:p>
-          <a:p>
-            <a:r>
-              <a:rPr lang="pt-BR" dirty="0" smtClean="0"/>
-              <a:t>O tamanho do modal pode ser definido pelas classes </a:t>
-            </a:r>
-            <a:r>
-              <a:rPr lang="pt-BR" dirty="0" smtClean="0">
-                <a:latin typeface="Courier New" panose="02070309020205020404" pitchFamily="49" charset="0"/>
-                <a:cs typeface="Courier New" panose="02070309020205020404" pitchFamily="49" charset="0"/>
-              </a:rPr>
-              <a:t>modal-</a:t>
-            </a:r>
-            <a:r>
-              <a:rPr lang="pt-BR" dirty="0" err="1" smtClean="0">
-                <a:latin typeface="Courier New" panose="02070309020205020404" pitchFamily="49" charset="0"/>
-                <a:cs typeface="Courier New" panose="02070309020205020404" pitchFamily="49" charset="0"/>
-              </a:rPr>
-              <a:t>sm</a:t>
-            </a:r>
-            <a:r>
-              <a:rPr lang="pt-BR" dirty="0" smtClean="0"/>
-              <a:t> (pequeno) e </a:t>
-            </a:r>
-            <a:r>
-              <a:rPr lang="pt-BR" dirty="0" smtClean="0">
-                <a:latin typeface="Courier New" panose="02070309020205020404" pitchFamily="49" charset="0"/>
-                <a:cs typeface="Courier New" panose="02070309020205020404" pitchFamily="49" charset="0"/>
-              </a:rPr>
-              <a:t>modal-</a:t>
-            </a:r>
-            <a:r>
-              <a:rPr lang="pt-BR" dirty="0" err="1" smtClean="0">
-                <a:latin typeface="Courier New" panose="02070309020205020404" pitchFamily="49" charset="0"/>
-                <a:cs typeface="Courier New" panose="02070309020205020404" pitchFamily="49" charset="0"/>
-              </a:rPr>
-              <a:t>lg</a:t>
-            </a:r>
-            <a:r>
-              <a:rPr lang="pt-BR" dirty="0" smtClean="0"/>
-              <a:t> (grande) associadas à </a:t>
-            </a:r>
-            <a:r>
-              <a:rPr lang="pt-BR" dirty="0" err="1" smtClean="0">
-                <a:latin typeface="Courier New" panose="02070309020205020404" pitchFamily="49" charset="0"/>
-                <a:cs typeface="Courier New" panose="02070309020205020404" pitchFamily="49" charset="0"/>
-              </a:rPr>
+          <a:bodyPr>
+            <a:normAutofit lnSpcReduction="10000"/>
+          </a:bodyPr>
+          <a:lstStyle/>
+          <a:p>
+            <a:r>
+              <a:rPr lang="pt-BR" dirty="0" smtClean="0"/>
+              <a:t>Utilizar a </a:t>
+            </a:r>
+            <a:r>
+              <a:rPr lang="pt-BR" dirty="0" err="1" smtClean="0"/>
+              <a:t>tag</a:t>
+            </a:r>
+            <a:r>
+              <a:rPr lang="pt-BR" dirty="0" smtClean="0"/>
+              <a:t> &lt;</a:t>
+            </a:r>
+            <a:r>
+              <a:rPr lang="pt-BR" dirty="0" err="1" smtClean="0"/>
+              <a:t>form</a:t>
+            </a:r>
+            <a:r>
+              <a:rPr lang="pt-BR" dirty="0" smtClean="0"/>
+              <a:t>&gt;</a:t>
+            </a:r>
+          </a:p>
+          <a:p>
+            <a:r>
+              <a:rPr lang="pt-BR" dirty="0" smtClean="0"/>
+              <a:t>Para cada conjunto rótulo – formulário utilizar uma </a:t>
+            </a:r>
+            <a:r>
+              <a:rPr lang="pt-BR" dirty="0" err="1" smtClean="0"/>
               <a:t>div</a:t>
             </a:r>
             <a:r>
               <a:rPr lang="pt-BR" dirty="0" smtClean="0"/>
-              <a:t> que contém a classe </a:t>
-            </a:r>
-            <a:r>
-              <a:rPr lang="pt-BR" dirty="0" smtClean="0">
-                <a:latin typeface="Courier New" panose="02070309020205020404" pitchFamily="49" charset="0"/>
-                <a:cs typeface="Courier New" panose="02070309020205020404" pitchFamily="49" charset="0"/>
-              </a:rPr>
-              <a:t>modal-</a:t>
-            </a:r>
-            <a:r>
-              <a:rPr lang="pt-BR" dirty="0" err="1" smtClean="0">
-                <a:latin typeface="Courier New" panose="02070309020205020404" pitchFamily="49" charset="0"/>
-                <a:cs typeface="Courier New" panose="02070309020205020404" pitchFamily="49" charset="0"/>
-              </a:rPr>
-              <a:t>dialog</a:t>
-            </a:r>
-            <a:endParaRPr lang="pt-BR" dirty="0" smtClean="0">
-              <a:latin typeface="Courier New" panose="02070309020205020404" pitchFamily="49" charset="0"/>
-              <a:cs typeface="Courier New" panose="02070309020205020404" pitchFamily="49" charset="0"/>
-            </a:endParaRPr>
-          </a:p>
-          <a:p>
-            <a:r>
-              <a:rPr lang="pt-BR" dirty="0" smtClean="0"/>
-              <a:t>Vide exemplo</a:t>
+              <a:t> com a classe </a:t>
+            </a:r>
+            <a:r>
+              <a:rPr lang="pt-BR" dirty="0" err="1" smtClean="0"/>
+              <a:t>form-group</a:t>
+            </a:r>
+            <a:r>
+              <a:rPr lang="pt-BR" dirty="0" smtClean="0"/>
+              <a:t> (adicionar a classe </a:t>
+            </a:r>
+            <a:r>
+              <a:rPr lang="pt-BR" dirty="0" err="1" smtClean="0"/>
+              <a:t>row</a:t>
+            </a:r>
+            <a:r>
+              <a:rPr lang="pt-BR" dirty="0" smtClean="0"/>
+              <a:t> para que ambos fiquem na mesma linha)</a:t>
+            </a:r>
+          </a:p>
+          <a:p>
+            <a:r>
+              <a:rPr lang="pt-BR" dirty="0" smtClean="0"/>
+              <a:t>Os campos de formulário de texto, </a:t>
+            </a:r>
+            <a:r>
+              <a:rPr lang="pt-BR" dirty="0" err="1" smtClean="0"/>
+              <a:t>selects</a:t>
+            </a:r>
+            <a:r>
+              <a:rPr lang="pt-BR" dirty="0" smtClean="0"/>
+              <a:t> e </a:t>
+            </a:r>
+            <a:r>
+              <a:rPr lang="pt-BR" dirty="0" err="1" smtClean="0"/>
+              <a:t>textarea</a:t>
+            </a:r>
+            <a:r>
+              <a:rPr lang="pt-BR" dirty="0" smtClean="0"/>
+              <a:t> utilizam a classe </a:t>
+            </a:r>
+            <a:r>
+              <a:rPr lang="pt-BR" dirty="0" err="1" smtClean="0"/>
+              <a:t>form-control</a:t>
+            </a:r>
+            <a:endParaRPr lang="pt-BR" dirty="0" smtClean="0"/>
+          </a:p>
+          <a:p>
+            <a:r>
+              <a:rPr lang="pt-BR" dirty="0" smtClean="0"/>
+              <a:t>Os campos de formulário </a:t>
+            </a:r>
+            <a:r>
+              <a:rPr lang="pt-BR" dirty="0" err="1" smtClean="0"/>
+              <a:t>radiobutton</a:t>
+            </a:r>
+            <a:r>
+              <a:rPr lang="pt-BR" dirty="0" smtClean="0"/>
+              <a:t> e </a:t>
+            </a:r>
+            <a:r>
+              <a:rPr lang="pt-BR" dirty="0" err="1" smtClean="0"/>
+              <a:t>checkbox</a:t>
+            </a:r>
+            <a:r>
+              <a:rPr lang="pt-BR" dirty="0" smtClean="0"/>
+              <a:t> utilizam a classe </a:t>
+            </a:r>
+            <a:r>
+              <a:rPr lang="pt-BR" dirty="0" err="1" smtClean="0"/>
+              <a:t>form-check</a:t>
+            </a:r>
+            <a:r>
+              <a:rPr lang="pt-BR" dirty="0" smtClean="0"/>
+              <a:t>-* (utilizar o sufixo input para o campo de formulário em si e o sufixo </a:t>
+            </a:r>
+            <a:r>
+              <a:rPr lang="pt-BR" dirty="0" err="1" smtClean="0"/>
+              <a:t>label</a:t>
+            </a:r>
+            <a:r>
+              <a:rPr lang="pt-BR" dirty="0" smtClean="0"/>
+              <a:t> para os rótulos)</a:t>
+            </a:r>
+          </a:p>
+          <a:p>
+            <a:r>
+              <a:rPr lang="pt-BR" dirty="0" smtClean="0"/>
+              <a:t>Para que os campos </a:t>
+            </a:r>
+            <a:r>
+              <a:rPr lang="pt-BR" dirty="0" err="1" smtClean="0"/>
+              <a:t>radiobutton</a:t>
+            </a:r>
+            <a:r>
+              <a:rPr lang="pt-BR" dirty="0" smtClean="0"/>
+              <a:t> e/ou </a:t>
+            </a:r>
+            <a:r>
+              <a:rPr lang="pt-BR" dirty="0" err="1" smtClean="0"/>
+              <a:t>checkbox</a:t>
+            </a:r>
+            <a:r>
+              <a:rPr lang="pt-BR" dirty="0" smtClean="0"/>
+              <a:t> sejam exibidos em linha incluir na </a:t>
+            </a:r>
+            <a:r>
+              <a:rPr lang="pt-BR" dirty="0" err="1" smtClean="0"/>
+              <a:t>div</a:t>
+            </a:r>
+            <a:r>
+              <a:rPr lang="pt-BR" dirty="0" smtClean="0"/>
+              <a:t> do </a:t>
+            </a:r>
+            <a:r>
+              <a:rPr lang="pt-BR" dirty="0" err="1" smtClean="0"/>
+              <a:t>form-group</a:t>
+            </a:r>
+            <a:r>
+              <a:rPr lang="pt-BR" dirty="0" smtClean="0"/>
+              <a:t> a classe </a:t>
+            </a:r>
+            <a:r>
+              <a:rPr lang="pt-BR" dirty="0" err="1" smtClean="0"/>
+              <a:t>form-check-inline</a:t>
+            </a:r>
+            <a:r>
+              <a:rPr lang="pt-BR" dirty="0" smtClean="0"/>
+              <a:t>;</a:t>
             </a:r>
             <a:endParaRPr lang="pt-BR" dirty="0"/>
           </a:p>
@@ -6722,7 +6692,7 @@
           <a:p>
             <a:r>
               <a:rPr lang="pt-BR" dirty="0" smtClean="0"/>
-              <a:t>Modal</a:t>
+              <a:t>Formulários</a:t>
             </a:r>
             <a:endParaRPr lang="pt-BR" dirty="0"/>
           </a:p>
@@ -6731,20 +6701,13 @@
     </p:spTree>
     <p:extLst>
       <p:ext uri="{BB962C8B-B14F-4D97-AF65-F5344CB8AC3E}">
-        <p14:creationId xmlns:p14="http://schemas.microsoft.com/office/powerpoint/2010/main" val="2603158013"/>
+        <p14:creationId xmlns:p14="http://schemas.microsoft.com/office/powerpoint/2010/main" val="1928946732"/>
       </p:ext>
     </p:extLst>
   </p:cSld>
   <p:clrMapOvr>
     <a:masterClrMapping/>
   </p:clrMapOvr>
-  <p:timing>
-    <p:tnLst>
-      <p:par>
-        <p:cTn id="1" dur="indefinite" restart="never" nodeType="tmRoot"/>
-      </p:par>
-    </p:tnLst>
-  </p:timing>
 </p:sld>
 </file>
 
@@ -6775,201 +6738,52 @@
             <p:ph type="body" idx="1"/>
           </p:nvPr>
         </p:nvSpPr>
-        <p:spPr>
-          <a:xfrm>
-            <a:off x="711704" y="1600203"/>
-            <a:ext cx="10691758" cy="4525963"/>
-          </a:xfrm>
-        </p:spPr>
-        <p:txBody>
-          <a:bodyPr>
-            <a:normAutofit/>
-          </a:bodyPr>
-          <a:lstStyle/>
-          <a:p>
-            <a:r>
-              <a:rPr lang="pt-BR" dirty="0" err="1" smtClean="0"/>
-              <a:t>Tooltip</a:t>
-            </a:r>
-            <a:r>
-              <a:rPr lang="pt-BR" dirty="0" smtClean="0"/>
-              <a:t> é um </a:t>
-            </a:r>
-            <a:r>
-              <a:rPr lang="pt-BR" dirty="0" err="1" smtClean="0"/>
-              <a:t>plugin</a:t>
-            </a:r>
-            <a:r>
-              <a:rPr lang="pt-BR" dirty="0" smtClean="0"/>
-              <a:t> para dica que aparece ao se passar o ponteiro do mouse sobre um componente;</a:t>
-            </a:r>
-          </a:p>
-          <a:p>
-            <a:r>
-              <a:rPr lang="pt-BR" dirty="0" smtClean="0"/>
-              <a:t>É criado adicionando a propriedade </a:t>
+        <p:spPr/>
+        <p:txBody>
+          <a:bodyPr/>
+          <a:lstStyle/>
+          <a:p>
+            <a:r>
+              <a:rPr lang="pt-BR" dirty="0">
+                <a:hlinkClick r:id="rId2"/>
+              </a:rPr>
+              <a:t>https://</a:t>
             </a:r>
             <a:r>
               <a:rPr lang="pt-BR" dirty="0" smtClean="0">
-                <a:latin typeface="Courier New" panose="02070309020205020404" pitchFamily="49" charset="0"/>
-                <a:cs typeface="Courier New" panose="02070309020205020404" pitchFamily="49" charset="0"/>
-              </a:rPr>
-              <a:t>data-</a:t>
-            </a:r>
-            <a:r>
-              <a:rPr lang="pt-BR" dirty="0" err="1" smtClean="0">
-                <a:latin typeface="Courier New" panose="02070309020205020404" pitchFamily="49" charset="0"/>
-                <a:cs typeface="Courier New" panose="02070309020205020404" pitchFamily="49" charset="0"/>
-              </a:rPr>
-              <a:t>toggle</a:t>
+                <a:hlinkClick r:id="rId2"/>
+              </a:rPr>
+              <a:t>www.w3schools.com/bootstrap4/bootstrap_templates.asp</a:t>
+            </a:r>
+            <a:endParaRPr lang="pt-BR" dirty="0" smtClean="0"/>
+          </a:p>
+          <a:p>
+            <a:endParaRPr lang="pt-BR" dirty="0"/>
+          </a:p>
+          <a:p>
+            <a:r>
+              <a:rPr lang="pt-BR" dirty="0">
+                <a:hlinkClick r:id="rId3"/>
+              </a:rPr>
+              <a:t>https://colorlib.com/wp/free-bootstrap-4-website-templates</a:t>
             </a:r>
             <a:r>
               <a:rPr lang="pt-BR" dirty="0" smtClean="0">
-                <a:latin typeface="Courier New" panose="02070309020205020404" pitchFamily="49" charset="0"/>
-                <a:cs typeface="Courier New" panose="02070309020205020404" pitchFamily="49" charset="0"/>
-              </a:rPr>
-              <a:t>= “</a:t>
-            </a:r>
-            <a:r>
-              <a:rPr lang="pt-BR" dirty="0" err="1" smtClean="0">
-                <a:latin typeface="Courier New" panose="02070309020205020404" pitchFamily="49" charset="0"/>
-                <a:cs typeface="Courier New" panose="02070309020205020404" pitchFamily="49" charset="0"/>
-              </a:rPr>
-              <a:t>tooltip</a:t>
-            </a:r>
-            <a:r>
-              <a:rPr lang="pt-BR" dirty="0" smtClean="0">
-                <a:latin typeface="Courier New" panose="02070309020205020404" pitchFamily="49" charset="0"/>
-                <a:cs typeface="Courier New" panose="02070309020205020404" pitchFamily="49" charset="0"/>
-              </a:rPr>
-              <a:t>”  </a:t>
-            </a:r>
-            <a:r>
-              <a:rPr lang="pt-BR" dirty="0" smtClean="0"/>
-              <a:t>e o título (que corresponde à dica) </a:t>
-            </a:r>
-            <a:r>
-              <a:rPr lang="pt-BR" dirty="0" err="1" smtClean="0">
-                <a:latin typeface="Courier New" panose="02070309020205020404" pitchFamily="49" charset="0"/>
-                <a:cs typeface="Courier New" panose="02070309020205020404" pitchFamily="49" charset="0"/>
-              </a:rPr>
-              <a:t>title</a:t>
-            </a:r>
-            <a:r>
-              <a:rPr lang="pt-BR" dirty="0" smtClean="0">
-                <a:latin typeface="Courier New" panose="02070309020205020404" pitchFamily="49" charset="0"/>
-                <a:cs typeface="Courier New" panose="02070309020205020404" pitchFamily="49" charset="0"/>
-              </a:rPr>
-              <a:t>=“Dica”</a:t>
-            </a:r>
-            <a:r>
-              <a:rPr lang="pt-BR" dirty="0" smtClean="0"/>
-              <a:t> a um componente. </a:t>
-            </a:r>
-          </a:p>
-          <a:p>
-            <a:r>
-              <a:rPr lang="pt-BR" dirty="0" smtClean="0"/>
-              <a:t>É possível posicionar a dica com o uso da propriedade  </a:t>
-            </a:r>
-            <a:r>
-              <a:rPr lang="pt-BR" dirty="0" smtClean="0">
-                <a:latin typeface="Courier New" panose="02070309020205020404" pitchFamily="49" charset="0"/>
-                <a:cs typeface="Courier New" panose="02070309020205020404" pitchFamily="49" charset="0"/>
-              </a:rPr>
-              <a:t>data-</a:t>
-            </a:r>
-            <a:r>
-              <a:rPr lang="pt-BR" dirty="0" err="1" smtClean="0">
-                <a:latin typeface="Courier New" panose="02070309020205020404" pitchFamily="49" charset="0"/>
-                <a:cs typeface="Courier New" panose="02070309020205020404" pitchFamily="49" charset="0"/>
-              </a:rPr>
-              <a:t>placement</a:t>
-            </a:r>
-            <a:r>
-              <a:rPr lang="pt-BR" dirty="0" smtClean="0"/>
-              <a:t> cujo valor pode ser </a:t>
-            </a:r>
-            <a:r>
-              <a:rPr lang="pt-BR" dirty="0" smtClean="0">
-                <a:latin typeface="Courier New" panose="02070309020205020404" pitchFamily="49" charset="0"/>
-                <a:cs typeface="Courier New" panose="02070309020205020404" pitchFamily="49" charset="0"/>
-              </a:rPr>
-              <a:t>top</a:t>
-            </a:r>
-            <a:r>
-              <a:rPr lang="pt-BR" dirty="0" smtClean="0"/>
-              <a:t>, </a:t>
-            </a:r>
-            <a:r>
-              <a:rPr lang="pt-BR" dirty="0" err="1" smtClean="0">
-                <a:latin typeface="Courier New" panose="02070309020205020404" pitchFamily="49" charset="0"/>
-                <a:cs typeface="Courier New" panose="02070309020205020404" pitchFamily="49" charset="0"/>
-              </a:rPr>
-              <a:t>bottom</a:t>
-            </a:r>
-            <a:r>
-              <a:rPr lang="pt-BR" dirty="0" smtClean="0"/>
-              <a:t>, </a:t>
-            </a:r>
-            <a:r>
-              <a:rPr lang="pt-BR" dirty="0" err="1" smtClean="0">
-                <a:latin typeface="Courier New" panose="02070309020205020404" pitchFamily="49" charset="0"/>
-                <a:cs typeface="Courier New" panose="02070309020205020404" pitchFamily="49" charset="0"/>
-              </a:rPr>
-              <a:t>left</a:t>
-            </a:r>
-            <a:r>
-              <a:rPr lang="pt-BR" dirty="0" smtClean="0"/>
-              <a:t>, </a:t>
-            </a:r>
-            <a:r>
-              <a:rPr lang="pt-BR" dirty="0" err="1" smtClean="0">
-                <a:latin typeface="Courier New" panose="02070309020205020404" pitchFamily="49" charset="0"/>
-                <a:cs typeface="Courier New" panose="02070309020205020404" pitchFamily="49" charset="0"/>
-              </a:rPr>
-              <a:t>right</a:t>
-            </a:r>
-            <a:endParaRPr lang="pt-BR" dirty="0" smtClean="0">
-              <a:latin typeface="Courier New" panose="02070309020205020404" pitchFamily="49" charset="0"/>
-              <a:cs typeface="Courier New" panose="02070309020205020404" pitchFamily="49" charset="0"/>
-            </a:endParaRPr>
-          </a:p>
-          <a:p>
-            <a:r>
-              <a:rPr lang="pt-BR" dirty="0" smtClean="0">
-                <a:cs typeface="Courier New" panose="02070309020205020404" pitchFamily="49" charset="0"/>
-              </a:rPr>
-              <a:t>Está associado á uma função </a:t>
-            </a:r>
-            <a:r>
-              <a:rPr lang="pt-BR" dirty="0" err="1" smtClean="0">
-                <a:cs typeface="Courier New" panose="02070309020205020404" pitchFamily="49" charset="0"/>
-              </a:rPr>
-              <a:t>jquery</a:t>
-            </a:r>
-            <a:r>
-              <a:rPr lang="pt-BR" dirty="0" smtClean="0">
-                <a:cs typeface="Courier New" panose="02070309020205020404" pitchFamily="49" charset="0"/>
-              </a:rPr>
-              <a:t> (</a:t>
-            </a:r>
-            <a:r>
-              <a:rPr lang="pt-BR" dirty="0" err="1" smtClean="0">
-                <a:cs typeface="Courier New" panose="02070309020205020404" pitchFamily="49" charset="0"/>
-              </a:rPr>
-              <a:t>tooltip</a:t>
-            </a:r>
-            <a:r>
-              <a:rPr lang="pt-BR" dirty="0" smtClean="0">
-                <a:cs typeface="Courier New" panose="02070309020205020404" pitchFamily="49" charset="0"/>
-              </a:rPr>
-              <a:t>) e necessita da inclusão de um script para seu correto funcionamento</a:t>
-            </a:r>
+                <a:hlinkClick r:id="rId3"/>
+              </a:rPr>
+              <a:t>/</a:t>
+            </a:r>
+            <a:endParaRPr lang="pt-BR" dirty="0" smtClean="0"/>
           </a:p>
           <a:p>
             <a:endParaRPr lang="pt-BR" dirty="0"/>
           </a:p>
+          <a:p>
+            <a:r>
+              <a:rPr lang="pt-BR" dirty="0"/>
+              <a:t>https://cssauthor.com/bootstrap-templates/#Portfolio</a:t>
+            </a:r>
+          </a:p>
         </p:txBody>
       </p:sp>
       <p:sp>
@@ -6989,7 +6803,7 @@
           <a:p>
             <a:r>
               <a:rPr lang="pt-BR" dirty="0" err="1" smtClean="0"/>
-              <a:t>Tooltip</a:t>
+              <a:t>Templates</a:t>
             </a:r>
             <a:endParaRPr lang="pt-BR" dirty="0"/>
           </a:p>
@@ -6998,7 +6812,7 @@
     </p:spTree>
     <p:extLst>
       <p:ext uri="{BB962C8B-B14F-4D97-AF65-F5344CB8AC3E}">
-        <p14:creationId xmlns:p14="http://schemas.microsoft.com/office/powerpoint/2010/main" val="3690797595"/>
+        <p14:creationId xmlns:p14="http://schemas.microsoft.com/office/powerpoint/2010/main" val="3963782083"/>
       </p:ext>
     </p:extLst>
   </p:cSld>
@@ -7044,272 +6858,72 @@
         </p:nvSpPr>
         <p:spPr/>
         <p:txBody>
-          <a:bodyPr>
-            <a:normAutofit/>
-          </a:bodyPr>
-          <a:lstStyle/>
-          <a:p>
-            <a:r>
-              <a:rPr lang="pt-BR" dirty="0" err="1"/>
-              <a:t>Tooltip</a:t>
-            </a:r>
-            <a:r>
-              <a:rPr lang="pt-BR" dirty="0"/>
-              <a:t> é um </a:t>
-            </a:r>
-            <a:r>
-              <a:rPr lang="pt-BR" dirty="0" err="1"/>
-              <a:t>plugin</a:t>
-            </a:r>
-            <a:r>
-              <a:rPr lang="pt-BR" dirty="0"/>
-              <a:t> para </a:t>
-            </a:r>
-            <a:r>
-              <a:rPr lang="pt-BR" dirty="0" smtClean="0"/>
-              <a:t>uma janela (parecida com o </a:t>
-            </a:r>
-            <a:r>
-              <a:rPr lang="pt-BR" dirty="0" err="1" smtClean="0"/>
-              <a:t>tooltip</a:t>
-            </a:r>
-            <a:r>
-              <a:rPr lang="pt-BR" dirty="0" smtClean="0"/>
-              <a:t>) que </a:t>
-            </a:r>
-            <a:r>
-              <a:rPr lang="pt-BR" dirty="0"/>
-              <a:t>aparece ao se </a:t>
-            </a:r>
-            <a:r>
-              <a:rPr lang="pt-BR" dirty="0" smtClean="0"/>
-              <a:t>clicar em </a:t>
-            </a:r>
-            <a:r>
-              <a:rPr lang="pt-BR" dirty="0"/>
-              <a:t>um componente;</a:t>
-            </a:r>
-          </a:p>
-          <a:p>
-            <a:r>
-              <a:rPr lang="pt-BR" dirty="0"/>
-              <a:t>É criado adicionando a propriedade </a:t>
-            </a:r>
-            <a:r>
-              <a:rPr lang="pt-BR" dirty="0">
-                <a:latin typeface="Courier New" panose="02070309020205020404" pitchFamily="49" charset="0"/>
-                <a:cs typeface="Courier New" panose="02070309020205020404" pitchFamily="49" charset="0"/>
-              </a:rPr>
-              <a:t>data-</a:t>
-            </a:r>
-            <a:r>
-              <a:rPr lang="pt-BR" dirty="0" err="1">
-                <a:latin typeface="Courier New" panose="02070309020205020404" pitchFamily="49" charset="0"/>
-                <a:cs typeface="Courier New" panose="02070309020205020404" pitchFamily="49" charset="0"/>
-              </a:rPr>
-              <a:t>toggle</a:t>
-            </a:r>
-            <a:r>
-              <a:rPr lang="pt-BR" dirty="0">
-                <a:latin typeface="Courier New" panose="02070309020205020404" pitchFamily="49" charset="0"/>
-                <a:cs typeface="Courier New" panose="02070309020205020404" pitchFamily="49" charset="0"/>
-              </a:rPr>
-              <a:t>= </a:t>
-            </a:r>
-            <a:r>
-              <a:rPr lang="pt-BR" dirty="0" smtClean="0">
-                <a:latin typeface="Courier New" panose="02070309020205020404" pitchFamily="49" charset="0"/>
-                <a:cs typeface="Courier New" panose="02070309020205020404" pitchFamily="49" charset="0"/>
-              </a:rPr>
-              <a:t>“</a:t>
-            </a:r>
-            <a:r>
-              <a:rPr lang="pt-BR" dirty="0" err="1" smtClean="0">
-                <a:latin typeface="Courier New" panose="02070309020205020404" pitchFamily="49" charset="0"/>
-                <a:cs typeface="Courier New" panose="02070309020205020404" pitchFamily="49" charset="0"/>
-              </a:rPr>
-              <a:t>popover</a:t>
-            </a:r>
-            <a:r>
-              <a:rPr lang="pt-BR" dirty="0" smtClean="0">
-                <a:latin typeface="Courier New" panose="02070309020205020404" pitchFamily="49" charset="0"/>
-                <a:cs typeface="Courier New" panose="02070309020205020404" pitchFamily="49" charset="0"/>
-              </a:rPr>
-              <a:t>”  </a:t>
-            </a:r>
-            <a:r>
-              <a:rPr lang="pt-BR" dirty="0"/>
-              <a:t>e o título (que corresponde à dica) </a:t>
-            </a:r>
-            <a:r>
-              <a:rPr lang="pt-BR" dirty="0" err="1">
-                <a:latin typeface="Courier New" panose="02070309020205020404" pitchFamily="49" charset="0"/>
-                <a:cs typeface="Courier New" panose="02070309020205020404" pitchFamily="49" charset="0"/>
-              </a:rPr>
-              <a:t>title</a:t>
-            </a:r>
-            <a:r>
-              <a:rPr lang="pt-BR" dirty="0">
-                <a:latin typeface="Courier New" panose="02070309020205020404" pitchFamily="49" charset="0"/>
-                <a:cs typeface="Courier New" panose="02070309020205020404" pitchFamily="49" charset="0"/>
-              </a:rPr>
-              <a:t>=“Dica”</a:t>
-            </a:r>
-            <a:r>
-              <a:rPr lang="pt-BR" dirty="0"/>
-              <a:t> a um </a:t>
-            </a:r>
-            <a:r>
-              <a:rPr lang="pt-BR" dirty="0" smtClean="0"/>
-              <a:t>componente, mais o </a:t>
-            </a:r>
-            <a:r>
-              <a:rPr lang="pt-BR" dirty="0" err="1" smtClean="0"/>
-              <a:t>conteudo</a:t>
-            </a:r>
-            <a:r>
-              <a:rPr lang="pt-BR" dirty="0" smtClean="0"/>
-              <a:t>: </a:t>
-            </a:r>
-            <a:r>
-              <a:rPr lang="pt-BR" dirty="0" smtClean="0">
-                <a:latin typeface="Courier New" panose="02070309020205020404" pitchFamily="49" charset="0"/>
-                <a:cs typeface="Courier New" panose="02070309020205020404" pitchFamily="49" charset="0"/>
-              </a:rPr>
-              <a:t>data-</a:t>
-            </a:r>
-            <a:r>
-              <a:rPr lang="pt-BR" dirty="0" err="1" smtClean="0">
-                <a:latin typeface="Courier New" panose="02070309020205020404" pitchFamily="49" charset="0"/>
-                <a:cs typeface="Courier New" panose="02070309020205020404" pitchFamily="49" charset="0"/>
-              </a:rPr>
-              <a:t>content</a:t>
-            </a:r>
-            <a:r>
-              <a:rPr lang="pt-BR" dirty="0" smtClean="0">
-                <a:latin typeface="Courier New" panose="02070309020205020404" pitchFamily="49" charset="0"/>
-                <a:cs typeface="Courier New" panose="02070309020205020404" pitchFamily="49" charset="0"/>
-              </a:rPr>
-              <a:t>=“Conteúdo”</a:t>
-            </a:r>
-            <a:endParaRPr lang="pt-BR" dirty="0">
-              <a:latin typeface="Courier New" panose="02070309020205020404" pitchFamily="49" charset="0"/>
-              <a:cs typeface="Courier New" panose="02070309020205020404" pitchFamily="49" charset="0"/>
-            </a:endParaRPr>
-          </a:p>
-          <a:p>
-            <a:r>
-              <a:rPr lang="pt-BR" dirty="0"/>
-              <a:t>É possível posicionar a dica com o uso da propriedade  </a:t>
-            </a:r>
-            <a:r>
-              <a:rPr lang="pt-BR" dirty="0">
-                <a:latin typeface="Courier New" panose="02070309020205020404" pitchFamily="49" charset="0"/>
-                <a:cs typeface="Courier New" panose="02070309020205020404" pitchFamily="49" charset="0"/>
-              </a:rPr>
-              <a:t>data-</a:t>
-            </a:r>
-            <a:r>
-              <a:rPr lang="pt-BR" dirty="0" err="1">
-                <a:latin typeface="Courier New" panose="02070309020205020404" pitchFamily="49" charset="0"/>
-                <a:cs typeface="Courier New" panose="02070309020205020404" pitchFamily="49" charset="0"/>
-              </a:rPr>
-              <a:t>placement</a:t>
-            </a:r>
-            <a:r>
-              <a:rPr lang="pt-BR" dirty="0"/>
-              <a:t> cujo valor pode ser </a:t>
-            </a:r>
-            <a:r>
-              <a:rPr lang="pt-BR" dirty="0">
-                <a:latin typeface="Courier New" panose="02070309020205020404" pitchFamily="49" charset="0"/>
-                <a:cs typeface="Courier New" panose="02070309020205020404" pitchFamily="49" charset="0"/>
-              </a:rPr>
-              <a:t>top</a:t>
-            </a:r>
-            <a:r>
-              <a:rPr lang="pt-BR" dirty="0"/>
-              <a:t>, </a:t>
-            </a:r>
-            <a:r>
-              <a:rPr lang="pt-BR" dirty="0" err="1">
-                <a:latin typeface="Courier New" panose="02070309020205020404" pitchFamily="49" charset="0"/>
-                <a:cs typeface="Courier New" panose="02070309020205020404" pitchFamily="49" charset="0"/>
-              </a:rPr>
-              <a:t>bottom</a:t>
-            </a:r>
-            <a:r>
-              <a:rPr lang="pt-BR" dirty="0"/>
-              <a:t>, </a:t>
-            </a:r>
-            <a:r>
-              <a:rPr lang="pt-BR" dirty="0" err="1">
-                <a:latin typeface="Courier New" panose="02070309020205020404" pitchFamily="49" charset="0"/>
-                <a:cs typeface="Courier New" panose="02070309020205020404" pitchFamily="49" charset="0"/>
-              </a:rPr>
-              <a:t>left</a:t>
-            </a:r>
-            <a:r>
-              <a:rPr lang="pt-BR" dirty="0"/>
-              <a:t>, </a:t>
-            </a:r>
-            <a:r>
-              <a:rPr lang="pt-BR" dirty="0" err="1">
-                <a:latin typeface="Courier New" panose="02070309020205020404" pitchFamily="49" charset="0"/>
-                <a:cs typeface="Courier New" panose="02070309020205020404" pitchFamily="49" charset="0"/>
-              </a:rPr>
-              <a:t>right</a:t>
-            </a:r>
-            <a:endParaRPr lang="pt-BR" dirty="0">
-              <a:latin typeface="Courier New" panose="02070309020205020404" pitchFamily="49" charset="0"/>
-              <a:cs typeface="Courier New" panose="02070309020205020404" pitchFamily="49" charset="0"/>
-            </a:endParaRPr>
-          </a:p>
-          <a:p>
-            <a:r>
-              <a:rPr lang="pt-BR" dirty="0">
-                <a:cs typeface="Courier New" panose="02070309020205020404" pitchFamily="49" charset="0"/>
-              </a:rPr>
-              <a:t>Está associado á uma função </a:t>
-            </a:r>
-            <a:r>
-              <a:rPr lang="pt-BR" dirty="0" err="1">
-                <a:cs typeface="Courier New" panose="02070309020205020404" pitchFamily="49" charset="0"/>
-              </a:rPr>
-              <a:t>jquery</a:t>
-            </a:r>
-            <a:r>
-              <a:rPr lang="pt-BR" dirty="0">
-                <a:cs typeface="Courier New" panose="02070309020205020404" pitchFamily="49" charset="0"/>
-              </a:rPr>
-              <a:t> </a:t>
-            </a:r>
-            <a:r>
-              <a:rPr lang="pt-BR" dirty="0" smtClean="0">
-                <a:cs typeface="Courier New" panose="02070309020205020404" pitchFamily="49" charset="0"/>
-              </a:rPr>
-              <a:t>(</a:t>
-            </a:r>
-            <a:r>
-              <a:rPr lang="pt-BR" dirty="0" err="1" smtClean="0">
-                <a:cs typeface="Courier New" panose="02070309020205020404" pitchFamily="49" charset="0"/>
-              </a:rPr>
-              <a:t>popover</a:t>
-            </a:r>
-            <a:r>
-              <a:rPr lang="pt-BR" dirty="0" smtClean="0">
-                <a:cs typeface="Courier New" panose="02070309020205020404" pitchFamily="49" charset="0"/>
-              </a:rPr>
-              <a:t>) </a:t>
-            </a:r>
-            <a:r>
-              <a:rPr lang="pt-BR" dirty="0">
-                <a:cs typeface="Courier New" panose="02070309020205020404" pitchFamily="49" charset="0"/>
-              </a:rPr>
-              <a:t>e necessita da inclusão de um script para seu correto funcionamento</a:t>
-            </a:r>
-          </a:p>
-          <a:p>
+          <a:bodyPr/>
+          <a:lstStyle/>
+          <a:p>
+            <a:r>
+              <a:rPr lang="pt-BR" dirty="0" smtClean="0"/>
+              <a:t>Reestruturar a página pessoal, utilizando </a:t>
+            </a:r>
+            <a:r>
+              <a:rPr lang="pt-BR" dirty="0" err="1" smtClean="0"/>
+              <a:t>bootstrap</a:t>
+            </a:r>
+            <a:r>
+              <a:rPr lang="pt-BR" dirty="0" smtClean="0"/>
+              <a:t>.</a:t>
+            </a:r>
+          </a:p>
+          <a:p>
+            <a:r>
+              <a:rPr lang="pt-BR" dirty="0" smtClean="0"/>
+              <a:t>Itens Obrigatórios:</a:t>
+            </a:r>
+          </a:p>
+          <a:p>
+            <a:pPr lvl="1"/>
+            <a:r>
+              <a:rPr lang="pt-BR" dirty="0" err="1" smtClean="0"/>
+              <a:t>Navbar</a:t>
+            </a:r>
+            <a:endParaRPr lang="pt-BR" dirty="0" smtClean="0"/>
+          </a:p>
+          <a:p>
+            <a:pPr lvl="1"/>
+            <a:r>
+              <a:rPr lang="pt-BR" dirty="0" err="1" smtClean="0"/>
+              <a:t>Carousel</a:t>
+            </a:r>
+            <a:endParaRPr lang="pt-BR" dirty="0" smtClean="0"/>
+          </a:p>
+          <a:p>
+            <a:pPr lvl="1"/>
+            <a:r>
+              <a:rPr lang="pt-BR" dirty="0" err="1" smtClean="0"/>
+              <a:t>Cards</a:t>
+            </a:r>
+            <a:endParaRPr lang="pt-BR" dirty="0" smtClean="0"/>
+          </a:p>
+          <a:p>
+            <a:pPr lvl="1"/>
+            <a:r>
+              <a:rPr lang="pt-BR" dirty="0" err="1" smtClean="0"/>
+              <a:t>Acordion</a:t>
+            </a:r>
+            <a:endParaRPr lang="pt-BR" dirty="0" smtClean="0"/>
+          </a:p>
+          <a:p>
+            <a:pPr lvl="1"/>
+            <a:r>
+              <a:rPr lang="pt-BR" dirty="0" smtClean="0"/>
+              <a:t>Formulário (Contato por e-mail).</a:t>
+            </a:r>
+          </a:p>
+          <a:p>
+            <a:r>
+              <a:rPr lang="pt-BR" dirty="0" smtClean="0"/>
+              <a:t>Entrega: 11/06/2018</a:t>
+            </a:r>
             <a:endParaRPr lang="pt-BR" dirty="0"/>
           </a:p>
         </p:txBody>
@@ -7330,8 +6944,8 @@
           <a:lstStyle/>
           <a:p>
             <a:r>
-              <a:rPr lang="pt-BR" dirty="0" err="1" smtClean="0"/>
-              <a:t>Popover</a:t>
+              <a:rPr lang="pt-BR" dirty="0" smtClean="0"/>
+              <a:t>Trabalho</a:t>
             </a:r>
             <a:endParaRPr lang="pt-BR" dirty="0"/>
           </a:p>
@@ -7340,364 +6954,7 @@
     </p:spTree>
     <p:extLst>
       <p:ext uri="{BB962C8B-B14F-4D97-AF65-F5344CB8AC3E}">
-        <p14:creationId xmlns:p14="http://schemas.microsoft.com/office/powerpoint/2010/main" val="1525610924"/>
-      </p:ext>
-    </p:extLst>
-  </p:cSld>
-  <p:clrMapOvr>
-    <a:masterClrMapping/>
-  </p:clrMapOvr>
-  <p:timing>
-    <p:tnLst>
-      <p:par>
-        <p:cTn id="1" dur="indefinite" restart="never" nodeType="tmRoot"/>
-      </p:par>
-    </p:tnLst>
-  </p:timing>
-</p:sld>
-</file>
-
-<file path=ppt/slides/slide36.xml><?xml version="1.0" encoding="utf-8"?>
-<p:sld xmlns:a="http://schemas.openxmlformats.org/drawingml/2006/main" xmlns:r="http://schemas.openxmlformats.org/officeDocument/2006/relationships" xmlns:p="http://schemas.openxmlformats.org/presentationml/2006/main">
-  <p:cSld>
-    <p:spTree>
-      <p:nvGrpSpPr>
-        <p:cNvPr id="1" name=""/>
-        <p:cNvGrpSpPr/>
-        <p:nvPr/>
-      </p:nvGrpSpPr>
-      <p:grpSpPr>
-        <a:xfrm>
-          <a:off x="0" y="0"/>
-          <a:ext cx="0" cy="0"/>
-          <a:chOff x="0" y="0"/>
-          <a:chExt cx="0" cy="0"/>
-        </a:xfrm>
-      </p:grpSpPr>
-      <p:sp>
-        <p:nvSpPr>
-          <p:cNvPr id="2" name="Espaço Reservado para Texto 1"/>
-          <p:cNvSpPr>
-            <a:spLocks noGrp="1"/>
-          </p:cNvSpPr>
-          <p:nvPr>
-            <p:ph type="body" idx="1"/>
-          </p:nvPr>
-        </p:nvSpPr>
-        <p:spPr/>
-        <p:txBody>
-          <a:bodyPr/>
-          <a:lstStyle/>
-          <a:p>
-            <a:r>
-              <a:rPr lang="pt-BR" dirty="0" smtClean="0"/>
-              <a:t>O </a:t>
-            </a:r>
-            <a:r>
-              <a:rPr lang="pt-BR" dirty="0" err="1" smtClean="0"/>
-              <a:t>Popover</a:t>
-            </a:r>
-            <a:r>
-              <a:rPr lang="pt-BR" dirty="0" smtClean="0"/>
-              <a:t> é fechado que se perfaz um novo clique sobre o componente. Para fechar o </a:t>
-            </a:r>
-            <a:r>
-              <a:rPr lang="pt-BR" dirty="0" err="1" smtClean="0"/>
-              <a:t>popover</a:t>
-            </a:r>
-            <a:r>
-              <a:rPr lang="pt-BR" dirty="0" smtClean="0"/>
-              <a:t> com clique em </a:t>
-            </a:r>
-            <a:r>
-              <a:rPr lang="pt-BR" dirty="0" err="1" smtClean="0"/>
-              <a:t>qualque</a:t>
-            </a:r>
-            <a:r>
-              <a:rPr lang="pt-BR" dirty="0" smtClean="0"/>
-              <a:t> parte da tela, adicionamos </a:t>
-            </a:r>
-            <a:r>
-              <a:rPr lang="pt-BR" dirty="0"/>
-              <a:t>a propriedade </a:t>
-            </a:r>
-            <a:r>
-              <a:rPr lang="pt-BR" dirty="0">
-                <a:latin typeface="Courier New" panose="02070309020205020404" pitchFamily="49" charset="0"/>
-                <a:cs typeface="Courier New" panose="02070309020205020404" pitchFamily="49" charset="0"/>
-              </a:rPr>
-              <a:t>data-trigger</a:t>
-            </a:r>
-            <a:r>
-              <a:rPr lang="pt-BR" dirty="0" smtClean="0">
-                <a:latin typeface="Courier New" panose="02070309020205020404" pitchFamily="49" charset="0"/>
-                <a:cs typeface="Courier New" panose="02070309020205020404" pitchFamily="49" charset="0"/>
-              </a:rPr>
-              <a:t>=“</a:t>
-            </a:r>
-            <a:r>
-              <a:rPr lang="pt-BR" dirty="0" err="1" smtClean="0">
-                <a:latin typeface="Courier New" panose="02070309020205020404" pitchFamily="49" charset="0"/>
-                <a:cs typeface="Courier New" panose="02070309020205020404" pitchFamily="49" charset="0"/>
-              </a:rPr>
-              <a:t>focus</a:t>
-            </a:r>
-            <a:r>
-              <a:rPr lang="pt-BR" dirty="0" smtClean="0">
-                <a:latin typeface="Courier New" panose="02070309020205020404" pitchFamily="49" charset="0"/>
-                <a:cs typeface="Courier New" panose="02070309020205020404" pitchFamily="49" charset="0"/>
-              </a:rPr>
-              <a:t>“</a:t>
-            </a:r>
-          </a:p>
-          <a:p>
-            <a:r>
-              <a:rPr lang="pt-BR" dirty="0" smtClean="0"/>
-              <a:t>Para abrir o </a:t>
-            </a:r>
-            <a:r>
-              <a:rPr lang="pt-BR" dirty="0" err="1" smtClean="0"/>
-              <a:t>popover</a:t>
-            </a:r>
-            <a:r>
-              <a:rPr lang="pt-BR" dirty="0" smtClean="0"/>
-              <a:t> ao passar o ponteiro do mouse por sobre o componente, adicionamos </a:t>
-            </a:r>
-            <a:r>
-              <a:rPr lang="pt-BR" dirty="0"/>
-              <a:t>a propriedade </a:t>
-            </a:r>
-            <a:r>
-              <a:rPr lang="pt-BR" dirty="0">
-                <a:latin typeface="Courier New" panose="02070309020205020404" pitchFamily="49" charset="0"/>
-                <a:cs typeface="Courier New" panose="02070309020205020404" pitchFamily="49" charset="0"/>
-              </a:rPr>
-              <a:t>data-trigger="</a:t>
-            </a:r>
-            <a:r>
-              <a:rPr lang="pt-BR" dirty="0" err="1">
-                <a:latin typeface="Courier New" panose="02070309020205020404" pitchFamily="49" charset="0"/>
-                <a:cs typeface="Courier New" panose="02070309020205020404" pitchFamily="49" charset="0"/>
-              </a:rPr>
-              <a:t>hover</a:t>
-            </a:r>
-            <a:r>
-              <a:rPr lang="pt-BR" dirty="0">
-                <a:latin typeface="Courier New" panose="02070309020205020404" pitchFamily="49" charset="0"/>
-                <a:cs typeface="Courier New" panose="02070309020205020404" pitchFamily="49" charset="0"/>
-              </a:rPr>
-              <a:t>"</a:t>
-            </a:r>
-          </a:p>
-        </p:txBody>
-      </p:sp>
-      <p:sp>
-        <p:nvSpPr>
-          <p:cNvPr id="3" name="Título 2"/>
-          <p:cNvSpPr>
-            <a:spLocks noGrp="1"/>
-          </p:cNvSpPr>
-          <p:nvPr>
-            <p:ph type="title"/>
-          </p:nvPr>
-        </p:nvSpPr>
-        <p:spPr/>
-        <p:txBody>
-          <a:bodyPr/>
-          <a:lstStyle/>
-          <a:p>
-            <a:r>
-              <a:rPr lang="pt-BR" dirty="0" err="1" smtClean="0"/>
-              <a:t>Popover</a:t>
-            </a:r>
-            <a:endParaRPr lang="pt-BR" dirty="0"/>
-          </a:p>
-        </p:txBody>
-      </p:sp>
-    </p:spTree>
-    <p:extLst>
-      <p:ext uri="{BB962C8B-B14F-4D97-AF65-F5344CB8AC3E}">
-        <p14:creationId xmlns:p14="http://schemas.microsoft.com/office/powerpoint/2010/main" val="2752224668"/>
-      </p:ext>
-    </p:extLst>
-  </p:cSld>
-  <p:clrMapOvr>
-    <a:masterClrMapping/>
-  </p:clrMapOvr>
-  <p:timing>
-    <p:tnLst>
-      <p:par>
-        <p:cTn id="1" dur="indefinite" restart="never" nodeType="tmRoot"/>
-      </p:par>
-    </p:tnLst>
-  </p:timing>
-</p:sld>
-</file>
-
-<file path=ppt/slides/slide37.xml><?xml version="1.0" encoding="utf-8"?>
-<p:sld xmlns:a="http://schemas.openxmlformats.org/drawingml/2006/main" xmlns:r="http://schemas.openxmlformats.org/officeDocument/2006/relationships" xmlns:p="http://schemas.openxmlformats.org/presentationml/2006/main">
-  <p:cSld>
-    <p:spTree>
-      <p:nvGrpSpPr>
-        <p:cNvPr id="1" name=""/>
-        <p:cNvGrpSpPr/>
-        <p:nvPr/>
-      </p:nvGrpSpPr>
-      <p:grpSpPr>
-        <a:xfrm>
-          <a:off x="0" y="0"/>
-          <a:ext cx="0" cy="0"/>
-          <a:chOff x="0" y="0"/>
-          <a:chExt cx="0" cy="0"/>
-        </a:xfrm>
-      </p:grpSpPr>
-      <p:sp>
-        <p:nvSpPr>
-          <p:cNvPr id="2" name="Espaço Reservado para Texto 1"/>
-          <p:cNvSpPr>
-            <a:spLocks noGrp="1"/>
-          </p:cNvSpPr>
-          <p:nvPr>
-            <p:ph type="body" idx="1"/>
-          </p:nvPr>
-        </p:nvSpPr>
-        <p:spPr/>
-        <p:txBody>
-          <a:bodyPr/>
-          <a:lstStyle/>
-          <a:p>
-            <a:r>
-              <a:rPr lang="pt-BR" dirty="0" err="1" smtClean="0"/>
-              <a:t>Plugin</a:t>
-            </a:r>
-            <a:r>
-              <a:rPr lang="pt-BR" dirty="0" smtClean="0"/>
-              <a:t> que modifica a informação da tela de acordo com a posição da barra de rolagem</a:t>
-            </a:r>
-          </a:p>
-          <a:p>
-            <a:r>
-              <a:rPr lang="pt-BR" dirty="0" smtClean="0"/>
-              <a:t>Pode ser feito com barra na vertical também</a:t>
-            </a:r>
-            <a:endParaRPr lang="pt-BR" dirty="0"/>
-          </a:p>
-        </p:txBody>
-      </p:sp>
-      <p:sp>
-        <p:nvSpPr>
-          <p:cNvPr id="3" name="Título 2"/>
-          <p:cNvSpPr>
-            <a:spLocks noGrp="1"/>
-          </p:cNvSpPr>
-          <p:nvPr>
-            <p:ph type="title"/>
-          </p:nvPr>
-        </p:nvSpPr>
-        <p:spPr/>
-        <p:txBody>
-          <a:bodyPr/>
-          <a:lstStyle/>
-          <a:p>
-            <a:r>
-              <a:rPr lang="pt-BR" dirty="0" err="1" smtClean="0"/>
-              <a:t>Scrollspy</a:t>
-            </a:r>
-            <a:endParaRPr lang="pt-BR" dirty="0"/>
-          </a:p>
-        </p:txBody>
-      </p:sp>
-    </p:spTree>
-    <p:extLst>
-      <p:ext uri="{BB962C8B-B14F-4D97-AF65-F5344CB8AC3E}">
-        <p14:creationId xmlns:p14="http://schemas.microsoft.com/office/powerpoint/2010/main" val="4068183796"/>
-      </p:ext>
-    </p:extLst>
-  </p:cSld>
-  <p:clrMapOvr>
-    <a:masterClrMapping/>
-  </p:clrMapOvr>
-  <p:timing>
-    <p:tnLst>
-      <p:par>
-        <p:cTn id="1" dur="indefinite" restart="never" nodeType="tmRoot"/>
-      </p:par>
-    </p:tnLst>
-  </p:timing>
-</p:sld>
-</file>
-
-<file path=ppt/slides/slide38.xml><?xml version="1.0" encoding="utf-8"?>
-<p:sld xmlns:a="http://schemas.openxmlformats.org/drawingml/2006/main" xmlns:r="http://schemas.openxmlformats.org/officeDocument/2006/relationships" xmlns:p="http://schemas.openxmlformats.org/presentationml/2006/main">
-  <p:cSld>
-    <p:spTree>
-      <p:nvGrpSpPr>
-        <p:cNvPr id="1" name=""/>
-        <p:cNvGrpSpPr/>
-        <p:nvPr/>
-      </p:nvGrpSpPr>
-      <p:grpSpPr>
-        <a:xfrm>
-          <a:off x="0" y="0"/>
-          <a:ext cx="0" cy="0"/>
-          <a:chOff x="0" y="0"/>
-          <a:chExt cx="0" cy="0"/>
-        </a:xfrm>
-      </p:grpSpPr>
-      <p:sp>
-        <p:nvSpPr>
-          <p:cNvPr id="2" name="Espaço Reservado para Texto 1"/>
-          <p:cNvSpPr>
-            <a:spLocks noGrp="1"/>
-          </p:cNvSpPr>
-          <p:nvPr>
-            <p:ph type="body" idx="1"/>
-          </p:nvPr>
-        </p:nvSpPr>
-        <p:spPr/>
-        <p:txBody>
-          <a:bodyPr/>
-          <a:lstStyle/>
-          <a:p>
-            <a:r>
-              <a:rPr lang="pt-BR" dirty="0" err="1" smtClean="0"/>
-              <a:t>Plugin</a:t>
-            </a:r>
-            <a:r>
-              <a:rPr lang="pt-BR" dirty="0" smtClean="0"/>
-              <a:t> para fixar um componente na página, fazendo com que ele não se mova durante a rolagem.</a:t>
-            </a:r>
-            <a:endParaRPr lang="pt-BR" dirty="0"/>
-          </a:p>
-        </p:txBody>
-      </p:sp>
-      <p:sp>
-        <p:nvSpPr>
-          <p:cNvPr id="3" name="Título 2"/>
-          <p:cNvSpPr>
-            <a:spLocks noGrp="1"/>
-          </p:cNvSpPr>
-          <p:nvPr>
-            <p:ph type="title"/>
-          </p:nvPr>
-        </p:nvSpPr>
-        <p:spPr/>
-        <p:txBody>
-          <a:bodyPr/>
-          <a:lstStyle/>
-          <a:p>
-            <a:r>
-              <a:rPr lang="pt-BR" dirty="0" err="1" smtClean="0"/>
-              <a:t>Affix</a:t>
-            </a:r>
-            <a:endParaRPr lang="pt-BR" dirty="0"/>
-          </a:p>
-        </p:txBody>
-      </p:sp>
-    </p:spTree>
-    <p:extLst>
-      <p:ext uri="{BB962C8B-B14F-4D97-AF65-F5344CB8AC3E}">
-        <p14:creationId xmlns:p14="http://schemas.microsoft.com/office/powerpoint/2010/main" val="1492888370"/>
+        <p14:creationId xmlns:p14="http://schemas.microsoft.com/office/powerpoint/2010/main" val="3477785618"/>
       </p:ext>
     </p:extLst>
   </p:cSld>
